--- a/docs/ESA2019DataScienceFundamentals.pptx
+++ b/docs/ESA2019DataScienceFundamentals.pptx
@@ -9,14 +9,19 @@
     <p:sldId id="256" r:id="rId3"/>
     <p:sldId id="266" r:id="rId4"/>
     <p:sldId id="280" r:id="rId5"/>
-    <p:sldId id="279" r:id="rId6"/>
-    <p:sldId id="264" r:id="rId7"/>
-    <p:sldId id="261" r:id="rId8"/>
-    <p:sldId id="265" r:id="rId9"/>
-    <p:sldId id="281" r:id="rId10"/>
-    <p:sldId id="268" r:id="rId11"/>
-    <p:sldId id="282" r:id="rId12"/>
-    <p:sldId id="283" r:id="rId13"/>
+    <p:sldId id="284" r:id="rId6"/>
+    <p:sldId id="285" r:id="rId7"/>
+    <p:sldId id="286" r:id="rId8"/>
+    <p:sldId id="287" r:id="rId9"/>
+    <p:sldId id="288" r:id="rId10"/>
+    <p:sldId id="279" r:id="rId11"/>
+    <p:sldId id="264" r:id="rId12"/>
+    <p:sldId id="261" r:id="rId13"/>
+    <p:sldId id="265" r:id="rId14"/>
+    <p:sldId id="281" r:id="rId15"/>
+    <p:sldId id="268" r:id="rId16"/>
+    <p:sldId id="282" r:id="rId17"/>
+    <p:sldId id="283" r:id="rId18"/>
   </p:sldIdLst>
   <p:sldSz cx="12192000" cy="6858000"/>
   <p:notesSz cx="6858000" cy="9144000"/>
@@ -263,7 +268,7 @@
           <a:p>
             <a:fld id="{9647D9A9-6260-4B4C-BDBD-D80F99BF9AE1}" type="datetimeFigureOut">
               <a:rPr lang="en-US" smtClean="0"/>
-              <a:t>8/1/19</a:t>
+              <a:t>8/10/19</a:t>
             </a:fld>
             <a:endParaRPr lang="en-US"/>
           </a:p>
@@ -431,7 +436,7 @@
           <a:p>
             <a:fld id="{9647D9A9-6260-4B4C-BDBD-D80F99BF9AE1}" type="datetimeFigureOut">
               <a:rPr lang="en-US" smtClean="0"/>
-              <a:t>8/1/19</a:t>
+              <a:t>8/10/19</a:t>
             </a:fld>
             <a:endParaRPr lang="en-US"/>
           </a:p>
@@ -609,7 +614,7 @@
           <a:p>
             <a:fld id="{9647D9A9-6260-4B4C-BDBD-D80F99BF9AE1}" type="datetimeFigureOut">
               <a:rPr lang="en-US" smtClean="0"/>
-              <a:t>8/1/19</a:t>
+              <a:t>8/10/19</a:t>
             </a:fld>
             <a:endParaRPr lang="en-US"/>
           </a:p>
@@ -777,7 +782,7 @@
           <a:p>
             <a:fld id="{9647D9A9-6260-4B4C-BDBD-D80F99BF9AE1}" type="datetimeFigureOut">
               <a:rPr lang="en-US" smtClean="0"/>
-              <a:t>8/1/19</a:t>
+              <a:t>8/10/19</a:t>
             </a:fld>
             <a:endParaRPr lang="en-US"/>
           </a:p>
@@ -1022,7 +1027,7 @@
           <a:p>
             <a:fld id="{9647D9A9-6260-4B4C-BDBD-D80F99BF9AE1}" type="datetimeFigureOut">
               <a:rPr lang="en-US" smtClean="0"/>
-              <a:t>8/1/19</a:t>
+              <a:t>8/10/19</a:t>
             </a:fld>
             <a:endParaRPr lang="en-US"/>
           </a:p>
@@ -1251,7 +1256,7 @@
           <a:p>
             <a:fld id="{9647D9A9-6260-4B4C-BDBD-D80F99BF9AE1}" type="datetimeFigureOut">
               <a:rPr lang="en-US" smtClean="0"/>
-              <a:t>8/1/19</a:t>
+              <a:t>8/10/19</a:t>
             </a:fld>
             <a:endParaRPr lang="en-US"/>
           </a:p>
@@ -1615,7 +1620,7 @@
           <a:p>
             <a:fld id="{9647D9A9-6260-4B4C-BDBD-D80F99BF9AE1}" type="datetimeFigureOut">
               <a:rPr lang="en-US" smtClean="0"/>
-              <a:t>8/1/19</a:t>
+              <a:t>8/10/19</a:t>
             </a:fld>
             <a:endParaRPr lang="en-US"/>
           </a:p>
@@ -1732,7 +1737,7 @@
           <a:p>
             <a:fld id="{9647D9A9-6260-4B4C-BDBD-D80F99BF9AE1}" type="datetimeFigureOut">
               <a:rPr lang="en-US" smtClean="0"/>
-              <a:t>8/1/19</a:t>
+              <a:t>8/10/19</a:t>
             </a:fld>
             <a:endParaRPr lang="en-US"/>
           </a:p>
@@ -1827,7 +1832,7 @@
           <a:p>
             <a:fld id="{9647D9A9-6260-4B4C-BDBD-D80F99BF9AE1}" type="datetimeFigureOut">
               <a:rPr lang="en-US" smtClean="0"/>
-              <a:t>8/1/19</a:t>
+              <a:t>8/10/19</a:t>
             </a:fld>
             <a:endParaRPr lang="en-US"/>
           </a:p>
@@ -2102,7 +2107,7 @@
           <a:p>
             <a:fld id="{9647D9A9-6260-4B4C-BDBD-D80F99BF9AE1}" type="datetimeFigureOut">
               <a:rPr lang="en-US" smtClean="0"/>
-              <a:t>8/1/19</a:t>
+              <a:t>8/10/19</a:t>
             </a:fld>
             <a:endParaRPr lang="en-US"/>
           </a:p>
@@ -2354,7 +2359,7 @@
           <a:p>
             <a:fld id="{9647D9A9-6260-4B4C-BDBD-D80F99BF9AE1}" type="datetimeFigureOut">
               <a:rPr lang="en-US" smtClean="0"/>
-              <a:t>8/1/19</a:t>
+              <a:t>8/10/19</a:t>
             </a:fld>
             <a:endParaRPr lang="en-US"/>
           </a:p>
@@ -2565,7 +2570,7 @@
           <a:p>
             <a:fld id="{9647D9A9-6260-4B4C-BDBD-D80F99BF9AE1}" type="datetimeFigureOut">
               <a:rPr lang="en-US" smtClean="0"/>
-              <a:t>8/1/19</a:t>
+              <a:t>8/10/19</a:t>
             </a:fld>
             <a:endParaRPr lang="en-US"/>
           </a:p>
@@ -3107,9 +3112,94 @@
           <a:chExt cx="0" cy="0"/>
         </a:xfrm>
       </p:grpSpPr>
-      <p:sp>
-        <p:nvSpPr>
-          <p:cNvPr id="4" name="Rectangle 3"/>
+      <p:pic>
+        <p:nvPicPr>
+          <p:cNvPr id="11" name="Picture 2" descr="https://lh4.googleusercontent.com/BlxOQY2xuM44gUqoRZPKO-7Yypo3dWtJHcZ9jL2Xad_f_1CC4PlBw2RQUciqmzLYp2LRXCn-viRBRPYLOj3GO5zQqUmctMZ1VJ7ZpVm3oCuxNlM-TSN_RCl0BCWGmKCdzVy-zbjt">
+            <a:extLst>
+              <a:ext uri="{FF2B5EF4-FFF2-40B4-BE49-F238E27FC236}">
+                <a16:creationId xmlns:a16="http://schemas.microsoft.com/office/drawing/2014/main" id="{8A6A3F44-6FB8-4249-8D1C-A835480589AD}"/>
+              </a:ext>
+            </a:extLst>
+          </p:cNvPr>
+          <p:cNvPicPr>
+            <a:picLocks noChangeAspect="1" noChangeArrowheads="1"/>
+          </p:cNvPicPr>
+          <p:nvPr/>
+        </p:nvPicPr>
+        <p:blipFill>
+          <a:blip r:embed="rId2">
+            <a:extLst>
+              <a:ext uri="{28A0092B-C50C-407E-A947-70E740481C1C}">
+                <a14:useLocalDpi xmlns:a14="http://schemas.microsoft.com/office/drawing/2010/main" val="0"/>
+              </a:ext>
+            </a:extLst>
+          </a:blip>
+          <a:stretch>
+            <a:fillRect/>
+          </a:stretch>
+        </p:blipFill>
+        <p:spPr bwMode="auto">
+          <a:xfrm>
+            <a:off x="984981" y="1579542"/>
+            <a:ext cx="8861412" cy="4984544"/>
+          </a:xfrm>
+          <a:prstGeom prst="rect">
+            <a:avLst/>
+          </a:prstGeom>
+          <a:noFill/>
+          <a:extLst>
+            <a:ext uri="{909E8E84-426E-40DD-AFC4-6F175D3DCCD1}">
+              <a14:hiddenFill xmlns:a14="http://schemas.microsoft.com/office/drawing/2010/main">
+                <a:solidFill>
+                  <a:srgbClr val="FFFFFF"/>
+                </a:solidFill>
+              </a14:hiddenFill>
+            </a:ext>
+          </a:extLst>
+        </p:spPr>
+      </p:pic>
+      <p:sp>
+        <p:nvSpPr>
+          <p:cNvPr id="14" name="Title 1">
+            <a:extLst>
+              <a:ext uri="{FF2B5EF4-FFF2-40B4-BE49-F238E27FC236}">
+                <a16:creationId xmlns:a16="http://schemas.microsoft.com/office/drawing/2014/main" id="{71537F47-2070-427A-8E93-8262A70C5AEA}"/>
+              </a:ext>
+            </a:extLst>
+          </p:cNvPr>
+          <p:cNvSpPr>
+            <a:spLocks noGrp="1"/>
+          </p:cNvSpPr>
+          <p:nvPr>
+            <p:ph type="title"/>
+          </p:nvPr>
+        </p:nvSpPr>
+        <p:spPr>
+          <a:xfrm>
+            <a:off x="838200" y="544744"/>
+            <a:ext cx="10515600" cy="1325563"/>
+          </a:xfrm>
+        </p:spPr>
+        <p:txBody>
+          <a:bodyPr/>
+          <a:lstStyle/>
+          <a:p>
+            <a:r>
+              <a:rPr lang="en-US" dirty="0"/>
+              <a:t>Core computational data science skills</a:t>
+            </a:r>
+          </a:p>
+        </p:txBody>
+      </p:sp>
+      <p:sp>
+        <p:nvSpPr>
+          <p:cNvPr id="6" name="Rectangle 5">
+            <a:extLst>
+              <a:ext uri="{FF2B5EF4-FFF2-40B4-BE49-F238E27FC236}">
+                <a16:creationId xmlns:a16="http://schemas.microsoft.com/office/drawing/2014/main" id="{73DB7A4D-4BF5-5D48-BD49-1BB11B93C367}"/>
+              </a:ext>
+            </a:extLst>
+          </p:cNvPr>
           <p:cNvSpPr/>
           <p:nvPr/>
         </p:nvSpPr>
@@ -3159,675 +3249,10 @@
           </a:p>
         </p:txBody>
       </p:sp>
-      <p:sp>
-        <p:nvSpPr>
-          <p:cNvPr id="7" name="Right Arrow 6"/>
-          <p:cNvSpPr/>
-          <p:nvPr/>
-        </p:nvSpPr>
-        <p:spPr>
-          <a:xfrm>
-            <a:off x="843148" y="965199"/>
-            <a:ext cx="7657385" cy="1185333"/>
-          </a:xfrm>
-          <a:prstGeom prst="rightArrow">
-            <a:avLst/>
-          </a:prstGeom>
-          <a:solidFill>
-            <a:schemeClr val="bg2">
-              <a:lumMod val="50000"/>
-            </a:schemeClr>
-          </a:solidFill>
-          <a:ln>
-            <a:solidFill>
-              <a:schemeClr val="bg2">
-                <a:lumMod val="50000"/>
-              </a:schemeClr>
-            </a:solidFill>
-          </a:ln>
-        </p:spPr>
-        <p:style>
-          <a:lnRef idx="2">
-            <a:schemeClr val="accent1">
-              <a:shade val="50000"/>
-            </a:schemeClr>
-          </a:lnRef>
-          <a:fillRef idx="1">
-            <a:schemeClr val="accent1"/>
-          </a:fillRef>
-          <a:effectRef idx="0">
-            <a:schemeClr val="accent1"/>
-          </a:effectRef>
-          <a:fontRef idx="minor">
-            <a:schemeClr val="lt1"/>
-          </a:fontRef>
-        </p:style>
-        <p:txBody>
-          <a:bodyPr rtlCol="0" anchor="ctr"/>
-          <a:lstStyle/>
-          <a:p>
-            <a:pPr algn="ctr"/>
-            <a:endParaRPr lang="en-US"/>
-          </a:p>
-        </p:txBody>
-      </p:sp>
-      <p:sp>
-        <p:nvSpPr>
-          <p:cNvPr id="8" name="Bent Arrow 7"/>
-          <p:cNvSpPr/>
-          <p:nvPr/>
-        </p:nvSpPr>
-        <p:spPr>
-          <a:xfrm flipV="1">
-            <a:off x="2455333" y="1855407"/>
-            <a:ext cx="6045200" cy="1947333"/>
-          </a:xfrm>
-          <a:prstGeom prst="bentArrow">
-            <a:avLst>
-              <a:gd name="adj1" fmla="val 30217"/>
-              <a:gd name="adj2" fmla="val 32826"/>
-              <a:gd name="adj3" fmla="val 31087"/>
-              <a:gd name="adj4" fmla="val 43750"/>
-            </a:avLst>
-          </a:prstGeom>
-          <a:solidFill>
-            <a:schemeClr val="bg2">
-              <a:lumMod val="50000"/>
-            </a:schemeClr>
-          </a:solidFill>
-          <a:ln>
-            <a:solidFill>
-              <a:schemeClr val="bg2">
-                <a:lumMod val="50000"/>
-              </a:schemeClr>
-            </a:solidFill>
-          </a:ln>
-        </p:spPr>
-        <p:style>
-          <a:lnRef idx="2">
-            <a:schemeClr val="accent1">
-              <a:shade val="50000"/>
-            </a:schemeClr>
-          </a:lnRef>
-          <a:fillRef idx="1">
-            <a:schemeClr val="accent1"/>
-          </a:fillRef>
-          <a:effectRef idx="0">
-            <a:schemeClr val="accent1"/>
-          </a:effectRef>
-          <a:fontRef idx="minor">
-            <a:schemeClr val="lt1"/>
-          </a:fontRef>
-        </p:style>
-        <p:txBody>
-          <a:bodyPr rtlCol="0" anchor="ctr"/>
-          <a:lstStyle/>
-          <a:p>
-            <a:pPr algn="ctr"/>
-            <a:endParaRPr lang="en-US">
-              <a:solidFill>
-                <a:schemeClr val="tx1"/>
-              </a:solidFill>
-            </a:endParaRPr>
-          </a:p>
-        </p:txBody>
-      </p:sp>
-      <p:sp>
-        <p:nvSpPr>
-          <p:cNvPr id="9" name="Bent Arrow 8"/>
-          <p:cNvSpPr/>
-          <p:nvPr/>
-        </p:nvSpPr>
-        <p:spPr>
-          <a:xfrm flipV="1">
-            <a:off x="4792133" y="3430205"/>
-            <a:ext cx="3708400" cy="3072193"/>
-          </a:xfrm>
-          <a:prstGeom prst="bentArrow">
-            <a:avLst>
-              <a:gd name="adj1" fmla="val 19745"/>
-              <a:gd name="adj2" fmla="val 20425"/>
-              <a:gd name="adj3" fmla="val 20063"/>
-              <a:gd name="adj4" fmla="val 43750"/>
-            </a:avLst>
-          </a:prstGeom>
-          <a:solidFill>
-            <a:schemeClr val="bg2">
-              <a:lumMod val="50000"/>
-            </a:schemeClr>
-          </a:solidFill>
-          <a:ln>
-            <a:solidFill>
-              <a:schemeClr val="bg2">
-                <a:lumMod val="50000"/>
-              </a:schemeClr>
-            </a:solidFill>
-          </a:ln>
-        </p:spPr>
-        <p:style>
-          <a:lnRef idx="2">
-            <a:schemeClr val="accent1">
-              <a:shade val="50000"/>
-            </a:schemeClr>
-          </a:lnRef>
-          <a:fillRef idx="1">
-            <a:schemeClr val="accent1"/>
-          </a:fillRef>
-          <a:effectRef idx="0">
-            <a:schemeClr val="accent1"/>
-          </a:effectRef>
-          <a:fontRef idx="minor">
-            <a:schemeClr val="lt1"/>
-          </a:fontRef>
-        </p:style>
-        <p:txBody>
-          <a:bodyPr rtlCol="0" anchor="ctr"/>
-          <a:lstStyle/>
-          <a:p>
-            <a:pPr algn="ctr"/>
-            <a:endParaRPr lang="en-US">
-              <a:solidFill>
-                <a:schemeClr val="tx1"/>
-              </a:solidFill>
-            </a:endParaRPr>
-          </a:p>
-        </p:txBody>
-      </p:sp>
-      <p:sp>
-        <p:nvSpPr>
-          <p:cNvPr id="10" name="TextBox 9"/>
-          <p:cNvSpPr txBox="1"/>
-          <p:nvPr/>
-        </p:nvSpPr>
-        <p:spPr>
-          <a:xfrm>
-            <a:off x="1236134" y="1339333"/>
-            <a:ext cx="5182829" cy="461665"/>
-          </a:xfrm>
-          <a:prstGeom prst="rect">
-            <a:avLst/>
-          </a:prstGeom>
-          <a:noFill/>
-        </p:spPr>
-        <p:txBody>
-          <a:bodyPr wrap="none" rtlCol="0">
-            <a:spAutoFit/>
-          </a:bodyPr>
-          <a:lstStyle/>
-          <a:p>
-            <a:r>
-              <a:rPr lang="en-US" sz="2400">
-                <a:solidFill>
-                  <a:schemeClr val="bg2"/>
-                </a:solidFill>
-                <a:latin typeface="Helvetica" charset="0"/>
-                <a:ea typeface="Helvetica" charset="0"/>
-                <a:cs typeface="Helvetica" charset="0"/>
-              </a:rPr>
-              <a:t>Introductory/Core Lectures and Labs</a:t>
-            </a:r>
-          </a:p>
-        </p:txBody>
-      </p:sp>
-      <p:sp>
-        <p:nvSpPr>
-          <p:cNvPr id="11" name="TextBox 10"/>
-          <p:cNvSpPr txBox="1"/>
-          <p:nvPr/>
-        </p:nvSpPr>
-        <p:spPr>
-          <a:xfrm>
-            <a:off x="3287269" y="2949803"/>
-            <a:ext cx="2990272" cy="461665"/>
-          </a:xfrm>
-          <a:prstGeom prst="rect">
-            <a:avLst/>
-          </a:prstGeom>
-          <a:noFill/>
-        </p:spPr>
-        <p:txBody>
-          <a:bodyPr wrap="none" rtlCol="0">
-            <a:spAutoFit/>
-          </a:bodyPr>
-          <a:lstStyle/>
-          <a:p>
-            <a:r>
-              <a:rPr lang="en-US" sz="2400" dirty="0">
-                <a:solidFill>
-                  <a:schemeClr val="bg2"/>
-                </a:solidFill>
-                <a:latin typeface="Helvetica" charset="0"/>
-                <a:ea typeface="Helvetica" charset="0"/>
-                <a:cs typeface="Helvetica" charset="0"/>
-              </a:rPr>
-              <a:t>Specialized Courses</a:t>
-            </a:r>
-          </a:p>
-        </p:txBody>
-      </p:sp>
-      <p:sp>
-        <p:nvSpPr>
-          <p:cNvPr id="12" name="TextBox 11"/>
-          <p:cNvSpPr txBox="1"/>
-          <p:nvPr/>
-        </p:nvSpPr>
-        <p:spPr>
-          <a:xfrm>
-            <a:off x="6164659" y="5601431"/>
-            <a:ext cx="1503938" cy="461665"/>
-          </a:xfrm>
-          <a:prstGeom prst="rect">
-            <a:avLst/>
-          </a:prstGeom>
-          <a:noFill/>
-        </p:spPr>
-        <p:txBody>
-          <a:bodyPr wrap="none" rtlCol="0">
-            <a:spAutoFit/>
-          </a:bodyPr>
-          <a:lstStyle/>
-          <a:p>
-            <a:r>
-              <a:rPr lang="en-US" sz="2400">
-                <a:solidFill>
-                  <a:schemeClr val="bg2"/>
-                </a:solidFill>
-                <a:latin typeface="Helvetica" charset="0"/>
-                <a:ea typeface="Helvetica" charset="0"/>
-                <a:cs typeface="Helvetica" charset="0"/>
-              </a:rPr>
-              <a:t>Research</a:t>
-            </a:r>
-            <a:endParaRPr lang="en-US" sz="2400" dirty="0">
-              <a:solidFill>
-                <a:schemeClr val="bg2"/>
-              </a:solidFill>
-              <a:latin typeface="Helvetica" charset="0"/>
-              <a:ea typeface="Helvetica" charset="0"/>
-              <a:cs typeface="Helvetica" charset="0"/>
-            </a:endParaRPr>
-          </a:p>
-        </p:txBody>
-      </p:sp>
-      <p:sp>
-        <p:nvSpPr>
-          <p:cNvPr id="13" name="Bent Arrow 12"/>
-          <p:cNvSpPr/>
-          <p:nvPr/>
-        </p:nvSpPr>
-        <p:spPr>
-          <a:xfrm>
-            <a:off x="2455333" y="3918735"/>
-            <a:ext cx="6045200" cy="1937659"/>
-          </a:xfrm>
-          <a:prstGeom prst="bentArrow">
-            <a:avLst>
-              <a:gd name="adj1" fmla="val 30217"/>
-              <a:gd name="adj2" fmla="val 32826"/>
-              <a:gd name="adj3" fmla="val 31087"/>
-              <a:gd name="adj4" fmla="val 43750"/>
-            </a:avLst>
-          </a:prstGeom>
-          <a:noFill/>
-          <a:ln>
-            <a:solidFill>
-              <a:schemeClr val="tx1"/>
-            </a:solidFill>
-            <a:prstDash val="sysDash"/>
-          </a:ln>
-        </p:spPr>
-        <p:style>
-          <a:lnRef idx="2">
-            <a:schemeClr val="accent1">
-              <a:shade val="50000"/>
-            </a:schemeClr>
-          </a:lnRef>
-          <a:fillRef idx="1">
-            <a:schemeClr val="accent1"/>
-          </a:fillRef>
-          <a:effectRef idx="0">
-            <a:schemeClr val="accent1"/>
-          </a:effectRef>
-          <a:fontRef idx="minor">
-            <a:schemeClr val="lt1"/>
-          </a:fontRef>
-        </p:style>
-        <p:txBody>
-          <a:bodyPr rtlCol="0" anchor="ctr"/>
-          <a:lstStyle/>
-          <a:p>
-            <a:pPr algn="ctr"/>
-            <a:endParaRPr lang="en-US">
-              <a:solidFill>
-                <a:schemeClr val="tx1"/>
-              </a:solidFill>
-            </a:endParaRPr>
-          </a:p>
-        </p:txBody>
-      </p:sp>
-      <p:sp>
-        <p:nvSpPr>
-          <p:cNvPr id="15" name="TextBox 14"/>
-          <p:cNvSpPr txBox="1"/>
-          <p:nvPr/>
-        </p:nvSpPr>
-        <p:spPr>
-          <a:xfrm>
-            <a:off x="3084068" y="4318638"/>
-            <a:ext cx="5044971" cy="461665"/>
-          </a:xfrm>
-          <a:prstGeom prst="rect">
-            <a:avLst/>
-          </a:prstGeom>
-          <a:noFill/>
-        </p:spPr>
-        <p:txBody>
-          <a:bodyPr wrap="none" rtlCol="0">
-            <a:spAutoFit/>
-          </a:bodyPr>
-          <a:lstStyle/>
-          <a:p>
-            <a:r>
-              <a:rPr lang="en-US" sz="2400">
-                <a:latin typeface="Helvetica" charset="0"/>
-                <a:ea typeface="Helvetica" charset="0"/>
-                <a:cs typeface="Helvetica" charset="0"/>
-              </a:rPr>
-              <a:t>Additional Math/Stat </a:t>
-            </a:r>
-            <a:r>
-              <a:rPr lang="en-US" sz="2400" dirty="0">
-                <a:latin typeface="Helvetica" charset="0"/>
-                <a:ea typeface="Helvetica" charset="0"/>
-                <a:cs typeface="Helvetica" charset="0"/>
-              </a:rPr>
-              <a:t>or CS Courses</a:t>
-            </a:r>
-          </a:p>
-        </p:txBody>
-      </p:sp>
-      <p:sp>
-        <p:nvSpPr>
-          <p:cNvPr id="16" name="Triangle 15"/>
-          <p:cNvSpPr/>
-          <p:nvPr/>
-        </p:nvSpPr>
-        <p:spPr>
-          <a:xfrm>
-            <a:off x="8669869" y="1017600"/>
-            <a:ext cx="1490133" cy="5163065"/>
-          </a:xfrm>
-          <a:prstGeom prst="triangle">
-            <a:avLst/>
-          </a:prstGeom>
-          <a:solidFill>
-            <a:srgbClr val="4D98DB"/>
-          </a:solidFill>
-          <a:ln>
-            <a:solidFill>
-              <a:schemeClr val="bg2"/>
-            </a:solidFill>
-          </a:ln>
-        </p:spPr>
-        <p:style>
-          <a:lnRef idx="2">
-            <a:schemeClr val="accent1">
-              <a:shade val="50000"/>
-            </a:schemeClr>
-          </a:lnRef>
-          <a:fillRef idx="1">
-            <a:schemeClr val="accent1"/>
-          </a:fillRef>
-          <a:effectRef idx="0">
-            <a:schemeClr val="accent1"/>
-          </a:effectRef>
-          <a:fontRef idx="minor">
-            <a:schemeClr val="lt1"/>
-          </a:fontRef>
-        </p:style>
-        <p:txBody>
-          <a:bodyPr rtlCol="0" anchor="ctr"/>
-          <a:lstStyle/>
-          <a:p>
-            <a:pPr algn="ctr"/>
-            <a:endParaRPr lang="en-US"/>
-          </a:p>
-        </p:txBody>
-      </p:sp>
-      <p:sp>
-        <p:nvSpPr>
-          <p:cNvPr id="17" name="Triangle 16"/>
-          <p:cNvSpPr/>
-          <p:nvPr/>
-        </p:nvSpPr>
-        <p:spPr>
-          <a:xfrm rot="10800000">
-            <a:off x="10039263" y="1339333"/>
-            <a:ext cx="1490133" cy="5163065"/>
-          </a:xfrm>
-          <a:prstGeom prst="triangle">
-            <a:avLst/>
-          </a:prstGeom>
-          <a:noFill/>
-          <a:ln>
-            <a:solidFill>
-              <a:schemeClr val="bg2"/>
-            </a:solidFill>
-          </a:ln>
-        </p:spPr>
-        <p:style>
-          <a:lnRef idx="2">
-            <a:schemeClr val="accent1">
-              <a:shade val="50000"/>
-            </a:schemeClr>
-          </a:lnRef>
-          <a:fillRef idx="1">
-            <a:schemeClr val="accent1"/>
-          </a:fillRef>
-          <a:effectRef idx="0">
-            <a:schemeClr val="accent1"/>
-          </a:effectRef>
-          <a:fontRef idx="minor">
-            <a:schemeClr val="lt1"/>
-          </a:fontRef>
-        </p:style>
-        <p:txBody>
-          <a:bodyPr rtlCol="0" anchor="ctr"/>
-          <a:lstStyle/>
-          <a:p>
-            <a:pPr algn="ctr"/>
-            <a:endParaRPr lang="en-US"/>
-          </a:p>
-        </p:txBody>
-      </p:sp>
-      <p:sp>
-        <p:nvSpPr>
-          <p:cNvPr id="18" name="TextBox 17"/>
-          <p:cNvSpPr txBox="1"/>
-          <p:nvPr/>
-        </p:nvSpPr>
-        <p:spPr>
-          <a:xfrm>
-            <a:off x="8286773" y="6235477"/>
-            <a:ext cx="2256323" cy="369332"/>
-          </a:xfrm>
-          <a:prstGeom prst="rect">
-            <a:avLst/>
-          </a:prstGeom>
-          <a:noFill/>
-        </p:spPr>
-        <p:txBody>
-          <a:bodyPr wrap="none" rtlCol="0">
-            <a:spAutoFit/>
-          </a:bodyPr>
-          <a:lstStyle/>
-          <a:p>
-            <a:r>
-              <a:rPr lang="en-US" dirty="0">
-                <a:solidFill>
-                  <a:srgbClr val="5B9BD5"/>
-                </a:solidFill>
-              </a:rPr>
-              <a:t>Power of Competency</a:t>
-            </a:r>
-          </a:p>
-        </p:txBody>
-      </p:sp>
-      <p:sp>
-        <p:nvSpPr>
-          <p:cNvPr id="19" name="TextBox 18"/>
-          <p:cNvSpPr txBox="1"/>
-          <p:nvPr/>
-        </p:nvSpPr>
-        <p:spPr>
-          <a:xfrm>
-            <a:off x="9860261" y="942594"/>
-            <a:ext cx="1848135" cy="369332"/>
-          </a:xfrm>
-          <a:prstGeom prst="rect">
-            <a:avLst/>
-          </a:prstGeom>
-          <a:noFill/>
-        </p:spPr>
-        <p:txBody>
-          <a:bodyPr wrap="none" rtlCol="0">
-            <a:spAutoFit/>
-          </a:bodyPr>
-          <a:lstStyle/>
-          <a:p>
-            <a:r>
-              <a:rPr lang="en-US" dirty="0">
-                <a:solidFill>
-                  <a:schemeClr val="accent1"/>
-                </a:solidFill>
-              </a:rPr>
-              <a:t>Students Exposed</a:t>
-            </a:r>
-          </a:p>
-        </p:txBody>
-      </p:sp>
-      <p:sp>
-        <p:nvSpPr>
-          <p:cNvPr id="25" name="Triangle 24"/>
-          <p:cNvSpPr/>
-          <p:nvPr/>
-        </p:nvSpPr>
-        <p:spPr>
-          <a:xfrm rot="10800000">
-            <a:off x="10039263" y="1339333"/>
-            <a:ext cx="1490132" cy="4057538"/>
-          </a:xfrm>
-          <a:prstGeom prst="triangle">
-            <a:avLst>
-              <a:gd name="adj" fmla="val 48141"/>
-            </a:avLst>
-          </a:prstGeom>
-          <a:ln>
-            <a:solidFill>
-              <a:schemeClr val="accent1"/>
-            </a:solidFill>
-          </a:ln>
-        </p:spPr>
-        <p:style>
-          <a:lnRef idx="2">
-            <a:schemeClr val="accent1">
-              <a:shade val="50000"/>
-            </a:schemeClr>
-          </a:lnRef>
-          <a:fillRef idx="1">
-            <a:schemeClr val="accent1"/>
-          </a:fillRef>
-          <a:effectRef idx="0">
-            <a:schemeClr val="accent1"/>
-          </a:effectRef>
-          <a:fontRef idx="minor">
-            <a:schemeClr val="lt1"/>
-          </a:fontRef>
-        </p:style>
-        <p:txBody>
-          <a:bodyPr rtlCol="0" anchor="ctr"/>
-          <a:lstStyle/>
-          <a:p>
-            <a:pPr algn="ctr"/>
-            <a:endParaRPr lang="en-US"/>
-          </a:p>
-        </p:txBody>
-      </p:sp>
-      <p:cxnSp>
-        <p:nvCxnSpPr>
-          <p:cNvPr id="26" name="Straight Connector 25"/>
-          <p:cNvCxnSpPr>
-            <a:cxnSpLocks/>
-            <a:stCxn id="17" idx="0"/>
-            <a:endCxn id="25" idx="0"/>
-          </p:cNvCxnSpPr>
-          <p:nvPr/>
-        </p:nvCxnSpPr>
-        <p:spPr>
-          <a:xfrm flipV="1">
-            <a:off x="10784329" y="5396871"/>
-            <a:ext cx="27702" cy="1105527"/>
-          </a:xfrm>
-          <a:prstGeom prst="line">
-            <a:avLst/>
-          </a:prstGeom>
-          <a:ln w="12700">
-            <a:solidFill>
-              <a:schemeClr val="accent1"/>
-            </a:solidFill>
-          </a:ln>
-        </p:spPr>
-        <p:style>
-          <a:lnRef idx="1">
-            <a:schemeClr val="accent1"/>
-          </a:lnRef>
-          <a:fillRef idx="0">
-            <a:schemeClr val="accent1"/>
-          </a:fillRef>
-          <a:effectRef idx="0">
-            <a:schemeClr val="accent1"/>
-          </a:effectRef>
-          <a:fontRef idx="minor">
-            <a:schemeClr val="tx1"/>
-          </a:fontRef>
-        </p:style>
-      </p:cxnSp>
-      <p:sp>
-        <p:nvSpPr>
-          <p:cNvPr id="2" name="TextBox 1"/>
-          <p:cNvSpPr txBox="1"/>
-          <p:nvPr/>
-        </p:nvSpPr>
-        <p:spPr>
-          <a:xfrm>
-            <a:off x="409689" y="6035304"/>
-            <a:ext cx="1596334" cy="584775"/>
-          </a:xfrm>
-          <a:prstGeom prst="rect">
-            <a:avLst/>
-          </a:prstGeom>
-          <a:noFill/>
-        </p:spPr>
-        <p:txBody>
-          <a:bodyPr wrap="none" rtlCol="0">
-            <a:spAutoFit/>
-          </a:bodyPr>
-          <a:lstStyle/>
-          <a:p>
-            <a:r>
-              <a:rPr lang="en-US" sz="3200" dirty="0">
-                <a:latin typeface="Helvetica"/>
-                <a:cs typeface="Helvetica"/>
-              </a:rPr>
-              <a:t>To this?</a:t>
-            </a:r>
-          </a:p>
-        </p:txBody>
-      </p:sp>
     </p:spTree>
     <p:extLst>
       <p:ext uri="{BB962C8B-B14F-4D97-AF65-F5344CB8AC3E}">
-        <p14:creationId xmlns:p14="http://schemas.microsoft.com/office/powerpoint/2010/main" val="2219252675"/>
+        <p14:creationId xmlns:p14="http://schemas.microsoft.com/office/powerpoint/2010/main" val="3845178725"/>
       </p:ext>
     </p:extLst>
   </p:cSld>
@@ -3854,6 +3279,3426 @@
           <a:chExt cx="0" cy="0"/>
         </a:xfrm>
       </p:grpSpPr>
+      <p:pic>
+        <p:nvPicPr>
+          <p:cNvPr id="9" name="Picture 2" descr="https://lh4.googleusercontent.com/BlxOQY2xuM44gUqoRZPKO-7Yypo3dWtJHcZ9jL2Xad_f_1CC4PlBw2RQUciqmzLYp2LRXCn-viRBRPYLOj3GO5zQqUmctMZ1VJ7ZpVm3oCuxNlM-TSN_RCl0BCWGmKCdzVy-zbjt">
+            <a:extLst>
+              <a:ext uri="{FF2B5EF4-FFF2-40B4-BE49-F238E27FC236}">
+                <a16:creationId xmlns:a16="http://schemas.microsoft.com/office/drawing/2014/main" id="{A1EEFFE8-37D3-DF4A-8464-37F80BA2A01E}"/>
+              </a:ext>
+            </a:extLst>
+          </p:cNvPr>
+          <p:cNvPicPr>
+            <a:picLocks noChangeAspect="1" noChangeArrowheads="1"/>
+          </p:cNvPicPr>
+          <p:nvPr/>
+        </p:nvPicPr>
+        <p:blipFill>
+          <a:blip r:embed="rId2">
+            <a:alphaModFix amt="32000"/>
+            <a:extLst>
+              <a:ext uri="{28A0092B-C50C-407E-A947-70E740481C1C}">
+                <a14:useLocalDpi xmlns:a14="http://schemas.microsoft.com/office/drawing/2010/main" val="0"/>
+              </a:ext>
+            </a:extLst>
+          </a:blip>
+          <a:stretch>
+            <a:fillRect/>
+          </a:stretch>
+        </p:blipFill>
+        <p:spPr bwMode="auto">
+          <a:xfrm>
+            <a:off x="984981" y="1579542"/>
+            <a:ext cx="8861412" cy="4984544"/>
+          </a:xfrm>
+          <a:prstGeom prst="rect">
+            <a:avLst/>
+          </a:prstGeom>
+          <a:noFill/>
+          <a:extLst>
+            <a:ext uri="{909E8E84-426E-40DD-AFC4-6F175D3DCCD1}">
+              <a14:hiddenFill xmlns:a14="http://schemas.microsoft.com/office/drawing/2010/main">
+                <a:solidFill>
+                  <a:srgbClr val="FFFFFF"/>
+                </a:solidFill>
+              </a14:hiddenFill>
+            </a:ext>
+          </a:extLst>
+        </p:spPr>
+      </p:pic>
+      <p:sp>
+        <p:nvSpPr>
+          <p:cNvPr id="4" name="Rectangle 3"/>
+          <p:cNvSpPr/>
+          <p:nvPr/>
+        </p:nvSpPr>
+        <p:spPr>
+          <a:xfrm>
+            <a:off x="843148" y="463138"/>
+            <a:ext cx="10699668" cy="380010"/>
+          </a:xfrm>
+          <a:prstGeom prst="rect">
+            <a:avLst/>
+          </a:prstGeom>
+          <a:solidFill>
+            <a:schemeClr val="bg2">
+              <a:lumMod val="50000"/>
+            </a:schemeClr>
+          </a:solidFill>
+          <a:ln>
+            <a:solidFill>
+              <a:schemeClr val="bg2">
+                <a:lumMod val="50000"/>
+              </a:schemeClr>
+            </a:solidFill>
+          </a:ln>
+        </p:spPr>
+        <p:style>
+          <a:lnRef idx="2">
+            <a:schemeClr val="accent1">
+              <a:shade val="50000"/>
+            </a:schemeClr>
+          </a:lnRef>
+          <a:fillRef idx="1">
+            <a:schemeClr val="accent1"/>
+          </a:fillRef>
+          <a:effectRef idx="0">
+            <a:schemeClr val="accent1"/>
+          </a:effectRef>
+          <a:fontRef idx="minor">
+            <a:schemeClr val="lt1"/>
+          </a:fontRef>
+        </p:style>
+        <p:txBody>
+          <a:bodyPr rtlCol="0" anchor="ctr"/>
+          <a:lstStyle/>
+          <a:p>
+            <a:pPr algn="ctr"/>
+            <a:endParaRPr lang="en-US"/>
+          </a:p>
+        </p:txBody>
+      </p:sp>
+      <p:sp>
+        <p:nvSpPr>
+          <p:cNvPr id="5" name="Title 4"/>
+          <p:cNvSpPr>
+            <a:spLocks noGrp="1"/>
+          </p:cNvSpPr>
+          <p:nvPr>
+            <p:ph type="ctrTitle"/>
+          </p:nvPr>
+        </p:nvSpPr>
+        <p:spPr>
+          <a:xfrm>
+            <a:off x="843148" y="1122362"/>
+            <a:ext cx="10699668" cy="2018185"/>
+          </a:xfrm>
+        </p:spPr>
+        <p:txBody>
+          <a:bodyPr>
+            <a:normAutofit fontScale="90000"/>
+          </a:bodyPr>
+          <a:lstStyle/>
+          <a:p>
+            <a:r>
+              <a:rPr lang="en-US" dirty="0"/>
+              <a:t>Where do we currently find these skills (if at all) in undergraduate biology curricula?</a:t>
+            </a:r>
+          </a:p>
+        </p:txBody>
+      </p:sp>
+    </p:spTree>
+    <p:extLst>
+      <p:ext uri="{BB962C8B-B14F-4D97-AF65-F5344CB8AC3E}">
+        <p14:creationId xmlns:p14="http://schemas.microsoft.com/office/powerpoint/2010/main" val="2644854266"/>
+      </p:ext>
+    </p:extLst>
+  </p:cSld>
+  <p:clrMapOvr>
+    <a:masterClrMapping/>
+  </p:clrMapOvr>
+</p:sld>
+</file>
+
+<file path=ppt/slides/slide12.xml><?xml version="1.0" encoding="utf-8"?>
+<p:sld xmlns:a="http://schemas.openxmlformats.org/drawingml/2006/main" xmlns:r="http://schemas.openxmlformats.org/officeDocument/2006/relationships" xmlns:p="http://schemas.openxmlformats.org/presentationml/2006/main">
+  <p:cSld>
+    <p:spTree>
+      <p:nvGrpSpPr>
+        <p:cNvPr id="1" name=""/>
+        <p:cNvGrpSpPr/>
+        <p:nvPr/>
+      </p:nvGrpSpPr>
+      <p:grpSpPr>
+        <a:xfrm>
+          <a:off x="0" y="0"/>
+          <a:ext cx="0" cy="0"/>
+          <a:chOff x="0" y="0"/>
+          <a:chExt cx="0" cy="0"/>
+        </a:xfrm>
+      </p:grpSpPr>
+      <p:sp>
+        <p:nvSpPr>
+          <p:cNvPr id="4" name="Rectangle 3"/>
+          <p:cNvSpPr/>
+          <p:nvPr/>
+        </p:nvSpPr>
+        <p:spPr>
+          <a:xfrm>
+            <a:off x="843148" y="463138"/>
+            <a:ext cx="10699668" cy="380010"/>
+          </a:xfrm>
+          <a:prstGeom prst="rect">
+            <a:avLst/>
+          </a:prstGeom>
+          <a:solidFill>
+            <a:schemeClr val="bg2">
+              <a:lumMod val="50000"/>
+            </a:schemeClr>
+          </a:solidFill>
+          <a:ln>
+            <a:solidFill>
+              <a:schemeClr val="bg2">
+                <a:lumMod val="50000"/>
+              </a:schemeClr>
+            </a:solidFill>
+          </a:ln>
+        </p:spPr>
+        <p:style>
+          <a:lnRef idx="2">
+            <a:schemeClr val="accent1">
+              <a:shade val="50000"/>
+            </a:schemeClr>
+          </a:lnRef>
+          <a:fillRef idx="1">
+            <a:schemeClr val="accent1"/>
+          </a:fillRef>
+          <a:effectRef idx="0">
+            <a:schemeClr val="accent1"/>
+          </a:effectRef>
+          <a:fontRef idx="minor">
+            <a:schemeClr val="lt1"/>
+          </a:fontRef>
+        </p:style>
+        <p:txBody>
+          <a:bodyPr rtlCol="0" anchor="ctr"/>
+          <a:lstStyle/>
+          <a:p>
+            <a:pPr algn="ctr"/>
+            <a:endParaRPr lang="en-US"/>
+          </a:p>
+        </p:txBody>
+      </p:sp>
+      <p:sp>
+        <p:nvSpPr>
+          <p:cNvPr id="7" name="Right Arrow 6"/>
+          <p:cNvSpPr/>
+          <p:nvPr/>
+        </p:nvSpPr>
+        <p:spPr>
+          <a:xfrm>
+            <a:off x="843148" y="965199"/>
+            <a:ext cx="7657385" cy="1185333"/>
+          </a:xfrm>
+          <a:prstGeom prst="rightArrow">
+            <a:avLst/>
+          </a:prstGeom>
+          <a:solidFill>
+            <a:schemeClr val="bg2">
+              <a:lumMod val="50000"/>
+            </a:schemeClr>
+          </a:solidFill>
+          <a:ln>
+            <a:solidFill>
+              <a:schemeClr val="bg2">
+                <a:lumMod val="50000"/>
+              </a:schemeClr>
+            </a:solidFill>
+          </a:ln>
+        </p:spPr>
+        <p:style>
+          <a:lnRef idx="2">
+            <a:schemeClr val="accent1">
+              <a:shade val="50000"/>
+            </a:schemeClr>
+          </a:lnRef>
+          <a:fillRef idx="1">
+            <a:schemeClr val="accent1"/>
+          </a:fillRef>
+          <a:effectRef idx="0">
+            <a:schemeClr val="accent1"/>
+          </a:effectRef>
+          <a:fontRef idx="minor">
+            <a:schemeClr val="lt1"/>
+          </a:fontRef>
+        </p:style>
+        <p:txBody>
+          <a:bodyPr rtlCol="0" anchor="ctr"/>
+          <a:lstStyle/>
+          <a:p>
+            <a:pPr algn="ctr"/>
+            <a:endParaRPr lang="en-US"/>
+          </a:p>
+        </p:txBody>
+      </p:sp>
+      <p:sp>
+        <p:nvSpPr>
+          <p:cNvPr id="8" name="Bent Arrow 7"/>
+          <p:cNvSpPr/>
+          <p:nvPr/>
+        </p:nvSpPr>
+        <p:spPr>
+          <a:xfrm flipV="1">
+            <a:off x="2455333" y="1855407"/>
+            <a:ext cx="6045200" cy="1947333"/>
+          </a:xfrm>
+          <a:prstGeom prst="bentArrow">
+            <a:avLst>
+              <a:gd name="adj1" fmla="val 30217"/>
+              <a:gd name="adj2" fmla="val 32826"/>
+              <a:gd name="adj3" fmla="val 31087"/>
+              <a:gd name="adj4" fmla="val 43750"/>
+            </a:avLst>
+          </a:prstGeom>
+          <a:solidFill>
+            <a:schemeClr val="bg2">
+              <a:lumMod val="50000"/>
+            </a:schemeClr>
+          </a:solidFill>
+          <a:ln>
+            <a:solidFill>
+              <a:schemeClr val="bg2">
+                <a:lumMod val="50000"/>
+              </a:schemeClr>
+            </a:solidFill>
+          </a:ln>
+        </p:spPr>
+        <p:style>
+          <a:lnRef idx="2">
+            <a:schemeClr val="accent1">
+              <a:shade val="50000"/>
+            </a:schemeClr>
+          </a:lnRef>
+          <a:fillRef idx="1">
+            <a:schemeClr val="accent1"/>
+          </a:fillRef>
+          <a:effectRef idx="0">
+            <a:schemeClr val="accent1"/>
+          </a:effectRef>
+          <a:fontRef idx="minor">
+            <a:schemeClr val="lt1"/>
+          </a:fontRef>
+        </p:style>
+        <p:txBody>
+          <a:bodyPr rtlCol="0" anchor="ctr"/>
+          <a:lstStyle/>
+          <a:p>
+            <a:pPr algn="ctr"/>
+            <a:endParaRPr lang="en-US">
+              <a:solidFill>
+                <a:schemeClr val="tx1"/>
+              </a:solidFill>
+            </a:endParaRPr>
+          </a:p>
+        </p:txBody>
+      </p:sp>
+      <p:sp>
+        <p:nvSpPr>
+          <p:cNvPr id="9" name="Bent Arrow 8"/>
+          <p:cNvSpPr/>
+          <p:nvPr/>
+        </p:nvSpPr>
+        <p:spPr>
+          <a:xfrm flipV="1">
+            <a:off x="4792133" y="3430205"/>
+            <a:ext cx="3708400" cy="3072193"/>
+          </a:xfrm>
+          <a:prstGeom prst="bentArrow">
+            <a:avLst>
+              <a:gd name="adj1" fmla="val 19745"/>
+              <a:gd name="adj2" fmla="val 20425"/>
+              <a:gd name="adj3" fmla="val 20063"/>
+              <a:gd name="adj4" fmla="val 43750"/>
+            </a:avLst>
+          </a:prstGeom>
+          <a:solidFill>
+            <a:schemeClr val="bg2">
+              <a:lumMod val="50000"/>
+            </a:schemeClr>
+          </a:solidFill>
+          <a:ln>
+            <a:solidFill>
+              <a:schemeClr val="bg2">
+                <a:lumMod val="50000"/>
+              </a:schemeClr>
+            </a:solidFill>
+          </a:ln>
+        </p:spPr>
+        <p:style>
+          <a:lnRef idx="2">
+            <a:schemeClr val="accent1">
+              <a:shade val="50000"/>
+            </a:schemeClr>
+          </a:lnRef>
+          <a:fillRef idx="1">
+            <a:schemeClr val="accent1"/>
+          </a:fillRef>
+          <a:effectRef idx="0">
+            <a:schemeClr val="accent1"/>
+          </a:effectRef>
+          <a:fontRef idx="minor">
+            <a:schemeClr val="lt1"/>
+          </a:fontRef>
+        </p:style>
+        <p:txBody>
+          <a:bodyPr rtlCol="0" anchor="ctr"/>
+          <a:lstStyle/>
+          <a:p>
+            <a:pPr algn="ctr"/>
+            <a:endParaRPr lang="en-US">
+              <a:solidFill>
+                <a:schemeClr val="tx1"/>
+              </a:solidFill>
+            </a:endParaRPr>
+          </a:p>
+        </p:txBody>
+      </p:sp>
+      <p:sp>
+        <p:nvSpPr>
+          <p:cNvPr id="10" name="TextBox 9"/>
+          <p:cNvSpPr txBox="1"/>
+          <p:nvPr/>
+        </p:nvSpPr>
+        <p:spPr>
+          <a:xfrm>
+            <a:off x="1236134" y="1339333"/>
+            <a:ext cx="5182829" cy="461665"/>
+          </a:xfrm>
+          <a:prstGeom prst="rect">
+            <a:avLst/>
+          </a:prstGeom>
+          <a:noFill/>
+        </p:spPr>
+        <p:txBody>
+          <a:bodyPr wrap="none" rtlCol="0">
+            <a:spAutoFit/>
+          </a:bodyPr>
+          <a:lstStyle/>
+          <a:p>
+            <a:r>
+              <a:rPr lang="en-US" sz="2400">
+                <a:solidFill>
+                  <a:schemeClr val="bg2"/>
+                </a:solidFill>
+                <a:latin typeface="Helvetica" charset="0"/>
+                <a:ea typeface="Helvetica" charset="0"/>
+                <a:cs typeface="Helvetica" charset="0"/>
+              </a:rPr>
+              <a:t>Introductory/Core Lectures and Labs</a:t>
+            </a:r>
+          </a:p>
+        </p:txBody>
+      </p:sp>
+      <p:sp>
+        <p:nvSpPr>
+          <p:cNvPr id="11" name="TextBox 10"/>
+          <p:cNvSpPr txBox="1"/>
+          <p:nvPr/>
+        </p:nvSpPr>
+        <p:spPr>
+          <a:xfrm>
+            <a:off x="3287269" y="2949803"/>
+            <a:ext cx="2990272" cy="461665"/>
+          </a:xfrm>
+          <a:prstGeom prst="rect">
+            <a:avLst/>
+          </a:prstGeom>
+          <a:noFill/>
+        </p:spPr>
+        <p:txBody>
+          <a:bodyPr wrap="none" rtlCol="0">
+            <a:spAutoFit/>
+          </a:bodyPr>
+          <a:lstStyle/>
+          <a:p>
+            <a:r>
+              <a:rPr lang="en-US" sz="2400" dirty="0">
+                <a:solidFill>
+                  <a:schemeClr val="bg2"/>
+                </a:solidFill>
+                <a:latin typeface="Helvetica" charset="0"/>
+                <a:ea typeface="Helvetica" charset="0"/>
+                <a:cs typeface="Helvetica" charset="0"/>
+              </a:rPr>
+              <a:t>Specialized Courses</a:t>
+            </a:r>
+          </a:p>
+        </p:txBody>
+      </p:sp>
+      <p:sp>
+        <p:nvSpPr>
+          <p:cNvPr id="12" name="TextBox 11"/>
+          <p:cNvSpPr txBox="1"/>
+          <p:nvPr/>
+        </p:nvSpPr>
+        <p:spPr>
+          <a:xfrm>
+            <a:off x="6164659" y="5601431"/>
+            <a:ext cx="1503938" cy="461665"/>
+          </a:xfrm>
+          <a:prstGeom prst="rect">
+            <a:avLst/>
+          </a:prstGeom>
+          <a:noFill/>
+        </p:spPr>
+        <p:txBody>
+          <a:bodyPr wrap="none" rtlCol="0">
+            <a:spAutoFit/>
+          </a:bodyPr>
+          <a:lstStyle/>
+          <a:p>
+            <a:r>
+              <a:rPr lang="en-US" sz="2400">
+                <a:solidFill>
+                  <a:schemeClr val="bg2"/>
+                </a:solidFill>
+                <a:latin typeface="Helvetica" charset="0"/>
+                <a:ea typeface="Helvetica" charset="0"/>
+                <a:cs typeface="Helvetica" charset="0"/>
+              </a:rPr>
+              <a:t>Research</a:t>
+            </a:r>
+            <a:endParaRPr lang="en-US" sz="2400" dirty="0">
+              <a:solidFill>
+                <a:schemeClr val="bg2"/>
+              </a:solidFill>
+              <a:latin typeface="Helvetica" charset="0"/>
+              <a:ea typeface="Helvetica" charset="0"/>
+              <a:cs typeface="Helvetica" charset="0"/>
+            </a:endParaRPr>
+          </a:p>
+        </p:txBody>
+      </p:sp>
+      <p:sp>
+        <p:nvSpPr>
+          <p:cNvPr id="13" name="Bent Arrow 12"/>
+          <p:cNvSpPr/>
+          <p:nvPr/>
+        </p:nvSpPr>
+        <p:spPr>
+          <a:xfrm>
+            <a:off x="2455333" y="3918735"/>
+            <a:ext cx="6045200" cy="1937659"/>
+          </a:xfrm>
+          <a:prstGeom prst="bentArrow">
+            <a:avLst>
+              <a:gd name="adj1" fmla="val 30217"/>
+              <a:gd name="adj2" fmla="val 32826"/>
+              <a:gd name="adj3" fmla="val 31087"/>
+              <a:gd name="adj4" fmla="val 43750"/>
+            </a:avLst>
+          </a:prstGeom>
+          <a:noFill/>
+          <a:ln>
+            <a:solidFill>
+              <a:schemeClr val="tx1"/>
+            </a:solidFill>
+            <a:prstDash val="sysDash"/>
+          </a:ln>
+        </p:spPr>
+        <p:style>
+          <a:lnRef idx="2">
+            <a:schemeClr val="accent1">
+              <a:shade val="50000"/>
+            </a:schemeClr>
+          </a:lnRef>
+          <a:fillRef idx="1">
+            <a:schemeClr val="accent1"/>
+          </a:fillRef>
+          <a:effectRef idx="0">
+            <a:schemeClr val="accent1"/>
+          </a:effectRef>
+          <a:fontRef idx="minor">
+            <a:schemeClr val="lt1"/>
+          </a:fontRef>
+        </p:style>
+        <p:txBody>
+          <a:bodyPr rtlCol="0" anchor="ctr"/>
+          <a:lstStyle/>
+          <a:p>
+            <a:pPr algn="ctr"/>
+            <a:endParaRPr lang="en-US">
+              <a:solidFill>
+                <a:schemeClr val="tx1"/>
+              </a:solidFill>
+            </a:endParaRPr>
+          </a:p>
+        </p:txBody>
+      </p:sp>
+      <p:sp>
+        <p:nvSpPr>
+          <p:cNvPr id="15" name="TextBox 14"/>
+          <p:cNvSpPr txBox="1"/>
+          <p:nvPr/>
+        </p:nvSpPr>
+        <p:spPr>
+          <a:xfrm>
+            <a:off x="3084068" y="4318638"/>
+            <a:ext cx="5044971" cy="461665"/>
+          </a:xfrm>
+          <a:prstGeom prst="rect">
+            <a:avLst/>
+          </a:prstGeom>
+          <a:noFill/>
+        </p:spPr>
+        <p:txBody>
+          <a:bodyPr wrap="none" rtlCol="0">
+            <a:spAutoFit/>
+          </a:bodyPr>
+          <a:lstStyle/>
+          <a:p>
+            <a:r>
+              <a:rPr lang="en-US" sz="2400">
+                <a:latin typeface="Helvetica" charset="0"/>
+                <a:ea typeface="Helvetica" charset="0"/>
+                <a:cs typeface="Helvetica" charset="0"/>
+              </a:rPr>
+              <a:t>Additional Math/Stat </a:t>
+            </a:r>
+            <a:r>
+              <a:rPr lang="en-US" sz="2400" dirty="0">
+                <a:latin typeface="Helvetica" charset="0"/>
+                <a:ea typeface="Helvetica" charset="0"/>
+                <a:cs typeface="Helvetica" charset="0"/>
+              </a:rPr>
+              <a:t>or CS Courses</a:t>
+            </a:r>
+          </a:p>
+        </p:txBody>
+      </p:sp>
+      <p:sp>
+        <p:nvSpPr>
+          <p:cNvPr id="16" name="Triangle 15"/>
+          <p:cNvSpPr/>
+          <p:nvPr/>
+        </p:nvSpPr>
+        <p:spPr>
+          <a:xfrm>
+            <a:off x="8669869" y="1017600"/>
+            <a:ext cx="1490133" cy="5163065"/>
+          </a:xfrm>
+          <a:prstGeom prst="triangle">
+            <a:avLst/>
+          </a:prstGeom>
+          <a:noFill/>
+          <a:ln>
+            <a:solidFill>
+              <a:schemeClr val="bg2"/>
+            </a:solidFill>
+          </a:ln>
+        </p:spPr>
+        <p:style>
+          <a:lnRef idx="2">
+            <a:schemeClr val="accent1">
+              <a:shade val="50000"/>
+            </a:schemeClr>
+          </a:lnRef>
+          <a:fillRef idx="1">
+            <a:schemeClr val="accent1"/>
+          </a:fillRef>
+          <a:effectRef idx="0">
+            <a:schemeClr val="accent1"/>
+          </a:effectRef>
+          <a:fontRef idx="minor">
+            <a:schemeClr val="lt1"/>
+          </a:fontRef>
+        </p:style>
+        <p:txBody>
+          <a:bodyPr rtlCol="0" anchor="ctr"/>
+          <a:lstStyle/>
+          <a:p>
+            <a:pPr algn="ctr"/>
+            <a:endParaRPr lang="en-US"/>
+          </a:p>
+        </p:txBody>
+      </p:sp>
+      <p:sp>
+        <p:nvSpPr>
+          <p:cNvPr id="17" name="Triangle 16"/>
+          <p:cNvSpPr/>
+          <p:nvPr/>
+        </p:nvSpPr>
+        <p:spPr>
+          <a:xfrm rot="10800000">
+            <a:off x="10039263" y="1339333"/>
+            <a:ext cx="1490133" cy="5163065"/>
+          </a:xfrm>
+          <a:prstGeom prst="triangle">
+            <a:avLst/>
+          </a:prstGeom>
+          <a:noFill/>
+          <a:ln>
+            <a:solidFill>
+              <a:schemeClr val="bg2"/>
+            </a:solidFill>
+          </a:ln>
+        </p:spPr>
+        <p:style>
+          <a:lnRef idx="2">
+            <a:schemeClr val="accent1">
+              <a:shade val="50000"/>
+            </a:schemeClr>
+          </a:lnRef>
+          <a:fillRef idx="1">
+            <a:schemeClr val="accent1"/>
+          </a:fillRef>
+          <a:effectRef idx="0">
+            <a:schemeClr val="accent1"/>
+          </a:effectRef>
+          <a:fontRef idx="minor">
+            <a:schemeClr val="lt1"/>
+          </a:fontRef>
+        </p:style>
+        <p:txBody>
+          <a:bodyPr rtlCol="0" anchor="ctr"/>
+          <a:lstStyle/>
+          <a:p>
+            <a:pPr algn="ctr"/>
+            <a:endParaRPr lang="en-US"/>
+          </a:p>
+        </p:txBody>
+      </p:sp>
+      <p:sp>
+        <p:nvSpPr>
+          <p:cNvPr id="18" name="TextBox 17"/>
+          <p:cNvSpPr txBox="1"/>
+          <p:nvPr/>
+        </p:nvSpPr>
+        <p:spPr>
+          <a:xfrm>
+            <a:off x="8286773" y="6235477"/>
+            <a:ext cx="2256323" cy="369332"/>
+          </a:xfrm>
+          <a:prstGeom prst="rect">
+            <a:avLst/>
+          </a:prstGeom>
+          <a:noFill/>
+        </p:spPr>
+        <p:txBody>
+          <a:bodyPr wrap="none" rtlCol="0">
+            <a:spAutoFit/>
+          </a:bodyPr>
+          <a:lstStyle/>
+          <a:p>
+            <a:r>
+              <a:rPr lang="en-US" dirty="0">
+                <a:solidFill>
+                  <a:srgbClr val="5B9BD5"/>
+                </a:solidFill>
+              </a:rPr>
+              <a:t>Power of Competency</a:t>
+            </a:r>
+          </a:p>
+        </p:txBody>
+      </p:sp>
+      <p:sp>
+        <p:nvSpPr>
+          <p:cNvPr id="19" name="TextBox 18"/>
+          <p:cNvSpPr txBox="1"/>
+          <p:nvPr/>
+        </p:nvSpPr>
+        <p:spPr>
+          <a:xfrm>
+            <a:off x="9860261" y="942594"/>
+            <a:ext cx="1848135" cy="369332"/>
+          </a:xfrm>
+          <a:prstGeom prst="rect">
+            <a:avLst/>
+          </a:prstGeom>
+          <a:noFill/>
+        </p:spPr>
+        <p:txBody>
+          <a:bodyPr wrap="none" rtlCol="0">
+            <a:spAutoFit/>
+          </a:bodyPr>
+          <a:lstStyle/>
+          <a:p>
+            <a:r>
+              <a:rPr lang="en-US" dirty="0">
+                <a:solidFill>
+                  <a:srgbClr val="5B9BD5"/>
+                </a:solidFill>
+              </a:rPr>
+              <a:t>Students Exposed</a:t>
+            </a:r>
+          </a:p>
+        </p:txBody>
+      </p:sp>
+      <p:sp>
+        <p:nvSpPr>
+          <p:cNvPr id="20" name="Triangle 19"/>
+          <p:cNvSpPr/>
+          <p:nvPr/>
+        </p:nvSpPr>
+        <p:spPr>
+          <a:xfrm>
+            <a:off x="8924904" y="3631487"/>
+            <a:ext cx="995822" cy="2566114"/>
+          </a:xfrm>
+          <a:prstGeom prst="triangle">
+            <a:avLst/>
+          </a:prstGeom>
+          <a:solidFill>
+            <a:schemeClr val="accent1"/>
+          </a:solidFill>
+          <a:ln>
+            <a:solidFill>
+              <a:schemeClr val="accent1"/>
+            </a:solidFill>
+          </a:ln>
+        </p:spPr>
+        <p:style>
+          <a:lnRef idx="2">
+            <a:schemeClr val="accent1">
+              <a:shade val="50000"/>
+            </a:schemeClr>
+          </a:lnRef>
+          <a:fillRef idx="1">
+            <a:schemeClr val="accent1"/>
+          </a:fillRef>
+          <a:effectRef idx="0">
+            <a:schemeClr val="accent1"/>
+          </a:effectRef>
+          <a:fontRef idx="minor">
+            <a:schemeClr val="lt1"/>
+          </a:fontRef>
+        </p:style>
+        <p:txBody>
+          <a:bodyPr rtlCol="0" anchor="ctr"/>
+          <a:lstStyle/>
+          <a:p>
+            <a:pPr algn="ctr"/>
+            <a:endParaRPr lang="en-US"/>
+          </a:p>
+        </p:txBody>
+      </p:sp>
+      <p:cxnSp>
+        <p:nvCxnSpPr>
+          <p:cNvPr id="22" name="Straight Connector 21"/>
+          <p:cNvCxnSpPr>
+            <a:stCxn id="20" idx="0"/>
+            <a:endCxn id="16" idx="0"/>
+          </p:cNvCxnSpPr>
+          <p:nvPr/>
+        </p:nvCxnSpPr>
+        <p:spPr>
+          <a:xfrm flipH="1" flipV="1">
+            <a:off x="9414936" y="1017600"/>
+            <a:ext cx="7879" cy="2613887"/>
+          </a:xfrm>
+          <a:prstGeom prst="line">
+            <a:avLst/>
+          </a:prstGeom>
+          <a:ln w="12700">
+            <a:solidFill>
+              <a:schemeClr val="accent1"/>
+            </a:solidFill>
+          </a:ln>
+        </p:spPr>
+        <p:style>
+          <a:lnRef idx="1">
+            <a:schemeClr val="accent1"/>
+          </a:lnRef>
+          <a:fillRef idx="0">
+            <a:schemeClr val="accent1"/>
+          </a:fillRef>
+          <a:effectRef idx="0">
+            <a:schemeClr val="accent1"/>
+          </a:effectRef>
+          <a:fontRef idx="minor">
+            <a:schemeClr val="tx1"/>
+          </a:fontRef>
+        </p:style>
+      </p:cxnSp>
+      <p:sp>
+        <p:nvSpPr>
+          <p:cNvPr id="25" name="Triangle 24"/>
+          <p:cNvSpPr/>
+          <p:nvPr/>
+        </p:nvSpPr>
+        <p:spPr>
+          <a:xfrm rot="10800000">
+            <a:off x="10039263" y="1339333"/>
+            <a:ext cx="1490132" cy="2579402"/>
+          </a:xfrm>
+          <a:prstGeom prst="triangle">
+            <a:avLst/>
+          </a:prstGeom>
+          <a:ln>
+            <a:solidFill>
+              <a:schemeClr val="accent1"/>
+            </a:solidFill>
+          </a:ln>
+        </p:spPr>
+        <p:style>
+          <a:lnRef idx="2">
+            <a:schemeClr val="accent1">
+              <a:shade val="50000"/>
+            </a:schemeClr>
+          </a:lnRef>
+          <a:fillRef idx="1">
+            <a:schemeClr val="accent1"/>
+          </a:fillRef>
+          <a:effectRef idx="0">
+            <a:schemeClr val="accent1"/>
+          </a:effectRef>
+          <a:fontRef idx="minor">
+            <a:schemeClr val="lt1"/>
+          </a:fontRef>
+        </p:style>
+        <p:txBody>
+          <a:bodyPr rtlCol="0" anchor="ctr"/>
+          <a:lstStyle/>
+          <a:p>
+            <a:pPr algn="ctr"/>
+            <a:endParaRPr lang="en-US"/>
+          </a:p>
+        </p:txBody>
+      </p:sp>
+      <p:cxnSp>
+        <p:nvCxnSpPr>
+          <p:cNvPr id="26" name="Straight Connector 25"/>
+          <p:cNvCxnSpPr>
+            <a:stCxn id="17" idx="0"/>
+            <a:endCxn id="25" idx="0"/>
+          </p:cNvCxnSpPr>
+          <p:nvPr/>
+        </p:nvCxnSpPr>
+        <p:spPr>
+          <a:xfrm flipV="1">
+            <a:off x="10784329" y="3918735"/>
+            <a:ext cx="0" cy="2583663"/>
+          </a:xfrm>
+          <a:prstGeom prst="line">
+            <a:avLst/>
+          </a:prstGeom>
+          <a:ln w="12700">
+            <a:solidFill>
+              <a:schemeClr val="accent1"/>
+            </a:solidFill>
+          </a:ln>
+        </p:spPr>
+        <p:style>
+          <a:lnRef idx="1">
+            <a:schemeClr val="accent1"/>
+          </a:lnRef>
+          <a:fillRef idx="0">
+            <a:schemeClr val="accent1"/>
+          </a:fillRef>
+          <a:effectRef idx="0">
+            <a:schemeClr val="accent1"/>
+          </a:effectRef>
+          <a:fontRef idx="minor">
+            <a:schemeClr val="tx1"/>
+          </a:fontRef>
+        </p:style>
+      </p:cxnSp>
+    </p:spTree>
+    <p:extLst>
+      <p:ext uri="{BB962C8B-B14F-4D97-AF65-F5344CB8AC3E}">
+        <p14:creationId xmlns:p14="http://schemas.microsoft.com/office/powerpoint/2010/main" val="990066131"/>
+      </p:ext>
+    </p:extLst>
+  </p:cSld>
+  <p:clrMapOvr>
+    <a:masterClrMapping/>
+  </p:clrMapOvr>
+</p:sld>
+</file>
+
+<file path=ppt/slides/slide13.xml><?xml version="1.0" encoding="utf-8"?>
+<p:sld xmlns:a="http://schemas.openxmlformats.org/drawingml/2006/main" xmlns:r="http://schemas.openxmlformats.org/officeDocument/2006/relationships" xmlns:p="http://schemas.openxmlformats.org/presentationml/2006/main">
+  <p:cSld>
+    <p:spTree>
+      <p:nvGrpSpPr>
+        <p:cNvPr id="1" name=""/>
+        <p:cNvGrpSpPr/>
+        <p:nvPr/>
+      </p:nvGrpSpPr>
+      <p:grpSpPr>
+        <a:xfrm>
+          <a:off x="0" y="0"/>
+          <a:ext cx="0" cy="0"/>
+          <a:chOff x="0" y="0"/>
+          <a:chExt cx="0" cy="0"/>
+        </a:xfrm>
+      </p:grpSpPr>
+      <p:sp>
+        <p:nvSpPr>
+          <p:cNvPr id="4" name="Rectangle 3"/>
+          <p:cNvSpPr/>
+          <p:nvPr/>
+        </p:nvSpPr>
+        <p:spPr>
+          <a:xfrm>
+            <a:off x="843148" y="463138"/>
+            <a:ext cx="10699668" cy="380010"/>
+          </a:xfrm>
+          <a:prstGeom prst="rect">
+            <a:avLst/>
+          </a:prstGeom>
+          <a:solidFill>
+            <a:schemeClr val="bg2">
+              <a:lumMod val="50000"/>
+            </a:schemeClr>
+          </a:solidFill>
+          <a:ln>
+            <a:solidFill>
+              <a:schemeClr val="bg2">
+                <a:lumMod val="50000"/>
+              </a:schemeClr>
+            </a:solidFill>
+          </a:ln>
+        </p:spPr>
+        <p:style>
+          <a:lnRef idx="2">
+            <a:schemeClr val="accent1">
+              <a:shade val="50000"/>
+            </a:schemeClr>
+          </a:lnRef>
+          <a:fillRef idx="1">
+            <a:schemeClr val="accent1"/>
+          </a:fillRef>
+          <a:effectRef idx="0">
+            <a:schemeClr val="accent1"/>
+          </a:effectRef>
+          <a:fontRef idx="minor">
+            <a:schemeClr val="lt1"/>
+          </a:fontRef>
+        </p:style>
+        <p:txBody>
+          <a:bodyPr rtlCol="0" anchor="ctr"/>
+          <a:lstStyle/>
+          <a:p>
+            <a:pPr algn="ctr"/>
+            <a:endParaRPr lang="en-US"/>
+          </a:p>
+        </p:txBody>
+      </p:sp>
+      <p:sp>
+        <p:nvSpPr>
+          <p:cNvPr id="7" name="Right Arrow 6"/>
+          <p:cNvSpPr/>
+          <p:nvPr/>
+        </p:nvSpPr>
+        <p:spPr>
+          <a:xfrm>
+            <a:off x="843148" y="965199"/>
+            <a:ext cx="7657385" cy="1185333"/>
+          </a:xfrm>
+          <a:prstGeom prst="rightArrow">
+            <a:avLst/>
+          </a:prstGeom>
+          <a:solidFill>
+            <a:schemeClr val="bg2">
+              <a:lumMod val="50000"/>
+            </a:schemeClr>
+          </a:solidFill>
+          <a:ln>
+            <a:solidFill>
+              <a:schemeClr val="bg2">
+                <a:lumMod val="50000"/>
+              </a:schemeClr>
+            </a:solidFill>
+          </a:ln>
+        </p:spPr>
+        <p:style>
+          <a:lnRef idx="2">
+            <a:schemeClr val="accent1">
+              <a:shade val="50000"/>
+            </a:schemeClr>
+          </a:lnRef>
+          <a:fillRef idx="1">
+            <a:schemeClr val="accent1"/>
+          </a:fillRef>
+          <a:effectRef idx="0">
+            <a:schemeClr val="accent1"/>
+          </a:effectRef>
+          <a:fontRef idx="minor">
+            <a:schemeClr val="lt1"/>
+          </a:fontRef>
+        </p:style>
+        <p:txBody>
+          <a:bodyPr rtlCol="0" anchor="ctr"/>
+          <a:lstStyle/>
+          <a:p>
+            <a:pPr algn="ctr"/>
+            <a:endParaRPr lang="en-US"/>
+          </a:p>
+        </p:txBody>
+      </p:sp>
+      <p:sp>
+        <p:nvSpPr>
+          <p:cNvPr id="8" name="Bent Arrow 7"/>
+          <p:cNvSpPr/>
+          <p:nvPr/>
+        </p:nvSpPr>
+        <p:spPr>
+          <a:xfrm flipV="1">
+            <a:off x="2455333" y="1855407"/>
+            <a:ext cx="6045200" cy="1947333"/>
+          </a:xfrm>
+          <a:prstGeom prst="bentArrow">
+            <a:avLst>
+              <a:gd name="adj1" fmla="val 30217"/>
+              <a:gd name="adj2" fmla="val 32826"/>
+              <a:gd name="adj3" fmla="val 31087"/>
+              <a:gd name="adj4" fmla="val 43750"/>
+            </a:avLst>
+          </a:prstGeom>
+          <a:solidFill>
+            <a:schemeClr val="bg2">
+              <a:lumMod val="50000"/>
+            </a:schemeClr>
+          </a:solidFill>
+          <a:ln>
+            <a:solidFill>
+              <a:schemeClr val="bg2">
+                <a:lumMod val="50000"/>
+              </a:schemeClr>
+            </a:solidFill>
+          </a:ln>
+        </p:spPr>
+        <p:style>
+          <a:lnRef idx="2">
+            <a:schemeClr val="accent1">
+              <a:shade val="50000"/>
+            </a:schemeClr>
+          </a:lnRef>
+          <a:fillRef idx="1">
+            <a:schemeClr val="accent1"/>
+          </a:fillRef>
+          <a:effectRef idx="0">
+            <a:schemeClr val="accent1"/>
+          </a:effectRef>
+          <a:fontRef idx="minor">
+            <a:schemeClr val="lt1"/>
+          </a:fontRef>
+        </p:style>
+        <p:txBody>
+          <a:bodyPr rtlCol="0" anchor="ctr"/>
+          <a:lstStyle/>
+          <a:p>
+            <a:pPr algn="ctr"/>
+            <a:endParaRPr lang="en-US">
+              <a:solidFill>
+                <a:schemeClr val="tx1"/>
+              </a:solidFill>
+            </a:endParaRPr>
+          </a:p>
+        </p:txBody>
+      </p:sp>
+      <p:sp>
+        <p:nvSpPr>
+          <p:cNvPr id="9" name="Bent Arrow 8"/>
+          <p:cNvSpPr/>
+          <p:nvPr/>
+        </p:nvSpPr>
+        <p:spPr>
+          <a:xfrm flipV="1">
+            <a:off x="4792133" y="3430205"/>
+            <a:ext cx="3708400" cy="3072193"/>
+          </a:xfrm>
+          <a:prstGeom prst="bentArrow">
+            <a:avLst>
+              <a:gd name="adj1" fmla="val 19745"/>
+              <a:gd name="adj2" fmla="val 20425"/>
+              <a:gd name="adj3" fmla="val 20063"/>
+              <a:gd name="adj4" fmla="val 43750"/>
+            </a:avLst>
+          </a:prstGeom>
+          <a:solidFill>
+            <a:schemeClr val="bg2">
+              <a:lumMod val="50000"/>
+            </a:schemeClr>
+          </a:solidFill>
+          <a:ln>
+            <a:solidFill>
+              <a:schemeClr val="bg2">
+                <a:lumMod val="50000"/>
+              </a:schemeClr>
+            </a:solidFill>
+          </a:ln>
+        </p:spPr>
+        <p:style>
+          <a:lnRef idx="2">
+            <a:schemeClr val="accent1">
+              <a:shade val="50000"/>
+            </a:schemeClr>
+          </a:lnRef>
+          <a:fillRef idx="1">
+            <a:schemeClr val="accent1"/>
+          </a:fillRef>
+          <a:effectRef idx="0">
+            <a:schemeClr val="accent1"/>
+          </a:effectRef>
+          <a:fontRef idx="minor">
+            <a:schemeClr val="lt1"/>
+          </a:fontRef>
+        </p:style>
+        <p:txBody>
+          <a:bodyPr rtlCol="0" anchor="ctr"/>
+          <a:lstStyle/>
+          <a:p>
+            <a:pPr algn="ctr"/>
+            <a:endParaRPr lang="en-US">
+              <a:solidFill>
+                <a:schemeClr val="tx1"/>
+              </a:solidFill>
+            </a:endParaRPr>
+          </a:p>
+        </p:txBody>
+      </p:sp>
+      <p:sp>
+        <p:nvSpPr>
+          <p:cNvPr id="10" name="TextBox 9"/>
+          <p:cNvSpPr txBox="1"/>
+          <p:nvPr/>
+        </p:nvSpPr>
+        <p:spPr>
+          <a:xfrm>
+            <a:off x="1236134" y="1339333"/>
+            <a:ext cx="5182829" cy="461665"/>
+          </a:xfrm>
+          <a:prstGeom prst="rect">
+            <a:avLst/>
+          </a:prstGeom>
+          <a:noFill/>
+        </p:spPr>
+        <p:txBody>
+          <a:bodyPr wrap="none" rtlCol="0">
+            <a:spAutoFit/>
+          </a:bodyPr>
+          <a:lstStyle/>
+          <a:p>
+            <a:r>
+              <a:rPr lang="en-US" sz="2400">
+                <a:solidFill>
+                  <a:schemeClr val="bg2"/>
+                </a:solidFill>
+                <a:latin typeface="Helvetica" charset="0"/>
+                <a:ea typeface="Helvetica" charset="0"/>
+                <a:cs typeface="Helvetica" charset="0"/>
+              </a:rPr>
+              <a:t>Introductory/Core Lectures and Labs</a:t>
+            </a:r>
+          </a:p>
+        </p:txBody>
+      </p:sp>
+      <p:sp>
+        <p:nvSpPr>
+          <p:cNvPr id="11" name="TextBox 10"/>
+          <p:cNvSpPr txBox="1"/>
+          <p:nvPr/>
+        </p:nvSpPr>
+        <p:spPr>
+          <a:xfrm>
+            <a:off x="3287269" y="2949803"/>
+            <a:ext cx="2990272" cy="461665"/>
+          </a:xfrm>
+          <a:prstGeom prst="rect">
+            <a:avLst/>
+          </a:prstGeom>
+          <a:noFill/>
+        </p:spPr>
+        <p:txBody>
+          <a:bodyPr wrap="none" rtlCol="0">
+            <a:spAutoFit/>
+          </a:bodyPr>
+          <a:lstStyle/>
+          <a:p>
+            <a:r>
+              <a:rPr lang="en-US" sz="2400" dirty="0">
+                <a:solidFill>
+                  <a:schemeClr val="bg2"/>
+                </a:solidFill>
+                <a:latin typeface="Helvetica" charset="0"/>
+                <a:ea typeface="Helvetica" charset="0"/>
+                <a:cs typeface="Helvetica" charset="0"/>
+              </a:rPr>
+              <a:t>Specialized Courses</a:t>
+            </a:r>
+          </a:p>
+        </p:txBody>
+      </p:sp>
+      <p:sp>
+        <p:nvSpPr>
+          <p:cNvPr id="12" name="TextBox 11"/>
+          <p:cNvSpPr txBox="1"/>
+          <p:nvPr/>
+        </p:nvSpPr>
+        <p:spPr>
+          <a:xfrm>
+            <a:off x="6164659" y="5601431"/>
+            <a:ext cx="1503938" cy="461665"/>
+          </a:xfrm>
+          <a:prstGeom prst="rect">
+            <a:avLst/>
+          </a:prstGeom>
+          <a:noFill/>
+        </p:spPr>
+        <p:txBody>
+          <a:bodyPr wrap="none" rtlCol="0">
+            <a:spAutoFit/>
+          </a:bodyPr>
+          <a:lstStyle/>
+          <a:p>
+            <a:r>
+              <a:rPr lang="en-US" sz="2400">
+                <a:solidFill>
+                  <a:schemeClr val="bg2"/>
+                </a:solidFill>
+                <a:latin typeface="Helvetica" charset="0"/>
+                <a:ea typeface="Helvetica" charset="0"/>
+                <a:cs typeface="Helvetica" charset="0"/>
+              </a:rPr>
+              <a:t>Research</a:t>
+            </a:r>
+            <a:endParaRPr lang="en-US" sz="2400" dirty="0">
+              <a:solidFill>
+                <a:schemeClr val="bg2"/>
+              </a:solidFill>
+              <a:latin typeface="Helvetica" charset="0"/>
+              <a:ea typeface="Helvetica" charset="0"/>
+              <a:cs typeface="Helvetica" charset="0"/>
+            </a:endParaRPr>
+          </a:p>
+        </p:txBody>
+      </p:sp>
+      <p:sp>
+        <p:nvSpPr>
+          <p:cNvPr id="13" name="Bent Arrow 12"/>
+          <p:cNvSpPr/>
+          <p:nvPr/>
+        </p:nvSpPr>
+        <p:spPr>
+          <a:xfrm>
+            <a:off x="2455333" y="3918735"/>
+            <a:ext cx="6045200" cy="1937659"/>
+          </a:xfrm>
+          <a:prstGeom prst="bentArrow">
+            <a:avLst>
+              <a:gd name="adj1" fmla="val 30217"/>
+              <a:gd name="adj2" fmla="val 32826"/>
+              <a:gd name="adj3" fmla="val 31087"/>
+              <a:gd name="adj4" fmla="val 43750"/>
+            </a:avLst>
+          </a:prstGeom>
+          <a:noFill/>
+          <a:ln>
+            <a:solidFill>
+              <a:schemeClr val="tx1"/>
+            </a:solidFill>
+            <a:prstDash val="sysDash"/>
+          </a:ln>
+        </p:spPr>
+        <p:style>
+          <a:lnRef idx="2">
+            <a:schemeClr val="accent1">
+              <a:shade val="50000"/>
+            </a:schemeClr>
+          </a:lnRef>
+          <a:fillRef idx="1">
+            <a:schemeClr val="accent1"/>
+          </a:fillRef>
+          <a:effectRef idx="0">
+            <a:schemeClr val="accent1"/>
+          </a:effectRef>
+          <a:fontRef idx="minor">
+            <a:schemeClr val="lt1"/>
+          </a:fontRef>
+        </p:style>
+        <p:txBody>
+          <a:bodyPr rtlCol="0" anchor="ctr"/>
+          <a:lstStyle/>
+          <a:p>
+            <a:pPr algn="ctr"/>
+            <a:endParaRPr lang="en-US">
+              <a:solidFill>
+                <a:schemeClr val="tx1"/>
+              </a:solidFill>
+            </a:endParaRPr>
+          </a:p>
+        </p:txBody>
+      </p:sp>
+      <p:sp>
+        <p:nvSpPr>
+          <p:cNvPr id="15" name="TextBox 14"/>
+          <p:cNvSpPr txBox="1"/>
+          <p:nvPr/>
+        </p:nvSpPr>
+        <p:spPr>
+          <a:xfrm>
+            <a:off x="3084068" y="4318638"/>
+            <a:ext cx="5044971" cy="461665"/>
+          </a:xfrm>
+          <a:prstGeom prst="rect">
+            <a:avLst/>
+          </a:prstGeom>
+          <a:noFill/>
+        </p:spPr>
+        <p:txBody>
+          <a:bodyPr wrap="none" rtlCol="0">
+            <a:spAutoFit/>
+          </a:bodyPr>
+          <a:lstStyle/>
+          <a:p>
+            <a:r>
+              <a:rPr lang="en-US" sz="2400">
+                <a:latin typeface="Helvetica" charset="0"/>
+                <a:ea typeface="Helvetica" charset="0"/>
+                <a:cs typeface="Helvetica" charset="0"/>
+              </a:rPr>
+              <a:t>Additional Math/Stat </a:t>
+            </a:r>
+            <a:r>
+              <a:rPr lang="en-US" sz="2400" dirty="0">
+                <a:latin typeface="Helvetica" charset="0"/>
+                <a:ea typeface="Helvetica" charset="0"/>
+                <a:cs typeface="Helvetica" charset="0"/>
+              </a:rPr>
+              <a:t>or CS Courses</a:t>
+            </a:r>
+          </a:p>
+        </p:txBody>
+      </p:sp>
+      <p:sp>
+        <p:nvSpPr>
+          <p:cNvPr id="16" name="Triangle 15"/>
+          <p:cNvSpPr/>
+          <p:nvPr/>
+        </p:nvSpPr>
+        <p:spPr>
+          <a:xfrm>
+            <a:off x="8669869" y="1017600"/>
+            <a:ext cx="1490133" cy="5163065"/>
+          </a:xfrm>
+          <a:prstGeom prst="triangle">
+            <a:avLst/>
+          </a:prstGeom>
+          <a:noFill/>
+          <a:ln>
+            <a:solidFill>
+              <a:schemeClr val="bg2"/>
+            </a:solidFill>
+          </a:ln>
+        </p:spPr>
+        <p:style>
+          <a:lnRef idx="2">
+            <a:schemeClr val="accent1">
+              <a:shade val="50000"/>
+            </a:schemeClr>
+          </a:lnRef>
+          <a:fillRef idx="1">
+            <a:schemeClr val="accent1"/>
+          </a:fillRef>
+          <a:effectRef idx="0">
+            <a:schemeClr val="accent1"/>
+          </a:effectRef>
+          <a:fontRef idx="minor">
+            <a:schemeClr val="lt1"/>
+          </a:fontRef>
+        </p:style>
+        <p:txBody>
+          <a:bodyPr rtlCol="0" anchor="ctr"/>
+          <a:lstStyle/>
+          <a:p>
+            <a:pPr algn="ctr"/>
+            <a:endParaRPr lang="en-US"/>
+          </a:p>
+        </p:txBody>
+      </p:sp>
+      <p:sp>
+        <p:nvSpPr>
+          <p:cNvPr id="17" name="Triangle 16"/>
+          <p:cNvSpPr/>
+          <p:nvPr/>
+        </p:nvSpPr>
+        <p:spPr>
+          <a:xfrm rot="10800000">
+            <a:off x="10039263" y="1339333"/>
+            <a:ext cx="1490133" cy="5163065"/>
+          </a:xfrm>
+          <a:prstGeom prst="triangle">
+            <a:avLst/>
+          </a:prstGeom>
+          <a:noFill/>
+          <a:ln>
+            <a:solidFill>
+              <a:schemeClr val="bg2"/>
+            </a:solidFill>
+          </a:ln>
+        </p:spPr>
+        <p:style>
+          <a:lnRef idx="2">
+            <a:schemeClr val="accent1">
+              <a:shade val="50000"/>
+            </a:schemeClr>
+          </a:lnRef>
+          <a:fillRef idx="1">
+            <a:schemeClr val="accent1"/>
+          </a:fillRef>
+          <a:effectRef idx="0">
+            <a:schemeClr val="accent1"/>
+          </a:effectRef>
+          <a:fontRef idx="minor">
+            <a:schemeClr val="lt1"/>
+          </a:fontRef>
+        </p:style>
+        <p:txBody>
+          <a:bodyPr rtlCol="0" anchor="ctr"/>
+          <a:lstStyle/>
+          <a:p>
+            <a:pPr algn="ctr"/>
+            <a:endParaRPr lang="en-US"/>
+          </a:p>
+        </p:txBody>
+      </p:sp>
+      <p:sp>
+        <p:nvSpPr>
+          <p:cNvPr id="18" name="TextBox 17"/>
+          <p:cNvSpPr txBox="1"/>
+          <p:nvPr/>
+        </p:nvSpPr>
+        <p:spPr>
+          <a:xfrm>
+            <a:off x="8286773" y="6235477"/>
+            <a:ext cx="2256323" cy="369332"/>
+          </a:xfrm>
+          <a:prstGeom prst="rect">
+            <a:avLst/>
+          </a:prstGeom>
+          <a:noFill/>
+        </p:spPr>
+        <p:txBody>
+          <a:bodyPr wrap="none" rtlCol="0">
+            <a:spAutoFit/>
+          </a:bodyPr>
+          <a:lstStyle/>
+          <a:p>
+            <a:r>
+              <a:rPr lang="en-US" dirty="0">
+                <a:solidFill>
+                  <a:srgbClr val="5B9BD5"/>
+                </a:solidFill>
+              </a:rPr>
+              <a:t>Power of Competency</a:t>
+            </a:r>
+          </a:p>
+        </p:txBody>
+      </p:sp>
+      <p:sp>
+        <p:nvSpPr>
+          <p:cNvPr id="19" name="TextBox 18"/>
+          <p:cNvSpPr txBox="1"/>
+          <p:nvPr/>
+        </p:nvSpPr>
+        <p:spPr>
+          <a:xfrm>
+            <a:off x="9860261" y="942594"/>
+            <a:ext cx="1848135" cy="369332"/>
+          </a:xfrm>
+          <a:prstGeom prst="rect">
+            <a:avLst/>
+          </a:prstGeom>
+          <a:noFill/>
+        </p:spPr>
+        <p:txBody>
+          <a:bodyPr wrap="none" rtlCol="0">
+            <a:spAutoFit/>
+          </a:bodyPr>
+          <a:lstStyle/>
+          <a:p>
+            <a:r>
+              <a:rPr lang="en-US" dirty="0">
+                <a:solidFill>
+                  <a:schemeClr val="accent1"/>
+                </a:solidFill>
+              </a:rPr>
+              <a:t>Students Exposed</a:t>
+            </a:r>
+          </a:p>
+        </p:txBody>
+      </p:sp>
+      <p:sp>
+        <p:nvSpPr>
+          <p:cNvPr id="20" name="Triangle 19"/>
+          <p:cNvSpPr/>
+          <p:nvPr/>
+        </p:nvSpPr>
+        <p:spPr>
+          <a:xfrm>
+            <a:off x="8924904" y="3631487"/>
+            <a:ext cx="995822" cy="2566114"/>
+          </a:xfrm>
+          <a:prstGeom prst="triangle">
+            <a:avLst/>
+          </a:prstGeom>
+          <a:solidFill>
+            <a:schemeClr val="accent1"/>
+          </a:solidFill>
+          <a:ln>
+            <a:solidFill>
+              <a:schemeClr val="accent1"/>
+            </a:solidFill>
+          </a:ln>
+        </p:spPr>
+        <p:style>
+          <a:lnRef idx="2">
+            <a:schemeClr val="accent1">
+              <a:shade val="50000"/>
+            </a:schemeClr>
+          </a:lnRef>
+          <a:fillRef idx="1">
+            <a:schemeClr val="accent1"/>
+          </a:fillRef>
+          <a:effectRef idx="0">
+            <a:schemeClr val="accent1"/>
+          </a:effectRef>
+          <a:fontRef idx="minor">
+            <a:schemeClr val="lt1"/>
+          </a:fontRef>
+        </p:style>
+        <p:txBody>
+          <a:bodyPr rtlCol="0" anchor="ctr"/>
+          <a:lstStyle/>
+          <a:p>
+            <a:pPr algn="ctr"/>
+            <a:endParaRPr lang="en-US"/>
+          </a:p>
+        </p:txBody>
+      </p:sp>
+      <p:cxnSp>
+        <p:nvCxnSpPr>
+          <p:cNvPr id="22" name="Straight Connector 21"/>
+          <p:cNvCxnSpPr>
+            <a:stCxn id="20" idx="0"/>
+            <a:endCxn id="16" idx="0"/>
+          </p:cNvCxnSpPr>
+          <p:nvPr/>
+        </p:nvCxnSpPr>
+        <p:spPr>
+          <a:xfrm flipH="1" flipV="1">
+            <a:off x="9414936" y="1017600"/>
+            <a:ext cx="7879" cy="2613887"/>
+          </a:xfrm>
+          <a:prstGeom prst="line">
+            <a:avLst/>
+          </a:prstGeom>
+          <a:ln w="12700">
+            <a:solidFill>
+              <a:schemeClr val="accent1"/>
+            </a:solidFill>
+          </a:ln>
+        </p:spPr>
+        <p:style>
+          <a:lnRef idx="1">
+            <a:schemeClr val="accent1"/>
+          </a:lnRef>
+          <a:fillRef idx="0">
+            <a:schemeClr val="accent1"/>
+          </a:fillRef>
+          <a:effectRef idx="0">
+            <a:schemeClr val="accent1"/>
+          </a:effectRef>
+          <a:fontRef idx="minor">
+            <a:schemeClr val="tx1"/>
+          </a:fontRef>
+        </p:style>
+      </p:cxnSp>
+      <p:sp>
+        <p:nvSpPr>
+          <p:cNvPr id="25" name="Triangle 24"/>
+          <p:cNvSpPr/>
+          <p:nvPr/>
+        </p:nvSpPr>
+        <p:spPr>
+          <a:xfrm rot="10800000">
+            <a:off x="10039263" y="1339333"/>
+            <a:ext cx="1490132" cy="2579402"/>
+          </a:xfrm>
+          <a:prstGeom prst="triangle">
+            <a:avLst/>
+          </a:prstGeom>
+          <a:ln>
+            <a:solidFill>
+              <a:schemeClr val="accent1"/>
+            </a:solidFill>
+          </a:ln>
+        </p:spPr>
+        <p:style>
+          <a:lnRef idx="2">
+            <a:schemeClr val="accent1">
+              <a:shade val="50000"/>
+            </a:schemeClr>
+          </a:lnRef>
+          <a:fillRef idx="1">
+            <a:schemeClr val="accent1"/>
+          </a:fillRef>
+          <a:effectRef idx="0">
+            <a:schemeClr val="accent1"/>
+          </a:effectRef>
+          <a:fontRef idx="minor">
+            <a:schemeClr val="lt1"/>
+          </a:fontRef>
+        </p:style>
+        <p:txBody>
+          <a:bodyPr rtlCol="0" anchor="ctr"/>
+          <a:lstStyle/>
+          <a:p>
+            <a:pPr algn="ctr"/>
+            <a:endParaRPr lang="en-US"/>
+          </a:p>
+        </p:txBody>
+      </p:sp>
+      <p:cxnSp>
+        <p:nvCxnSpPr>
+          <p:cNvPr id="26" name="Straight Connector 25"/>
+          <p:cNvCxnSpPr>
+            <a:stCxn id="17" idx="0"/>
+            <a:endCxn id="25" idx="0"/>
+          </p:cNvCxnSpPr>
+          <p:nvPr/>
+        </p:nvCxnSpPr>
+        <p:spPr>
+          <a:xfrm flipV="1">
+            <a:off x="10784329" y="3918735"/>
+            <a:ext cx="0" cy="2583663"/>
+          </a:xfrm>
+          <a:prstGeom prst="line">
+            <a:avLst/>
+          </a:prstGeom>
+          <a:ln w="12700">
+            <a:solidFill>
+              <a:schemeClr val="accent1"/>
+            </a:solidFill>
+          </a:ln>
+        </p:spPr>
+        <p:style>
+          <a:lnRef idx="1">
+            <a:schemeClr val="accent1"/>
+          </a:lnRef>
+          <a:fillRef idx="0">
+            <a:schemeClr val="accent1"/>
+          </a:fillRef>
+          <a:effectRef idx="0">
+            <a:schemeClr val="accent1"/>
+          </a:effectRef>
+          <a:fontRef idx="minor">
+            <a:schemeClr val="tx1"/>
+          </a:fontRef>
+        </p:style>
+      </p:cxnSp>
+      <p:sp>
+        <p:nvSpPr>
+          <p:cNvPr id="21" name="TextBox 20"/>
+          <p:cNvSpPr txBox="1"/>
+          <p:nvPr/>
+        </p:nvSpPr>
+        <p:spPr>
+          <a:xfrm>
+            <a:off x="8669869" y="1362652"/>
+            <a:ext cx="3057055" cy="4801314"/>
+          </a:xfrm>
+          <a:prstGeom prst="rect">
+            <a:avLst/>
+          </a:prstGeom>
+          <a:noFill/>
+        </p:spPr>
+        <p:txBody>
+          <a:bodyPr wrap="none" rtlCol="0">
+            <a:spAutoFit/>
+          </a:bodyPr>
+          <a:lstStyle/>
+          <a:p>
+            <a:r>
+              <a:rPr lang="en-US" dirty="0"/>
+              <a:t>Analysis/Visualization?</a:t>
+            </a:r>
+          </a:p>
+          <a:p>
+            <a:endParaRPr lang="en-US" dirty="0"/>
+          </a:p>
+          <a:p>
+            <a:endParaRPr lang="en-US" dirty="0"/>
+          </a:p>
+          <a:p>
+            <a:endParaRPr lang="en-US" dirty="0"/>
+          </a:p>
+          <a:p>
+            <a:endParaRPr lang="en-US" dirty="0"/>
+          </a:p>
+          <a:p>
+            <a:endParaRPr lang="en-US" dirty="0"/>
+          </a:p>
+          <a:p>
+            <a:r>
+              <a:rPr lang="en-US" dirty="0"/>
+              <a:t>Modeling?</a:t>
+            </a:r>
+          </a:p>
+          <a:p>
+            <a:endParaRPr lang="en-US" dirty="0"/>
+          </a:p>
+          <a:p>
+            <a:endParaRPr lang="en-US" dirty="0"/>
+          </a:p>
+          <a:p>
+            <a:endParaRPr lang="en-US" dirty="0"/>
+          </a:p>
+          <a:p>
+            <a:endParaRPr lang="en-US" dirty="0"/>
+          </a:p>
+          <a:p>
+            <a:r>
+              <a:rPr lang="en-US" dirty="0"/>
+              <a:t>Software/Coding?</a:t>
+            </a:r>
+          </a:p>
+          <a:p>
+            <a:endParaRPr lang="en-US" dirty="0"/>
+          </a:p>
+          <a:p>
+            <a:endParaRPr lang="en-US" dirty="0"/>
+          </a:p>
+          <a:p>
+            <a:r>
+              <a:rPr lang="en-US" dirty="0"/>
+              <a:t>Management/Processing?</a:t>
+            </a:r>
+          </a:p>
+          <a:p>
+            <a:endParaRPr lang="en-US" dirty="0"/>
+          </a:p>
+          <a:p>
+            <a:r>
+              <a:rPr lang="en-US" dirty="0"/>
+              <a:t>Collaboration/Reproducibility?</a:t>
+            </a:r>
+          </a:p>
+        </p:txBody>
+      </p:sp>
+    </p:spTree>
+    <p:extLst>
+      <p:ext uri="{BB962C8B-B14F-4D97-AF65-F5344CB8AC3E}">
+        <p14:creationId xmlns:p14="http://schemas.microsoft.com/office/powerpoint/2010/main" val="2191406347"/>
+      </p:ext>
+    </p:extLst>
+  </p:cSld>
+  <p:clrMapOvr>
+    <a:masterClrMapping/>
+  </p:clrMapOvr>
+</p:sld>
+</file>
+
+<file path=ppt/slides/slide14.xml><?xml version="1.0" encoding="utf-8"?>
+<p:sld xmlns:a="http://schemas.openxmlformats.org/drawingml/2006/main" xmlns:r="http://schemas.openxmlformats.org/officeDocument/2006/relationships" xmlns:p="http://schemas.openxmlformats.org/presentationml/2006/main">
+  <p:cSld>
+    <p:spTree>
+      <p:nvGrpSpPr>
+        <p:cNvPr id="1" name=""/>
+        <p:cNvGrpSpPr/>
+        <p:nvPr/>
+      </p:nvGrpSpPr>
+      <p:grpSpPr>
+        <a:xfrm>
+          <a:off x="0" y="0"/>
+          <a:ext cx="0" cy="0"/>
+          <a:chOff x="0" y="0"/>
+          <a:chExt cx="0" cy="0"/>
+        </a:xfrm>
+      </p:grpSpPr>
+      <p:sp>
+        <p:nvSpPr>
+          <p:cNvPr id="4" name="Rectangle 3"/>
+          <p:cNvSpPr/>
+          <p:nvPr/>
+        </p:nvSpPr>
+        <p:spPr>
+          <a:xfrm>
+            <a:off x="843148" y="463138"/>
+            <a:ext cx="10699668" cy="380010"/>
+          </a:xfrm>
+          <a:prstGeom prst="rect">
+            <a:avLst/>
+          </a:prstGeom>
+          <a:solidFill>
+            <a:schemeClr val="bg2">
+              <a:lumMod val="50000"/>
+            </a:schemeClr>
+          </a:solidFill>
+          <a:ln>
+            <a:solidFill>
+              <a:schemeClr val="bg2">
+                <a:lumMod val="50000"/>
+              </a:schemeClr>
+            </a:solidFill>
+          </a:ln>
+        </p:spPr>
+        <p:style>
+          <a:lnRef idx="2">
+            <a:schemeClr val="accent1">
+              <a:shade val="50000"/>
+            </a:schemeClr>
+          </a:lnRef>
+          <a:fillRef idx="1">
+            <a:schemeClr val="accent1"/>
+          </a:fillRef>
+          <a:effectRef idx="0">
+            <a:schemeClr val="accent1"/>
+          </a:effectRef>
+          <a:fontRef idx="minor">
+            <a:schemeClr val="lt1"/>
+          </a:fontRef>
+        </p:style>
+        <p:txBody>
+          <a:bodyPr rtlCol="0" anchor="ctr"/>
+          <a:lstStyle/>
+          <a:p>
+            <a:pPr algn="ctr"/>
+            <a:endParaRPr lang="en-US"/>
+          </a:p>
+        </p:txBody>
+      </p:sp>
+      <p:sp>
+        <p:nvSpPr>
+          <p:cNvPr id="7" name="Right Arrow 6"/>
+          <p:cNvSpPr/>
+          <p:nvPr/>
+        </p:nvSpPr>
+        <p:spPr>
+          <a:xfrm>
+            <a:off x="843148" y="965199"/>
+            <a:ext cx="7657385" cy="1185333"/>
+          </a:xfrm>
+          <a:prstGeom prst="rightArrow">
+            <a:avLst/>
+          </a:prstGeom>
+          <a:solidFill>
+            <a:schemeClr val="bg2">
+              <a:lumMod val="50000"/>
+            </a:schemeClr>
+          </a:solidFill>
+          <a:ln>
+            <a:solidFill>
+              <a:schemeClr val="bg2">
+                <a:lumMod val="50000"/>
+              </a:schemeClr>
+            </a:solidFill>
+          </a:ln>
+        </p:spPr>
+        <p:style>
+          <a:lnRef idx="2">
+            <a:schemeClr val="accent1">
+              <a:shade val="50000"/>
+            </a:schemeClr>
+          </a:lnRef>
+          <a:fillRef idx="1">
+            <a:schemeClr val="accent1"/>
+          </a:fillRef>
+          <a:effectRef idx="0">
+            <a:schemeClr val="accent1"/>
+          </a:effectRef>
+          <a:fontRef idx="minor">
+            <a:schemeClr val="lt1"/>
+          </a:fontRef>
+        </p:style>
+        <p:txBody>
+          <a:bodyPr rtlCol="0" anchor="ctr"/>
+          <a:lstStyle/>
+          <a:p>
+            <a:pPr algn="ctr"/>
+            <a:endParaRPr lang="en-US"/>
+          </a:p>
+        </p:txBody>
+      </p:sp>
+      <p:sp>
+        <p:nvSpPr>
+          <p:cNvPr id="8" name="Bent Arrow 7"/>
+          <p:cNvSpPr/>
+          <p:nvPr/>
+        </p:nvSpPr>
+        <p:spPr>
+          <a:xfrm flipV="1">
+            <a:off x="2455333" y="1855407"/>
+            <a:ext cx="6045200" cy="1947333"/>
+          </a:xfrm>
+          <a:prstGeom prst="bentArrow">
+            <a:avLst>
+              <a:gd name="adj1" fmla="val 30217"/>
+              <a:gd name="adj2" fmla="val 32826"/>
+              <a:gd name="adj3" fmla="val 31087"/>
+              <a:gd name="adj4" fmla="val 43750"/>
+            </a:avLst>
+          </a:prstGeom>
+          <a:solidFill>
+            <a:schemeClr val="bg2">
+              <a:lumMod val="50000"/>
+            </a:schemeClr>
+          </a:solidFill>
+          <a:ln>
+            <a:solidFill>
+              <a:schemeClr val="bg2">
+                <a:lumMod val="50000"/>
+              </a:schemeClr>
+            </a:solidFill>
+          </a:ln>
+        </p:spPr>
+        <p:style>
+          <a:lnRef idx="2">
+            <a:schemeClr val="accent1">
+              <a:shade val="50000"/>
+            </a:schemeClr>
+          </a:lnRef>
+          <a:fillRef idx="1">
+            <a:schemeClr val="accent1"/>
+          </a:fillRef>
+          <a:effectRef idx="0">
+            <a:schemeClr val="accent1"/>
+          </a:effectRef>
+          <a:fontRef idx="minor">
+            <a:schemeClr val="lt1"/>
+          </a:fontRef>
+        </p:style>
+        <p:txBody>
+          <a:bodyPr rtlCol="0" anchor="ctr"/>
+          <a:lstStyle/>
+          <a:p>
+            <a:pPr algn="ctr"/>
+            <a:endParaRPr lang="en-US">
+              <a:solidFill>
+                <a:schemeClr val="tx1"/>
+              </a:solidFill>
+            </a:endParaRPr>
+          </a:p>
+        </p:txBody>
+      </p:sp>
+      <p:sp>
+        <p:nvSpPr>
+          <p:cNvPr id="9" name="Bent Arrow 8"/>
+          <p:cNvSpPr/>
+          <p:nvPr/>
+        </p:nvSpPr>
+        <p:spPr>
+          <a:xfrm flipV="1">
+            <a:off x="4792133" y="3430205"/>
+            <a:ext cx="3708400" cy="3072193"/>
+          </a:xfrm>
+          <a:prstGeom prst="bentArrow">
+            <a:avLst>
+              <a:gd name="adj1" fmla="val 19745"/>
+              <a:gd name="adj2" fmla="val 20425"/>
+              <a:gd name="adj3" fmla="val 20063"/>
+              <a:gd name="adj4" fmla="val 43750"/>
+            </a:avLst>
+          </a:prstGeom>
+          <a:solidFill>
+            <a:schemeClr val="bg2">
+              <a:lumMod val="50000"/>
+            </a:schemeClr>
+          </a:solidFill>
+          <a:ln>
+            <a:solidFill>
+              <a:schemeClr val="bg2">
+                <a:lumMod val="50000"/>
+              </a:schemeClr>
+            </a:solidFill>
+          </a:ln>
+        </p:spPr>
+        <p:style>
+          <a:lnRef idx="2">
+            <a:schemeClr val="accent1">
+              <a:shade val="50000"/>
+            </a:schemeClr>
+          </a:lnRef>
+          <a:fillRef idx="1">
+            <a:schemeClr val="accent1"/>
+          </a:fillRef>
+          <a:effectRef idx="0">
+            <a:schemeClr val="accent1"/>
+          </a:effectRef>
+          <a:fontRef idx="minor">
+            <a:schemeClr val="lt1"/>
+          </a:fontRef>
+        </p:style>
+        <p:txBody>
+          <a:bodyPr rtlCol="0" anchor="ctr"/>
+          <a:lstStyle/>
+          <a:p>
+            <a:pPr algn="ctr"/>
+            <a:endParaRPr lang="en-US">
+              <a:solidFill>
+                <a:schemeClr val="tx1"/>
+              </a:solidFill>
+            </a:endParaRPr>
+          </a:p>
+        </p:txBody>
+      </p:sp>
+      <p:sp>
+        <p:nvSpPr>
+          <p:cNvPr id="10" name="TextBox 9"/>
+          <p:cNvSpPr txBox="1"/>
+          <p:nvPr/>
+        </p:nvSpPr>
+        <p:spPr>
+          <a:xfrm>
+            <a:off x="1236134" y="1339333"/>
+            <a:ext cx="5182829" cy="461665"/>
+          </a:xfrm>
+          <a:prstGeom prst="rect">
+            <a:avLst/>
+          </a:prstGeom>
+          <a:noFill/>
+        </p:spPr>
+        <p:txBody>
+          <a:bodyPr wrap="none" rtlCol="0">
+            <a:spAutoFit/>
+          </a:bodyPr>
+          <a:lstStyle/>
+          <a:p>
+            <a:r>
+              <a:rPr lang="en-US" sz="2400">
+                <a:solidFill>
+                  <a:schemeClr val="bg2"/>
+                </a:solidFill>
+                <a:latin typeface="Helvetica" charset="0"/>
+                <a:ea typeface="Helvetica" charset="0"/>
+                <a:cs typeface="Helvetica" charset="0"/>
+              </a:rPr>
+              <a:t>Introductory/Core Lectures and Labs</a:t>
+            </a:r>
+          </a:p>
+        </p:txBody>
+      </p:sp>
+      <p:sp>
+        <p:nvSpPr>
+          <p:cNvPr id="11" name="TextBox 10"/>
+          <p:cNvSpPr txBox="1"/>
+          <p:nvPr/>
+        </p:nvSpPr>
+        <p:spPr>
+          <a:xfrm>
+            <a:off x="3287269" y="2949803"/>
+            <a:ext cx="2990272" cy="461665"/>
+          </a:xfrm>
+          <a:prstGeom prst="rect">
+            <a:avLst/>
+          </a:prstGeom>
+          <a:noFill/>
+        </p:spPr>
+        <p:txBody>
+          <a:bodyPr wrap="none" rtlCol="0">
+            <a:spAutoFit/>
+          </a:bodyPr>
+          <a:lstStyle/>
+          <a:p>
+            <a:r>
+              <a:rPr lang="en-US" sz="2400" dirty="0">
+                <a:solidFill>
+                  <a:schemeClr val="bg2"/>
+                </a:solidFill>
+                <a:latin typeface="Helvetica" charset="0"/>
+                <a:ea typeface="Helvetica" charset="0"/>
+                <a:cs typeface="Helvetica" charset="0"/>
+              </a:rPr>
+              <a:t>Specialized Courses</a:t>
+            </a:r>
+          </a:p>
+        </p:txBody>
+      </p:sp>
+      <p:sp>
+        <p:nvSpPr>
+          <p:cNvPr id="12" name="TextBox 11"/>
+          <p:cNvSpPr txBox="1"/>
+          <p:nvPr/>
+        </p:nvSpPr>
+        <p:spPr>
+          <a:xfrm>
+            <a:off x="6164659" y="5601431"/>
+            <a:ext cx="1503938" cy="461665"/>
+          </a:xfrm>
+          <a:prstGeom prst="rect">
+            <a:avLst/>
+          </a:prstGeom>
+          <a:noFill/>
+        </p:spPr>
+        <p:txBody>
+          <a:bodyPr wrap="none" rtlCol="0">
+            <a:spAutoFit/>
+          </a:bodyPr>
+          <a:lstStyle/>
+          <a:p>
+            <a:r>
+              <a:rPr lang="en-US" sz="2400">
+                <a:solidFill>
+                  <a:schemeClr val="bg2"/>
+                </a:solidFill>
+                <a:latin typeface="Helvetica" charset="0"/>
+                <a:ea typeface="Helvetica" charset="0"/>
+                <a:cs typeface="Helvetica" charset="0"/>
+              </a:rPr>
+              <a:t>Research</a:t>
+            </a:r>
+            <a:endParaRPr lang="en-US" sz="2400" dirty="0">
+              <a:solidFill>
+                <a:schemeClr val="bg2"/>
+              </a:solidFill>
+              <a:latin typeface="Helvetica" charset="0"/>
+              <a:ea typeface="Helvetica" charset="0"/>
+              <a:cs typeface="Helvetica" charset="0"/>
+            </a:endParaRPr>
+          </a:p>
+        </p:txBody>
+      </p:sp>
+      <p:sp>
+        <p:nvSpPr>
+          <p:cNvPr id="13" name="Bent Arrow 12"/>
+          <p:cNvSpPr/>
+          <p:nvPr/>
+        </p:nvSpPr>
+        <p:spPr>
+          <a:xfrm>
+            <a:off x="2455333" y="3918735"/>
+            <a:ext cx="6045200" cy="1937659"/>
+          </a:xfrm>
+          <a:prstGeom prst="bentArrow">
+            <a:avLst>
+              <a:gd name="adj1" fmla="val 30217"/>
+              <a:gd name="adj2" fmla="val 32826"/>
+              <a:gd name="adj3" fmla="val 31087"/>
+              <a:gd name="adj4" fmla="val 43750"/>
+            </a:avLst>
+          </a:prstGeom>
+          <a:noFill/>
+          <a:ln>
+            <a:solidFill>
+              <a:schemeClr val="tx1"/>
+            </a:solidFill>
+            <a:prstDash val="sysDash"/>
+          </a:ln>
+        </p:spPr>
+        <p:style>
+          <a:lnRef idx="2">
+            <a:schemeClr val="accent1">
+              <a:shade val="50000"/>
+            </a:schemeClr>
+          </a:lnRef>
+          <a:fillRef idx="1">
+            <a:schemeClr val="accent1"/>
+          </a:fillRef>
+          <a:effectRef idx="0">
+            <a:schemeClr val="accent1"/>
+          </a:effectRef>
+          <a:fontRef idx="minor">
+            <a:schemeClr val="lt1"/>
+          </a:fontRef>
+        </p:style>
+        <p:txBody>
+          <a:bodyPr rtlCol="0" anchor="ctr"/>
+          <a:lstStyle/>
+          <a:p>
+            <a:pPr algn="ctr"/>
+            <a:endParaRPr lang="en-US">
+              <a:solidFill>
+                <a:schemeClr val="tx1"/>
+              </a:solidFill>
+            </a:endParaRPr>
+          </a:p>
+        </p:txBody>
+      </p:sp>
+      <p:sp>
+        <p:nvSpPr>
+          <p:cNvPr id="15" name="TextBox 14"/>
+          <p:cNvSpPr txBox="1"/>
+          <p:nvPr/>
+        </p:nvSpPr>
+        <p:spPr>
+          <a:xfrm>
+            <a:off x="3084068" y="4318638"/>
+            <a:ext cx="5044971" cy="461665"/>
+          </a:xfrm>
+          <a:prstGeom prst="rect">
+            <a:avLst/>
+          </a:prstGeom>
+          <a:noFill/>
+        </p:spPr>
+        <p:txBody>
+          <a:bodyPr wrap="none" rtlCol="0">
+            <a:spAutoFit/>
+          </a:bodyPr>
+          <a:lstStyle/>
+          <a:p>
+            <a:r>
+              <a:rPr lang="en-US" sz="2400">
+                <a:latin typeface="Helvetica" charset="0"/>
+                <a:ea typeface="Helvetica" charset="0"/>
+                <a:cs typeface="Helvetica" charset="0"/>
+              </a:rPr>
+              <a:t>Additional Math/Stat </a:t>
+            </a:r>
+            <a:r>
+              <a:rPr lang="en-US" sz="2400" dirty="0">
+                <a:latin typeface="Helvetica" charset="0"/>
+                <a:ea typeface="Helvetica" charset="0"/>
+                <a:cs typeface="Helvetica" charset="0"/>
+              </a:rPr>
+              <a:t>or CS Courses</a:t>
+            </a:r>
+          </a:p>
+        </p:txBody>
+      </p:sp>
+      <p:sp>
+        <p:nvSpPr>
+          <p:cNvPr id="16" name="Triangle 15"/>
+          <p:cNvSpPr/>
+          <p:nvPr/>
+        </p:nvSpPr>
+        <p:spPr>
+          <a:xfrm>
+            <a:off x="8669869" y="1017600"/>
+            <a:ext cx="1490133" cy="5163065"/>
+          </a:xfrm>
+          <a:prstGeom prst="triangle">
+            <a:avLst/>
+          </a:prstGeom>
+          <a:noFill/>
+          <a:ln>
+            <a:solidFill>
+              <a:schemeClr val="bg2"/>
+            </a:solidFill>
+          </a:ln>
+        </p:spPr>
+        <p:style>
+          <a:lnRef idx="2">
+            <a:schemeClr val="accent1">
+              <a:shade val="50000"/>
+            </a:schemeClr>
+          </a:lnRef>
+          <a:fillRef idx="1">
+            <a:schemeClr val="accent1"/>
+          </a:fillRef>
+          <a:effectRef idx="0">
+            <a:schemeClr val="accent1"/>
+          </a:effectRef>
+          <a:fontRef idx="minor">
+            <a:schemeClr val="lt1"/>
+          </a:fontRef>
+        </p:style>
+        <p:txBody>
+          <a:bodyPr rtlCol="0" anchor="ctr"/>
+          <a:lstStyle/>
+          <a:p>
+            <a:pPr algn="ctr"/>
+            <a:endParaRPr lang="en-US"/>
+          </a:p>
+        </p:txBody>
+      </p:sp>
+      <p:sp>
+        <p:nvSpPr>
+          <p:cNvPr id="17" name="Triangle 16"/>
+          <p:cNvSpPr/>
+          <p:nvPr/>
+        </p:nvSpPr>
+        <p:spPr>
+          <a:xfrm rot="10800000">
+            <a:off x="10039263" y="1339333"/>
+            <a:ext cx="1490133" cy="5163065"/>
+          </a:xfrm>
+          <a:prstGeom prst="triangle">
+            <a:avLst/>
+          </a:prstGeom>
+          <a:noFill/>
+          <a:ln>
+            <a:solidFill>
+              <a:schemeClr val="bg2"/>
+            </a:solidFill>
+          </a:ln>
+        </p:spPr>
+        <p:style>
+          <a:lnRef idx="2">
+            <a:schemeClr val="accent1">
+              <a:shade val="50000"/>
+            </a:schemeClr>
+          </a:lnRef>
+          <a:fillRef idx="1">
+            <a:schemeClr val="accent1"/>
+          </a:fillRef>
+          <a:effectRef idx="0">
+            <a:schemeClr val="accent1"/>
+          </a:effectRef>
+          <a:fontRef idx="minor">
+            <a:schemeClr val="lt1"/>
+          </a:fontRef>
+        </p:style>
+        <p:txBody>
+          <a:bodyPr rtlCol="0" anchor="ctr"/>
+          <a:lstStyle/>
+          <a:p>
+            <a:pPr algn="ctr"/>
+            <a:endParaRPr lang="en-US"/>
+          </a:p>
+        </p:txBody>
+      </p:sp>
+      <p:sp>
+        <p:nvSpPr>
+          <p:cNvPr id="18" name="TextBox 17"/>
+          <p:cNvSpPr txBox="1"/>
+          <p:nvPr/>
+        </p:nvSpPr>
+        <p:spPr>
+          <a:xfrm>
+            <a:off x="8286773" y="6235477"/>
+            <a:ext cx="2256323" cy="369332"/>
+          </a:xfrm>
+          <a:prstGeom prst="rect">
+            <a:avLst/>
+          </a:prstGeom>
+          <a:noFill/>
+        </p:spPr>
+        <p:txBody>
+          <a:bodyPr wrap="none" rtlCol="0">
+            <a:spAutoFit/>
+          </a:bodyPr>
+          <a:lstStyle/>
+          <a:p>
+            <a:r>
+              <a:rPr lang="en-US" dirty="0">
+                <a:solidFill>
+                  <a:srgbClr val="5B9BD5"/>
+                </a:solidFill>
+              </a:rPr>
+              <a:t>Power of Competency</a:t>
+            </a:r>
+          </a:p>
+        </p:txBody>
+      </p:sp>
+      <p:sp>
+        <p:nvSpPr>
+          <p:cNvPr id="19" name="TextBox 18"/>
+          <p:cNvSpPr txBox="1"/>
+          <p:nvPr/>
+        </p:nvSpPr>
+        <p:spPr>
+          <a:xfrm>
+            <a:off x="9860261" y="942594"/>
+            <a:ext cx="1848135" cy="369332"/>
+          </a:xfrm>
+          <a:prstGeom prst="rect">
+            <a:avLst/>
+          </a:prstGeom>
+          <a:noFill/>
+        </p:spPr>
+        <p:txBody>
+          <a:bodyPr wrap="none" rtlCol="0">
+            <a:spAutoFit/>
+          </a:bodyPr>
+          <a:lstStyle/>
+          <a:p>
+            <a:r>
+              <a:rPr lang="en-US" dirty="0">
+                <a:solidFill>
+                  <a:schemeClr val="accent1"/>
+                </a:solidFill>
+              </a:rPr>
+              <a:t>Students Exposed</a:t>
+            </a:r>
+          </a:p>
+        </p:txBody>
+      </p:sp>
+      <p:sp>
+        <p:nvSpPr>
+          <p:cNvPr id="20" name="Triangle 19"/>
+          <p:cNvSpPr/>
+          <p:nvPr/>
+        </p:nvSpPr>
+        <p:spPr>
+          <a:xfrm>
+            <a:off x="8924904" y="3631487"/>
+            <a:ext cx="995822" cy="2566114"/>
+          </a:xfrm>
+          <a:prstGeom prst="triangle">
+            <a:avLst/>
+          </a:prstGeom>
+          <a:solidFill>
+            <a:schemeClr val="accent1"/>
+          </a:solidFill>
+          <a:ln>
+            <a:solidFill>
+              <a:schemeClr val="accent1"/>
+            </a:solidFill>
+          </a:ln>
+        </p:spPr>
+        <p:style>
+          <a:lnRef idx="2">
+            <a:schemeClr val="accent1">
+              <a:shade val="50000"/>
+            </a:schemeClr>
+          </a:lnRef>
+          <a:fillRef idx="1">
+            <a:schemeClr val="accent1"/>
+          </a:fillRef>
+          <a:effectRef idx="0">
+            <a:schemeClr val="accent1"/>
+          </a:effectRef>
+          <a:fontRef idx="minor">
+            <a:schemeClr val="lt1"/>
+          </a:fontRef>
+        </p:style>
+        <p:txBody>
+          <a:bodyPr rtlCol="0" anchor="ctr"/>
+          <a:lstStyle/>
+          <a:p>
+            <a:pPr algn="ctr"/>
+            <a:endParaRPr lang="en-US"/>
+          </a:p>
+        </p:txBody>
+      </p:sp>
+      <p:cxnSp>
+        <p:nvCxnSpPr>
+          <p:cNvPr id="22" name="Straight Connector 21"/>
+          <p:cNvCxnSpPr>
+            <a:stCxn id="20" idx="0"/>
+            <a:endCxn id="16" idx="0"/>
+          </p:cNvCxnSpPr>
+          <p:nvPr/>
+        </p:nvCxnSpPr>
+        <p:spPr>
+          <a:xfrm flipH="1" flipV="1">
+            <a:off x="9414936" y="1017600"/>
+            <a:ext cx="7879" cy="2613887"/>
+          </a:xfrm>
+          <a:prstGeom prst="line">
+            <a:avLst/>
+          </a:prstGeom>
+          <a:ln w="12700">
+            <a:solidFill>
+              <a:schemeClr val="accent1"/>
+            </a:solidFill>
+          </a:ln>
+        </p:spPr>
+        <p:style>
+          <a:lnRef idx="1">
+            <a:schemeClr val="accent1"/>
+          </a:lnRef>
+          <a:fillRef idx="0">
+            <a:schemeClr val="accent1"/>
+          </a:fillRef>
+          <a:effectRef idx="0">
+            <a:schemeClr val="accent1"/>
+          </a:effectRef>
+          <a:fontRef idx="minor">
+            <a:schemeClr val="tx1"/>
+          </a:fontRef>
+        </p:style>
+      </p:cxnSp>
+      <p:sp>
+        <p:nvSpPr>
+          <p:cNvPr id="25" name="Triangle 24"/>
+          <p:cNvSpPr/>
+          <p:nvPr/>
+        </p:nvSpPr>
+        <p:spPr>
+          <a:xfrm rot="10800000">
+            <a:off x="10039263" y="1339333"/>
+            <a:ext cx="1490132" cy="2579402"/>
+          </a:xfrm>
+          <a:prstGeom prst="triangle">
+            <a:avLst/>
+          </a:prstGeom>
+          <a:ln>
+            <a:solidFill>
+              <a:schemeClr val="accent1"/>
+            </a:solidFill>
+          </a:ln>
+        </p:spPr>
+        <p:style>
+          <a:lnRef idx="2">
+            <a:schemeClr val="accent1">
+              <a:shade val="50000"/>
+            </a:schemeClr>
+          </a:lnRef>
+          <a:fillRef idx="1">
+            <a:schemeClr val="accent1"/>
+          </a:fillRef>
+          <a:effectRef idx="0">
+            <a:schemeClr val="accent1"/>
+          </a:effectRef>
+          <a:fontRef idx="minor">
+            <a:schemeClr val="lt1"/>
+          </a:fontRef>
+        </p:style>
+        <p:txBody>
+          <a:bodyPr rtlCol="0" anchor="ctr"/>
+          <a:lstStyle/>
+          <a:p>
+            <a:pPr algn="ctr"/>
+            <a:endParaRPr lang="en-US"/>
+          </a:p>
+        </p:txBody>
+      </p:sp>
+      <p:cxnSp>
+        <p:nvCxnSpPr>
+          <p:cNvPr id="26" name="Straight Connector 25"/>
+          <p:cNvCxnSpPr>
+            <a:stCxn id="17" idx="0"/>
+            <a:endCxn id="25" idx="0"/>
+          </p:cNvCxnSpPr>
+          <p:nvPr/>
+        </p:nvCxnSpPr>
+        <p:spPr>
+          <a:xfrm flipV="1">
+            <a:off x="10784329" y="3918735"/>
+            <a:ext cx="0" cy="2583663"/>
+          </a:xfrm>
+          <a:prstGeom prst="line">
+            <a:avLst/>
+          </a:prstGeom>
+          <a:ln w="12700">
+            <a:solidFill>
+              <a:schemeClr val="accent1"/>
+            </a:solidFill>
+          </a:ln>
+        </p:spPr>
+        <p:style>
+          <a:lnRef idx="1">
+            <a:schemeClr val="accent1"/>
+          </a:lnRef>
+          <a:fillRef idx="0">
+            <a:schemeClr val="accent1"/>
+          </a:fillRef>
+          <a:effectRef idx="0">
+            <a:schemeClr val="accent1"/>
+          </a:effectRef>
+          <a:fontRef idx="minor">
+            <a:schemeClr val="tx1"/>
+          </a:fontRef>
+        </p:style>
+      </p:cxnSp>
+      <p:sp>
+        <p:nvSpPr>
+          <p:cNvPr id="28" name="TextBox 27">
+            <a:extLst>
+              <a:ext uri="{FF2B5EF4-FFF2-40B4-BE49-F238E27FC236}">
+                <a16:creationId xmlns:a16="http://schemas.microsoft.com/office/drawing/2014/main" id="{FF81EDB3-8B14-164E-9F6E-57C41C85A847}"/>
+              </a:ext>
+            </a:extLst>
+          </p:cNvPr>
+          <p:cNvSpPr txBox="1"/>
+          <p:nvPr/>
+        </p:nvSpPr>
+        <p:spPr>
+          <a:xfrm>
+            <a:off x="409689" y="6035304"/>
+            <a:ext cx="4700726" cy="584776"/>
+          </a:xfrm>
+          <a:prstGeom prst="rect">
+            <a:avLst/>
+          </a:prstGeom>
+          <a:noFill/>
+        </p:spPr>
+        <p:txBody>
+          <a:bodyPr wrap="none" rtlCol="0">
+            <a:spAutoFit/>
+          </a:bodyPr>
+          <a:lstStyle/>
+          <a:p>
+            <a:r>
+              <a:rPr lang="en-US" sz="3200" dirty="0">
+                <a:latin typeface="Helvetica"/>
+                <a:cs typeface="Helvetica"/>
+              </a:rPr>
+              <a:t>How do we go from this?</a:t>
+            </a:r>
+          </a:p>
+        </p:txBody>
+      </p:sp>
+    </p:spTree>
+    <p:extLst>
+      <p:ext uri="{BB962C8B-B14F-4D97-AF65-F5344CB8AC3E}">
+        <p14:creationId xmlns:p14="http://schemas.microsoft.com/office/powerpoint/2010/main" val="1809129417"/>
+      </p:ext>
+    </p:extLst>
+  </p:cSld>
+  <p:clrMapOvr>
+    <a:masterClrMapping/>
+  </p:clrMapOvr>
+</p:sld>
+</file>
+
+<file path=ppt/slides/slide15.xml><?xml version="1.0" encoding="utf-8"?>
+<p:sld xmlns:a="http://schemas.openxmlformats.org/drawingml/2006/main" xmlns:r="http://schemas.openxmlformats.org/officeDocument/2006/relationships" xmlns:p="http://schemas.openxmlformats.org/presentationml/2006/main">
+  <p:cSld>
+    <p:spTree>
+      <p:nvGrpSpPr>
+        <p:cNvPr id="1" name=""/>
+        <p:cNvGrpSpPr/>
+        <p:nvPr/>
+      </p:nvGrpSpPr>
+      <p:grpSpPr>
+        <a:xfrm>
+          <a:off x="0" y="0"/>
+          <a:ext cx="0" cy="0"/>
+          <a:chOff x="0" y="0"/>
+          <a:chExt cx="0" cy="0"/>
+        </a:xfrm>
+      </p:grpSpPr>
+      <p:sp>
+        <p:nvSpPr>
+          <p:cNvPr id="4" name="Rectangle 3"/>
+          <p:cNvSpPr/>
+          <p:nvPr/>
+        </p:nvSpPr>
+        <p:spPr>
+          <a:xfrm>
+            <a:off x="843148" y="463138"/>
+            <a:ext cx="10699668" cy="380010"/>
+          </a:xfrm>
+          <a:prstGeom prst="rect">
+            <a:avLst/>
+          </a:prstGeom>
+          <a:solidFill>
+            <a:schemeClr val="bg2">
+              <a:lumMod val="50000"/>
+            </a:schemeClr>
+          </a:solidFill>
+          <a:ln>
+            <a:solidFill>
+              <a:schemeClr val="bg2">
+                <a:lumMod val="50000"/>
+              </a:schemeClr>
+            </a:solidFill>
+          </a:ln>
+        </p:spPr>
+        <p:style>
+          <a:lnRef idx="2">
+            <a:schemeClr val="accent1">
+              <a:shade val="50000"/>
+            </a:schemeClr>
+          </a:lnRef>
+          <a:fillRef idx="1">
+            <a:schemeClr val="accent1"/>
+          </a:fillRef>
+          <a:effectRef idx="0">
+            <a:schemeClr val="accent1"/>
+          </a:effectRef>
+          <a:fontRef idx="minor">
+            <a:schemeClr val="lt1"/>
+          </a:fontRef>
+        </p:style>
+        <p:txBody>
+          <a:bodyPr rtlCol="0" anchor="ctr"/>
+          <a:lstStyle/>
+          <a:p>
+            <a:pPr algn="ctr"/>
+            <a:endParaRPr lang="en-US"/>
+          </a:p>
+        </p:txBody>
+      </p:sp>
+      <p:sp>
+        <p:nvSpPr>
+          <p:cNvPr id="7" name="Right Arrow 6"/>
+          <p:cNvSpPr/>
+          <p:nvPr/>
+        </p:nvSpPr>
+        <p:spPr>
+          <a:xfrm>
+            <a:off x="843148" y="965199"/>
+            <a:ext cx="7657385" cy="1185333"/>
+          </a:xfrm>
+          <a:prstGeom prst="rightArrow">
+            <a:avLst/>
+          </a:prstGeom>
+          <a:solidFill>
+            <a:schemeClr val="bg2">
+              <a:lumMod val="50000"/>
+            </a:schemeClr>
+          </a:solidFill>
+          <a:ln>
+            <a:solidFill>
+              <a:schemeClr val="bg2">
+                <a:lumMod val="50000"/>
+              </a:schemeClr>
+            </a:solidFill>
+          </a:ln>
+        </p:spPr>
+        <p:style>
+          <a:lnRef idx="2">
+            <a:schemeClr val="accent1">
+              <a:shade val="50000"/>
+            </a:schemeClr>
+          </a:lnRef>
+          <a:fillRef idx="1">
+            <a:schemeClr val="accent1"/>
+          </a:fillRef>
+          <a:effectRef idx="0">
+            <a:schemeClr val="accent1"/>
+          </a:effectRef>
+          <a:fontRef idx="minor">
+            <a:schemeClr val="lt1"/>
+          </a:fontRef>
+        </p:style>
+        <p:txBody>
+          <a:bodyPr rtlCol="0" anchor="ctr"/>
+          <a:lstStyle/>
+          <a:p>
+            <a:pPr algn="ctr"/>
+            <a:endParaRPr lang="en-US"/>
+          </a:p>
+        </p:txBody>
+      </p:sp>
+      <p:sp>
+        <p:nvSpPr>
+          <p:cNvPr id="8" name="Bent Arrow 7"/>
+          <p:cNvSpPr/>
+          <p:nvPr/>
+        </p:nvSpPr>
+        <p:spPr>
+          <a:xfrm flipV="1">
+            <a:off x="2455333" y="1855407"/>
+            <a:ext cx="6045200" cy="1947333"/>
+          </a:xfrm>
+          <a:prstGeom prst="bentArrow">
+            <a:avLst>
+              <a:gd name="adj1" fmla="val 30217"/>
+              <a:gd name="adj2" fmla="val 32826"/>
+              <a:gd name="adj3" fmla="val 31087"/>
+              <a:gd name="adj4" fmla="val 43750"/>
+            </a:avLst>
+          </a:prstGeom>
+          <a:solidFill>
+            <a:schemeClr val="bg2">
+              <a:lumMod val="50000"/>
+            </a:schemeClr>
+          </a:solidFill>
+          <a:ln>
+            <a:solidFill>
+              <a:schemeClr val="bg2">
+                <a:lumMod val="50000"/>
+              </a:schemeClr>
+            </a:solidFill>
+          </a:ln>
+        </p:spPr>
+        <p:style>
+          <a:lnRef idx="2">
+            <a:schemeClr val="accent1">
+              <a:shade val="50000"/>
+            </a:schemeClr>
+          </a:lnRef>
+          <a:fillRef idx="1">
+            <a:schemeClr val="accent1"/>
+          </a:fillRef>
+          <a:effectRef idx="0">
+            <a:schemeClr val="accent1"/>
+          </a:effectRef>
+          <a:fontRef idx="minor">
+            <a:schemeClr val="lt1"/>
+          </a:fontRef>
+        </p:style>
+        <p:txBody>
+          <a:bodyPr rtlCol="0" anchor="ctr"/>
+          <a:lstStyle/>
+          <a:p>
+            <a:pPr algn="ctr"/>
+            <a:endParaRPr lang="en-US">
+              <a:solidFill>
+                <a:schemeClr val="tx1"/>
+              </a:solidFill>
+            </a:endParaRPr>
+          </a:p>
+        </p:txBody>
+      </p:sp>
+      <p:sp>
+        <p:nvSpPr>
+          <p:cNvPr id="9" name="Bent Arrow 8"/>
+          <p:cNvSpPr/>
+          <p:nvPr/>
+        </p:nvSpPr>
+        <p:spPr>
+          <a:xfrm flipV="1">
+            <a:off x="4792133" y="3430205"/>
+            <a:ext cx="3708400" cy="3072193"/>
+          </a:xfrm>
+          <a:prstGeom prst="bentArrow">
+            <a:avLst>
+              <a:gd name="adj1" fmla="val 19745"/>
+              <a:gd name="adj2" fmla="val 20425"/>
+              <a:gd name="adj3" fmla="val 20063"/>
+              <a:gd name="adj4" fmla="val 43750"/>
+            </a:avLst>
+          </a:prstGeom>
+          <a:solidFill>
+            <a:schemeClr val="bg2">
+              <a:lumMod val="50000"/>
+            </a:schemeClr>
+          </a:solidFill>
+          <a:ln>
+            <a:solidFill>
+              <a:schemeClr val="bg2">
+                <a:lumMod val="50000"/>
+              </a:schemeClr>
+            </a:solidFill>
+          </a:ln>
+        </p:spPr>
+        <p:style>
+          <a:lnRef idx="2">
+            <a:schemeClr val="accent1">
+              <a:shade val="50000"/>
+            </a:schemeClr>
+          </a:lnRef>
+          <a:fillRef idx="1">
+            <a:schemeClr val="accent1"/>
+          </a:fillRef>
+          <a:effectRef idx="0">
+            <a:schemeClr val="accent1"/>
+          </a:effectRef>
+          <a:fontRef idx="minor">
+            <a:schemeClr val="lt1"/>
+          </a:fontRef>
+        </p:style>
+        <p:txBody>
+          <a:bodyPr rtlCol="0" anchor="ctr"/>
+          <a:lstStyle/>
+          <a:p>
+            <a:pPr algn="ctr"/>
+            <a:endParaRPr lang="en-US">
+              <a:solidFill>
+                <a:schemeClr val="tx1"/>
+              </a:solidFill>
+            </a:endParaRPr>
+          </a:p>
+        </p:txBody>
+      </p:sp>
+      <p:sp>
+        <p:nvSpPr>
+          <p:cNvPr id="10" name="TextBox 9"/>
+          <p:cNvSpPr txBox="1"/>
+          <p:nvPr/>
+        </p:nvSpPr>
+        <p:spPr>
+          <a:xfrm>
+            <a:off x="1236134" y="1339333"/>
+            <a:ext cx="5182829" cy="461665"/>
+          </a:xfrm>
+          <a:prstGeom prst="rect">
+            <a:avLst/>
+          </a:prstGeom>
+          <a:noFill/>
+        </p:spPr>
+        <p:txBody>
+          <a:bodyPr wrap="none" rtlCol="0">
+            <a:spAutoFit/>
+          </a:bodyPr>
+          <a:lstStyle/>
+          <a:p>
+            <a:r>
+              <a:rPr lang="en-US" sz="2400">
+                <a:solidFill>
+                  <a:schemeClr val="bg2"/>
+                </a:solidFill>
+                <a:latin typeface="Helvetica" charset="0"/>
+                <a:ea typeface="Helvetica" charset="0"/>
+                <a:cs typeface="Helvetica" charset="0"/>
+              </a:rPr>
+              <a:t>Introductory/Core Lectures and Labs</a:t>
+            </a:r>
+          </a:p>
+        </p:txBody>
+      </p:sp>
+      <p:sp>
+        <p:nvSpPr>
+          <p:cNvPr id="11" name="TextBox 10"/>
+          <p:cNvSpPr txBox="1"/>
+          <p:nvPr/>
+        </p:nvSpPr>
+        <p:spPr>
+          <a:xfrm>
+            <a:off x="3287269" y="2949803"/>
+            <a:ext cx="2990272" cy="461665"/>
+          </a:xfrm>
+          <a:prstGeom prst="rect">
+            <a:avLst/>
+          </a:prstGeom>
+          <a:noFill/>
+        </p:spPr>
+        <p:txBody>
+          <a:bodyPr wrap="none" rtlCol="0">
+            <a:spAutoFit/>
+          </a:bodyPr>
+          <a:lstStyle/>
+          <a:p>
+            <a:r>
+              <a:rPr lang="en-US" sz="2400" dirty="0">
+                <a:solidFill>
+                  <a:schemeClr val="bg2"/>
+                </a:solidFill>
+                <a:latin typeface="Helvetica" charset="0"/>
+                <a:ea typeface="Helvetica" charset="0"/>
+                <a:cs typeface="Helvetica" charset="0"/>
+              </a:rPr>
+              <a:t>Specialized Courses</a:t>
+            </a:r>
+          </a:p>
+        </p:txBody>
+      </p:sp>
+      <p:sp>
+        <p:nvSpPr>
+          <p:cNvPr id="12" name="TextBox 11"/>
+          <p:cNvSpPr txBox="1"/>
+          <p:nvPr/>
+        </p:nvSpPr>
+        <p:spPr>
+          <a:xfrm>
+            <a:off x="6164659" y="5601431"/>
+            <a:ext cx="1503938" cy="461665"/>
+          </a:xfrm>
+          <a:prstGeom prst="rect">
+            <a:avLst/>
+          </a:prstGeom>
+          <a:noFill/>
+        </p:spPr>
+        <p:txBody>
+          <a:bodyPr wrap="none" rtlCol="0">
+            <a:spAutoFit/>
+          </a:bodyPr>
+          <a:lstStyle/>
+          <a:p>
+            <a:r>
+              <a:rPr lang="en-US" sz="2400">
+                <a:solidFill>
+                  <a:schemeClr val="bg2"/>
+                </a:solidFill>
+                <a:latin typeface="Helvetica" charset="0"/>
+                <a:ea typeface="Helvetica" charset="0"/>
+                <a:cs typeface="Helvetica" charset="0"/>
+              </a:rPr>
+              <a:t>Research</a:t>
+            </a:r>
+            <a:endParaRPr lang="en-US" sz="2400" dirty="0">
+              <a:solidFill>
+                <a:schemeClr val="bg2"/>
+              </a:solidFill>
+              <a:latin typeface="Helvetica" charset="0"/>
+              <a:ea typeface="Helvetica" charset="0"/>
+              <a:cs typeface="Helvetica" charset="0"/>
+            </a:endParaRPr>
+          </a:p>
+        </p:txBody>
+      </p:sp>
+      <p:sp>
+        <p:nvSpPr>
+          <p:cNvPr id="13" name="Bent Arrow 12"/>
+          <p:cNvSpPr/>
+          <p:nvPr/>
+        </p:nvSpPr>
+        <p:spPr>
+          <a:xfrm>
+            <a:off x="2455333" y="3918735"/>
+            <a:ext cx="6045200" cy="1937659"/>
+          </a:xfrm>
+          <a:prstGeom prst="bentArrow">
+            <a:avLst>
+              <a:gd name="adj1" fmla="val 30217"/>
+              <a:gd name="adj2" fmla="val 32826"/>
+              <a:gd name="adj3" fmla="val 31087"/>
+              <a:gd name="adj4" fmla="val 43750"/>
+            </a:avLst>
+          </a:prstGeom>
+          <a:noFill/>
+          <a:ln>
+            <a:solidFill>
+              <a:schemeClr val="tx1"/>
+            </a:solidFill>
+            <a:prstDash val="sysDash"/>
+          </a:ln>
+        </p:spPr>
+        <p:style>
+          <a:lnRef idx="2">
+            <a:schemeClr val="accent1">
+              <a:shade val="50000"/>
+            </a:schemeClr>
+          </a:lnRef>
+          <a:fillRef idx="1">
+            <a:schemeClr val="accent1"/>
+          </a:fillRef>
+          <a:effectRef idx="0">
+            <a:schemeClr val="accent1"/>
+          </a:effectRef>
+          <a:fontRef idx="minor">
+            <a:schemeClr val="lt1"/>
+          </a:fontRef>
+        </p:style>
+        <p:txBody>
+          <a:bodyPr rtlCol="0" anchor="ctr"/>
+          <a:lstStyle/>
+          <a:p>
+            <a:pPr algn="ctr"/>
+            <a:endParaRPr lang="en-US">
+              <a:solidFill>
+                <a:schemeClr val="tx1"/>
+              </a:solidFill>
+            </a:endParaRPr>
+          </a:p>
+        </p:txBody>
+      </p:sp>
+      <p:sp>
+        <p:nvSpPr>
+          <p:cNvPr id="15" name="TextBox 14"/>
+          <p:cNvSpPr txBox="1"/>
+          <p:nvPr/>
+        </p:nvSpPr>
+        <p:spPr>
+          <a:xfrm>
+            <a:off x="3084068" y="4318638"/>
+            <a:ext cx="5044971" cy="461665"/>
+          </a:xfrm>
+          <a:prstGeom prst="rect">
+            <a:avLst/>
+          </a:prstGeom>
+          <a:noFill/>
+        </p:spPr>
+        <p:txBody>
+          <a:bodyPr wrap="none" rtlCol="0">
+            <a:spAutoFit/>
+          </a:bodyPr>
+          <a:lstStyle/>
+          <a:p>
+            <a:r>
+              <a:rPr lang="en-US" sz="2400">
+                <a:latin typeface="Helvetica" charset="0"/>
+                <a:ea typeface="Helvetica" charset="0"/>
+                <a:cs typeface="Helvetica" charset="0"/>
+              </a:rPr>
+              <a:t>Additional Math/Stat </a:t>
+            </a:r>
+            <a:r>
+              <a:rPr lang="en-US" sz="2400" dirty="0">
+                <a:latin typeface="Helvetica" charset="0"/>
+                <a:ea typeface="Helvetica" charset="0"/>
+                <a:cs typeface="Helvetica" charset="0"/>
+              </a:rPr>
+              <a:t>or CS Courses</a:t>
+            </a:r>
+          </a:p>
+        </p:txBody>
+      </p:sp>
+      <p:sp>
+        <p:nvSpPr>
+          <p:cNvPr id="16" name="Triangle 15"/>
+          <p:cNvSpPr/>
+          <p:nvPr/>
+        </p:nvSpPr>
+        <p:spPr>
+          <a:xfrm>
+            <a:off x="8669869" y="1017600"/>
+            <a:ext cx="1490133" cy="5163065"/>
+          </a:xfrm>
+          <a:prstGeom prst="triangle">
+            <a:avLst/>
+          </a:prstGeom>
+          <a:solidFill>
+            <a:srgbClr val="4D98DB"/>
+          </a:solidFill>
+          <a:ln>
+            <a:solidFill>
+              <a:schemeClr val="bg2"/>
+            </a:solidFill>
+          </a:ln>
+        </p:spPr>
+        <p:style>
+          <a:lnRef idx="2">
+            <a:schemeClr val="accent1">
+              <a:shade val="50000"/>
+            </a:schemeClr>
+          </a:lnRef>
+          <a:fillRef idx="1">
+            <a:schemeClr val="accent1"/>
+          </a:fillRef>
+          <a:effectRef idx="0">
+            <a:schemeClr val="accent1"/>
+          </a:effectRef>
+          <a:fontRef idx="minor">
+            <a:schemeClr val="lt1"/>
+          </a:fontRef>
+        </p:style>
+        <p:txBody>
+          <a:bodyPr rtlCol="0" anchor="ctr"/>
+          <a:lstStyle/>
+          <a:p>
+            <a:pPr algn="ctr"/>
+            <a:endParaRPr lang="en-US"/>
+          </a:p>
+        </p:txBody>
+      </p:sp>
+      <p:sp>
+        <p:nvSpPr>
+          <p:cNvPr id="17" name="Triangle 16"/>
+          <p:cNvSpPr/>
+          <p:nvPr/>
+        </p:nvSpPr>
+        <p:spPr>
+          <a:xfrm rot="10800000">
+            <a:off x="10039263" y="1339333"/>
+            <a:ext cx="1490133" cy="5163065"/>
+          </a:xfrm>
+          <a:prstGeom prst="triangle">
+            <a:avLst/>
+          </a:prstGeom>
+          <a:noFill/>
+          <a:ln>
+            <a:solidFill>
+              <a:schemeClr val="bg2"/>
+            </a:solidFill>
+          </a:ln>
+        </p:spPr>
+        <p:style>
+          <a:lnRef idx="2">
+            <a:schemeClr val="accent1">
+              <a:shade val="50000"/>
+            </a:schemeClr>
+          </a:lnRef>
+          <a:fillRef idx="1">
+            <a:schemeClr val="accent1"/>
+          </a:fillRef>
+          <a:effectRef idx="0">
+            <a:schemeClr val="accent1"/>
+          </a:effectRef>
+          <a:fontRef idx="minor">
+            <a:schemeClr val="lt1"/>
+          </a:fontRef>
+        </p:style>
+        <p:txBody>
+          <a:bodyPr rtlCol="0" anchor="ctr"/>
+          <a:lstStyle/>
+          <a:p>
+            <a:pPr algn="ctr"/>
+            <a:endParaRPr lang="en-US"/>
+          </a:p>
+        </p:txBody>
+      </p:sp>
+      <p:sp>
+        <p:nvSpPr>
+          <p:cNvPr id="18" name="TextBox 17"/>
+          <p:cNvSpPr txBox="1"/>
+          <p:nvPr/>
+        </p:nvSpPr>
+        <p:spPr>
+          <a:xfrm>
+            <a:off x="8286773" y="6235477"/>
+            <a:ext cx="2256323" cy="369332"/>
+          </a:xfrm>
+          <a:prstGeom prst="rect">
+            <a:avLst/>
+          </a:prstGeom>
+          <a:noFill/>
+        </p:spPr>
+        <p:txBody>
+          <a:bodyPr wrap="none" rtlCol="0">
+            <a:spAutoFit/>
+          </a:bodyPr>
+          <a:lstStyle/>
+          <a:p>
+            <a:r>
+              <a:rPr lang="en-US" dirty="0">
+                <a:solidFill>
+                  <a:srgbClr val="5B9BD5"/>
+                </a:solidFill>
+              </a:rPr>
+              <a:t>Power of Competency</a:t>
+            </a:r>
+          </a:p>
+        </p:txBody>
+      </p:sp>
+      <p:sp>
+        <p:nvSpPr>
+          <p:cNvPr id="19" name="TextBox 18"/>
+          <p:cNvSpPr txBox="1"/>
+          <p:nvPr/>
+        </p:nvSpPr>
+        <p:spPr>
+          <a:xfrm>
+            <a:off x="9860261" y="942594"/>
+            <a:ext cx="1848135" cy="369332"/>
+          </a:xfrm>
+          <a:prstGeom prst="rect">
+            <a:avLst/>
+          </a:prstGeom>
+          <a:noFill/>
+        </p:spPr>
+        <p:txBody>
+          <a:bodyPr wrap="none" rtlCol="0">
+            <a:spAutoFit/>
+          </a:bodyPr>
+          <a:lstStyle/>
+          <a:p>
+            <a:r>
+              <a:rPr lang="en-US" dirty="0">
+                <a:solidFill>
+                  <a:schemeClr val="accent1"/>
+                </a:solidFill>
+              </a:rPr>
+              <a:t>Students Exposed</a:t>
+            </a:r>
+          </a:p>
+        </p:txBody>
+      </p:sp>
+      <p:sp>
+        <p:nvSpPr>
+          <p:cNvPr id="25" name="Triangle 24"/>
+          <p:cNvSpPr/>
+          <p:nvPr/>
+        </p:nvSpPr>
+        <p:spPr>
+          <a:xfrm rot="10800000">
+            <a:off x="10039263" y="1339333"/>
+            <a:ext cx="1490132" cy="4057538"/>
+          </a:xfrm>
+          <a:prstGeom prst="triangle">
+            <a:avLst>
+              <a:gd name="adj" fmla="val 48141"/>
+            </a:avLst>
+          </a:prstGeom>
+          <a:ln>
+            <a:solidFill>
+              <a:schemeClr val="accent1"/>
+            </a:solidFill>
+          </a:ln>
+        </p:spPr>
+        <p:style>
+          <a:lnRef idx="2">
+            <a:schemeClr val="accent1">
+              <a:shade val="50000"/>
+            </a:schemeClr>
+          </a:lnRef>
+          <a:fillRef idx="1">
+            <a:schemeClr val="accent1"/>
+          </a:fillRef>
+          <a:effectRef idx="0">
+            <a:schemeClr val="accent1"/>
+          </a:effectRef>
+          <a:fontRef idx="minor">
+            <a:schemeClr val="lt1"/>
+          </a:fontRef>
+        </p:style>
+        <p:txBody>
+          <a:bodyPr rtlCol="0" anchor="ctr"/>
+          <a:lstStyle/>
+          <a:p>
+            <a:pPr algn="ctr"/>
+            <a:endParaRPr lang="en-US"/>
+          </a:p>
+        </p:txBody>
+      </p:sp>
+      <p:cxnSp>
+        <p:nvCxnSpPr>
+          <p:cNvPr id="26" name="Straight Connector 25"/>
+          <p:cNvCxnSpPr>
+            <a:cxnSpLocks/>
+            <a:stCxn id="17" idx="0"/>
+            <a:endCxn id="25" idx="0"/>
+          </p:cNvCxnSpPr>
+          <p:nvPr/>
+        </p:nvCxnSpPr>
+        <p:spPr>
+          <a:xfrm flipV="1">
+            <a:off x="10784329" y="5396871"/>
+            <a:ext cx="27702" cy="1105527"/>
+          </a:xfrm>
+          <a:prstGeom prst="line">
+            <a:avLst/>
+          </a:prstGeom>
+          <a:ln w="12700">
+            <a:solidFill>
+              <a:schemeClr val="accent1"/>
+            </a:solidFill>
+          </a:ln>
+        </p:spPr>
+        <p:style>
+          <a:lnRef idx="1">
+            <a:schemeClr val="accent1"/>
+          </a:lnRef>
+          <a:fillRef idx="0">
+            <a:schemeClr val="accent1"/>
+          </a:fillRef>
+          <a:effectRef idx="0">
+            <a:schemeClr val="accent1"/>
+          </a:effectRef>
+          <a:fontRef idx="minor">
+            <a:schemeClr val="tx1"/>
+          </a:fontRef>
+        </p:style>
+      </p:cxnSp>
+      <p:sp>
+        <p:nvSpPr>
+          <p:cNvPr id="2" name="TextBox 1"/>
+          <p:cNvSpPr txBox="1"/>
+          <p:nvPr/>
+        </p:nvSpPr>
+        <p:spPr>
+          <a:xfrm>
+            <a:off x="409689" y="6035304"/>
+            <a:ext cx="1596334" cy="584775"/>
+          </a:xfrm>
+          <a:prstGeom prst="rect">
+            <a:avLst/>
+          </a:prstGeom>
+          <a:noFill/>
+        </p:spPr>
+        <p:txBody>
+          <a:bodyPr wrap="none" rtlCol="0">
+            <a:spAutoFit/>
+          </a:bodyPr>
+          <a:lstStyle/>
+          <a:p>
+            <a:r>
+              <a:rPr lang="en-US" sz="3200" dirty="0">
+                <a:latin typeface="Helvetica"/>
+                <a:cs typeface="Helvetica"/>
+              </a:rPr>
+              <a:t>To this?</a:t>
+            </a:r>
+          </a:p>
+        </p:txBody>
+      </p:sp>
+    </p:spTree>
+    <p:extLst>
+      <p:ext uri="{BB962C8B-B14F-4D97-AF65-F5344CB8AC3E}">
+        <p14:creationId xmlns:p14="http://schemas.microsoft.com/office/powerpoint/2010/main" val="2219252675"/>
+      </p:ext>
+    </p:extLst>
+  </p:cSld>
+  <p:clrMapOvr>
+    <a:masterClrMapping/>
+  </p:clrMapOvr>
+</p:sld>
+</file>
+
+<file path=ppt/slides/slide16.xml><?xml version="1.0" encoding="utf-8"?>
+<p:sld xmlns:a="http://schemas.openxmlformats.org/drawingml/2006/main" xmlns:r="http://schemas.openxmlformats.org/officeDocument/2006/relationships" xmlns:p="http://schemas.openxmlformats.org/presentationml/2006/main">
+  <p:cSld>
+    <p:spTree>
+      <p:nvGrpSpPr>
+        <p:cNvPr id="1" name=""/>
+        <p:cNvGrpSpPr/>
+        <p:nvPr/>
+      </p:nvGrpSpPr>
+      <p:grpSpPr>
+        <a:xfrm>
+          <a:off x="0" y="0"/>
+          <a:ext cx="0" cy="0"/>
+          <a:chOff x="0" y="0"/>
+          <a:chExt cx="0" cy="0"/>
+        </a:xfrm>
+      </p:grpSpPr>
       <p:sp>
         <p:nvSpPr>
           <p:cNvPr id="4" name="Rectangle 3"/>
@@ -4698,7 +7543,7 @@
 </p:sld>
 </file>
 
-<file path=ppt/slides/slide12.xml><?xml version="1.0" encoding="utf-8"?>
+<file path=ppt/slides/slide17.xml><?xml version="1.0" encoding="utf-8"?>
 <p:sld xmlns:a="http://schemas.openxmlformats.org/drawingml/2006/main" xmlns:r="http://schemas.openxmlformats.org/officeDocument/2006/relationships" xmlns:p="http://schemas.openxmlformats.org/presentationml/2006/main">
   <p:cSld>
     <p:spTree>
@@ -6191,94 +9036,9 @@
           <a:chExt cx="0" cy="0"/>
         </a:xfrm>
       </p:grpSpPr>
-      <p:pic>
-        <p:nvPicPr>
-          <p:cNvPr id="11" name="Picture 2" descr="https://lh4.googleusercontent.com/BlxOQY2xuM44gUqoRZPKO-7Yypo3dWtJHcZ9jL2Xad_f_1CC4PlBw2RQUciqmzLYp2LRXCn-viRBRPYLOj3GO5zQqUmctMZ1VJ7ZpVm3oCuxNlM-TSN_RCl0BCWGmKCdzVy-zbjt">
-            <a:extLst>
-              <a:ext uri="{FF2B5EF4-FFF2-40B4-BE49-F238E27FC236}">
-                <a16:creationId xmlns:a16="http://schemas.microsoft.com/office/drawing/2014/main" id="{8A6A3F44-6FB8-4249-8D1C-A835480589AD}"/>
-              </a:ext>
-            </a:extLst>
-          </p:cNvPr>
-          <p:cNvPicPr>
-            <a:picLocks noChangeAspect="1" noChangeArrowheads="1"/>
-          </p:cNvPicPr>
-          <p:nvPr/>
-        </p:nvPicPr>
-        <p:blipFill>
-          <a:blip r:embed="rId2">
-            <a:extLst>
-              <a:ext uri="{28A0092B-C50C-407E-A947-70E740481C1C}">
-                <a14:useLocalDpi xmlns:a14="http://schemas.microsoft.com/office/drawing/2010/main" val="0"/>
-              </a:ext>
-            </a:extLst>
-          </a:blip>
-          <a:stretch>
-            <a:fillRect/>
-          </a:stretch>
-        </p:blipFill>
-        <p:spPr bwMode="auto">
-          <a:xfrm>
-            <a:off x="984981" y="1579542"/>
-            <a:ext cx="8861412" cy="4984544"/>
-          </a:xfrm>
-          <a:prstGeom prst="rect">
-            <a:avLst/>
-          </a:prstGeom>
-          <a:noFill/>
-          <a:extLst>
-            <a:ext uri="{909E8E84-426E-40DD-AFC4-6F175D3DCCD1}">
-              <a14:hiddenFill xmlns:a14="http://schemas.microsoft.com/office/drawing/2010/main">
-                <a:solidFill>
-                  <a:srgbClr val="FFFFFF"/>
-                </a:solidFill>
-              </a14:hiddenFill>
-            </a:ext>
-          </a:extLst>
-        </p:spPr>
-      </p:pic>
-      <p:sp>
-        <p:nvSpPr>
-          <p:cNvPr id="14" name="Title 1">
-            <a:extLst>
-              <a:ext uri="{FF2B5EF4-FFF2-40B4-BE49-F238E27FC236}">
-                <a16:creationId xmlns:a16="http://schemas.microsoft.com/office/drawing/2014/main" id="{71537F47-2070-427A-8E93-8262A70C5AEA}"/>
-              </a:ext>
-            </a:extLst>
-          </p:cNvPr>
-          <p:cNvSpPr>
-            <a:spLocks noGrp="1"/>
-          </p:cNvSpPr>
-          <p:nvPr>
-            <p:ph type="title"/>
-          </p:nvPr>
-        </p:nvSpPr>
-        <p:spPr>
-          <a:xfrm>
-            <a:off x="838200" y="544744"/>
-            <a:ext cx="10515600" cy="1325563"/>
-          </a:xfrm>
-        </p:spPr>
-        <p:txBody>
-          <a:bodyPr/>
-          <a:lstStyle/>
-          <a:p>
-            <a:r>
-              <a:rPr lang="en-US" dirty="0"/>
-              <a:t>Core computational data science skills</a:t>
-            </a:r>
-          </a:p>
-        </p:txBody>
-      </p:sp>
-      <p:sp>
-        <p:nvSpPr>
-          <p:cNvPr id="6" name="Rectangle 5">
-            <a:extLst>
-              <a:ext uri="{FF2B5EF4-FFF2-40B4-BE49-F238E27FC236}">
-                <a16:creationId xmlns:a16="http://schemas.microsoft.com/office/drawing/2014/main" id="{73DB7A4D-4BF5-5D48-BD49-1BB11B93C367}"/>
-              </a:ext>
-            </a:extLst>
-          </p:cNvPr>
+      <p:sp>
+        <p:nvSpPr>
+          <p:cNvPr id="4" name="Rectangle 3"/>
           <p:cNvSpPr/>
           <p:nvPr/>
         </p:nvSpPr>
@@ -6328,10 +9088,113 @@
           </a:p>
         </p:txBody>
       </p:sp>
+      <p:sp>
+        <p:nvSpPr>
+          <p:cNvPr id="5" name="Title 4"/>
+          <p:cNvSpPr>
+            <a:spLocks noGrp="1"/>
+          </p:cNvSpPr>
+          <p:nvPr>
+            <p:ph type="ctrTitle"/>
+          </p:nvPr>
+        </p:nvSpPr>
+        <p:spPr>
+          <a:xfrm>
+            <a:off x="843148" y="1122362"/>
+            <a:ext cx="10699668" cy="1016681"/>
+          </a:xfrm>
+        </p:spPr>
+        <p:txBody>
+          <a:bodyPr>
+            <a:normAutofit/>
+          </a:bodyPr>
+          <a:lstStyle/>
+          <a:p>
+            <a:pPr algn="l"/>
+            <a:r>
+              <a:rPr lang="en-US" dirty="0"/>
+              <a:t>Data management and processing</a:t>
+            </a:r>
+          </a:p>
+        </p:txBody>
+      </p:sp>
+      <p:sp>
+        <p:nvSpPr>
+          <p:cNvPr id="2" name="Subtitle 1"/>
+          <p:cNvSpPr>
+            <a:spLocks noGrp="1"/>
+          </p:cNvSpPr>
+          <p:nvPr>
+            <p:ph type="subTitle" idx="1"/>
+          </p:nvPr>
+        </p:nvSpPr>
+        <p:spPr>
+          <a:xfrm>
+            <a:off x="1409700" y="2418257"/>
+            <a:ext cx="9144000" cy="3331711"/>
+          </a:xfrm>
+        </p:spPr>
+        <p:txBody>
+          <a:bodyPr>
+            <a:noAutofit/>
+          </a:bodyPr>
+          <a:lstStyle/>
+          <a:p>
+            <a:pPr marL="342900" indent="-342900" algn="l">
+              <a:buFont typeface="Arial"/>
+              <a:buChar char="•"/>
+            </a:pPr>
+            <a:r>
+              <a:rPr lang="en-US" sz="4000" i="1" dirty="0"/>
+              <a:t>Introductory:</a:t>
+            </a:r>
+            <a:r>
+              <a:rPr lang="en-US" sz="4000" dirty="0"/>
+              <a:t> </a:t>
+            </a:r>
+            <a:r>
+              <a:rPr lang="en-US" sz="4000" dirty="0" err="1"/>
+              <a:t>Dataframes</a:t>
+            </a:r>
+            <a:r>
+              <a:rPr lang="en-US" sz="4000" dirty="0"/>
+              <a:t>, variable types, QAQC, file management</a:t>
+            </a:r>
+          </a:p>
+          <a:p>
+            <a:pPr marL="342900" indent="-342900" algn="l">
+              <a:buFont typeface="Arial"/>
+              <a:buChar char="•"/>
+            </a:pPr>
+            <a:r>
+              <a:rPr lang="en-US" sz="4000" i="1" dirty="0"/>
+              <a:t>Intermediate:</a:t>
+            </a:r>
+            <a:r>
+              <a:rPr lang="en-US" sz="4000" dirty="0"/>
+              <a:t> Data manipulation and transformation, data subsets</a:t>
+            </a:r>
+          </a:p>
+          <a:p>
+            <a:pPr marL="342900" indent="-342900" algn="l">
+              <a:buFont typeface="Arial"/>
+              <a:buChar char="•"/>
+            </a:pPr>
+            <a:r>
+              <a:rPr lang="en-US" sz="4000" i="1" dirty="0"/>
+              <a:t>Advanced:</a:t>
+            </a:r>
+            <a:r>
+              <a:rPr lang="en-US" sz="4000" dirty="0"/>
+              <a:t> Database queries, joining multiple data sets</a:t>
+            </a:r>
+          </a:p>
+        </p:txBody>
+      </p:sp>
     </p:spTree>
     <p:extLst>
       <p:ext uri="{BB962C8B-B14F-4D97-AF65-F5344CB8AC3E}">
-        <p14:creationId xmlns:p14="http://schemas.microsoft.com/office/powerpoint/2010/main" val="3845178725"/>
+        <p14:creationId xmlns:p14="http://schemas.microsoft.com/office/powerpoint/2010/main" val="3994244943"/>
       </p:ext>
     </p:extLst>
   </p:cSld>
@@ -6358,53 +9221,6 @@
           <a:chExt cx="0" cy="0"/>
         </a:xfrm>
       </p:grpSpPr>
-      <p:pic>
-        <p:nvPicPr>
-          <p:cNvPr id="9" name="Picture 2" descr="https://lh4.googleusercontent.com/BlxOQY2xuM44gUqoRZPKO-7Yypo3dWtJHcZ9jL2Xad_f_1CC4PlBw2RQUciqmzLYp2LRXCn-viRBRPYLOj3GO5zQqUmctMZ1VJ7ZpVm3oCuxNlM-TSN_RCl0BCWGmKCdzVy-zbjt">
-            <a:extLst>
-              <a:ext uri="{FF2B5EF4-FFF2-40B4-BE49-F238E27FC236}">
-                <a16:creationId xmlns:a16="http://schemas.microsoft.com/office/drawing/2014/main" id="{A1EEFFE8-37D3-DF4A-8464-37F80BA2A01E}"/>
-              </a:ext>
-            </a:extLst>
-          </p:cNvPr>
-          <p:cNvPicPr>
-            <a:picLocks noChangeAspect="1" noChangeArrowheads="1"/>
-          </p:cNvPicPr>
-          <p:nvPr/>
-        </p:nvPicPr>
-        <p:blipFill>
-          <a:blip r:embed="rId2">
-            <a:alphaModFix amt="32000"/>
-            <a:extLst>
-              <a:ext uri="{28A0092B-C50C-407E-A947-70E740481C1C}">
-                <a14:useLocalDpi xmlns:a14="http://schemas.microsoft.com/office/drawing/2010/main" val="0"/>
-              </a:ext>
-            </a:extLst>
-          </a:blip>
-          <a:stretch>
-            <a:fillRect/>
-          </a:stretch>
-        </p:blipFill>
-        <p:spPr bwMode="auto">
-          <a:xfrm>
-            <a:off x="984981" y="1579542"/>
-            <a:ext cx="8861412" cy="4984544"/>
-          </a:xfrm>
-          <a:prstGeom prst="rect">
-            <a:avLst/>
-          </a:prstGeom>
-          <a:noFill/>
-          <a:extLst>
-            <a:ext uri="{909E8E84-426E-40DD-AFC4-6F175D3DCCD1}">
-              <a14:hiddenFill xmlns:a14="http://schemas.microsoft.com/office/drawing/2010/main">
-                <a:solidFill>
-                  <a:srgbClr val="FFFFFF"/>
-                </a:solidFill>
-              </a14:hiddenFill>
-            </a:ext>
-          </a:extLst>
-        </p:spPr>
-      </p:pic>
       <p:sp>
         <p:nvSpPr>
           <p:cNvPr id="4" name="Rectangle 3"/>
@@ -6470,18 +9286,84 @@
         <p:spPr>
           <a:xfrm>
             <a:off x="843148" y="1122362"/>
-            <a:ext cx="10699668" cy="2018185"/>
+            <a:ext cx="10699668" cy="1016681"/>
           </a:xfrm>
         </p:spPr>
         <p:txBody>
           <a:bodyPr>
-            <a:normAutofit fontScale="90000"/>
+            <a:normAutofit/>
           </a:bodyPr>
           <a:lstStyle/>
           <a:p>
+            <a:pPr algn="l"/>
             <a:r>
               <a:rPr lang="en-US" dirty="0"/>
-              <a:t>Where do we currently find these skills (if at all) in undergraduate biology curricula?</a:t>
+              <a:t>Data analysis and modelling</a:t>
+            </a:r>
+          </a:p>
+        </p:txBody>
+      </p:sp>
+      <p:sp>
+        <p:nvSpPr>
+          <p:cNvPr id="2" name="Subtitle 1"/>
+          <p:cNvSpPr>
+            <a:spLocks noGrp="1"/>
+          </p:cNvSpPr>
+          <p:nvPr>
+            <p:ph type="subTitle" idx="1"/>
+          </p:nvPr>
+        </p:nvSpPr>
+        <p:spPr>
+          <a:xfrm>
+            <a:off x="1409700" y="2418257"/>
+            <a:ext cx="9144000" cy="3331711"/>
+          </a:xfrm>
+        </p:spPr>
+        <p:txBody>
+          <a:bodyPr>
+            <a:noAutofit/>
+          </a:bodyPr>
+          <a:lstStyle/>
+          <a:p>
+            <a:pPr marL="342900" indent="-342900" algn="l">
+              <a:buFont typeface="Arial"/>
+              <a:buChar char="•"/>
+            </a:pPr>
+            <a:r>
+              <a:rPr lang="en-US" sz="4000" i="1" dirty="0"/>
+              <a:t>Introductory:</a:t>
+            </a:r>
+            <a:r>
+              <a:rPr lang="en-US" sz="4000" dirty="0"/>
+              <a:t> Summary statistics, correlation</a:t>
+            </a:r>
+          </a:p>
+          <a:p>
+            <a:pPr marL="342900" indent="-342900" algn="l">
+              <a:buFont typeface="Arial"/>
+              <a:buChar char="•"/>
+            </a:pPr>
+            <a:r>
+              <a:rPr lang="en-US" sz="4000" i="1" dirty="0"/>
+              <a:t>Intermediate:</a:t>
+            </a:r>
+            <a:r>
+              <a:rPr lang="en-US" sz="4000" dirty="0"/>
+              <a:t> Linear models, inferential statistics, confidence intervals</a:t>
+            </a:r>
+          </a:p>
+          <a:p>
+            <a:pPr marL="342900" indent="-342900" algn="l">
+              <a:buFont typeface="Arial"/>
+              <a:buChar char="•"/>
+            </a:pPr>
+            <a:r>
+              <a:rPr lang="en-US" sz="4000" i="1" dirty="0"/>
+              <a:t>Advanced:</a:t>
+            </a:r>
+            <a:r>
+              <a:rPr lang="en-US" sz="4000" dirty="0"/>
+              <a:t> Model selection, multivariate analysis, simulation, machine learning</a:t>
             </a:r>
           </a:p>
         </p:txBody>
@@ -6489,7 +9371,7 @@
     </p:spTree>
     <p:extLst>
       <p:ext uri="{BB962C8B-B14F-4D97-AF65-F5344CB8AC3E}">
-        <p14:creationId xmlns:p14="http://schemas.microsoft.com/office/powerpoint/2010/main" val="2644854266"/>
+        <p14:creationId xmlns:p14="http://schemas.microsoft.com/office/powerpoint/2010/main" val="1395960724"/>
       </p:ext>
     </p:extLst>
   </p:cSld>
@@ -6570,722 +9452,111 @@
       </p:sp>
       <p:sp>
         <p:nvSpPr>
-          <p:cNvPr id="7" name="Right Arrow 6"/>
-          <p:cNvSpPr/>
-          <p:nvPr/>
-        </p:nvSpPr>
-        <p:spPr>
-          <a:xfrm>
-            <a:off x="843148" y="965199"/>
-            <a:ext cx="7657385" cy="1185333"/>
-          </a:xfrm>
-          <a:prstGeom prst="rightArrow">
-            <a:avLst/>
-          </a:prstGeom>
-          <a:solidFill>
-            <a:schemeClr val="bg2">
-              <a:lumMod val="50000"/>
-            </a:schemeClr>
-          </a:solidFill>
-          <a:ln>
-            <a:solidFill>
-              <a:schemeClr val="bg2">
-                <a:lumMod val="50000"/>
-              </a:schemeClr>
-            </a:solidFill>
-          </a:ln>
-        </p:spPr>
-        <p:style>
-          <a:lnRef idx="2">
-            <a:schemeClr val="accent1">
-              <a:shade val="50000"/>
-            </a:schemeClr>
-          </a:lnRef>
-          <a:fillRef idx="1">
-            <a:schemeClr val="accent1"/>
-          </a:fillRef>
-          <a:effectRef idx="0">
-            <a:schemeClr val="accent1"/>
-          </a:effectRef>
-          <a:fontRef idx="minor">
-            <a:schemeClr val="lt1"/>
-          </a:fontRef>
-        </p:style>
-        <p:txBody>
-          <a:bodyPr rtlCol="0" anchor="ctr"/>
-          <a:lstStyle/>
-          <a:p>
-            <a:pPr algn="ctr"/>
-            <a:endParaRPr lang="en-US"/>
-          </a:p>
-        </p:txBody>
-      </p:sp>
-      <p:sp>
-        <p:nvSpPr>
-          <p:cNvPr id="8" name="Bent Arrow 7"/>
-          <p:cNvSpPr/>
-          <p:nvPr/>
-        </p:nvSpPr>
-        <p:spPr>
-          <a:xfrm flipV="1">
-            <a:off x="2455333" y="1855407"/>
-            <a:ext cx="6045200" cy="1947333"/>
-          </a:xfrm>
-          <a:prstGeom prst="bentArrow">
-            <a:avLst>
-              <a:gd name="adj1" fmla="val 30217"/>
-              <a:gd name="adj2" fmla="val 32826"/>
-              <a:gd name="adj3" fmla="val 31087"/>
-              <a:gd name="adj4" fmla="val 43750"/>
-            </a:avLst>
-          </a:prstGeom>
-          <a:solidFill>
-            <a:schemeClr val="bg2">
-              <a:lumMod val="50000"/>
-            </a:schemeClr>
-          </a:solidFill>
-          <a:ln>
-            <a:solidFill>
-              <a:schemeClr val="bg2">
-                <a:lumMod val="50000"/>
-              </a:schemeClr>
-            </a:solidFill>
-          </a:ln>
-        </p:spPr>
-        <p:style>
-          <a:lnRef idx="2">
-            <a:schemeClr val="accent1">
-              <a:shade val="50000"/>
-            </a:schemeClr>
-          </a:lnRef>
-          <a:fillRef idx="1">
-            <a:schemeClr val="accent1"/>
-          </a:fillRef>
-          <a:effectRef idx="0">
-            <a:schemeClr val="accent1"/>
-          </a:effectRef>
-          <a:fontRef idx="minor">
-            <a:schemeClr val="lt1"/>
-          </a:fontRef>
-        </p:style>
-        <p:txBody>
-          <a:bodyPr rtlCol="0" anchor="ctr"/>
-          <a:lstStyle/>
-          <a:p>
-            <a:pPr algn="ctr"/>
-            <a:endParaRPr lang="en-US">
-              <a:solidFill>
-                <a:schemeClr val="tx1"/>
-              </a:solidFill>
-            </a:endParaRPr>
-          </a:p>
-        </p:txBody>
-      </p:sp>
-      <p:sp>
-        <p:nvSpPr>
-          <p:cNvPr id="9" name="Bent Arrow 8"/>
-          <p:cNvSpPr/>
-          <p:nvPr/>
-        </p:nvSpPr>
-        <p:spPr>
-          <a:xfrm flipV="1">
-            <a:off x="4792133" y="3430205"/>
-            <a:ext cx="3708400" cy="3072193"/>
-          </a:xfrm>
-          <a:prstGeom prst="bentArrow">
-            <a:avLst>
-              <a:gd name="adj1" fmla="val 19745"/>
-              <a:gd name="adj2" fmla="val 20425"/>
-              <a:gd name="adj3" fmla="val 20063"/>
-              <a:gd name="adj4" fmla="val 43750"/>
-            </a:avLst>
-          </a:prstGeom>
-          <a:solidFill>
-            <a:schemeClr val="bg2">
-              <a:lumMod val="50000"/>
-            </a:schemeClr>
-          </a:solidFill>
-          <a:ln>
-            <a:solidFill>
-              <a:schemeClr val="bg2">
-                <a:lumMod val="50000"/>
-              </a:schemeClr>
-            </a:solidFill>
-          </a:ln>
-        </p:spPr>
-        <p:style>
-          <a:lnRef idx="2">
-            <a:schemeClr val="accent1">
-              <a:shade val="50000"/>
-            </a:schemeClr>
-          </a:lnRef>
-          <a:fillRef idx="1">
-            <a:schemeClr val="accent1"/>
-          </a:fillRef>
-          <a:effectRef idx="0">
-            <a:schemeClr val="accent1"/>
-          </a:effectRef>
-          <a:fontRef idx="minor">
-            <a:schemeClr val="lt1"/>
-          </a:fontRef>
-        </p:style>
-        <p:txBody>
-          <a:bodyPr rtlCol="0" anchor="ctr"/>
-          <a:lstStyle/>
-          <a:p>
-            <a:pPr algn="ctr"/>
-            <a:endParaRPr lang="en-US">
-              <a:solidFill>
-                <a:schemeClr val="tx1"/>
-              </a:solidFill>
-            </a:endParaRPr>
-          </a:p>
-        </p:txBody>
-      </p:sp>
-      <p:sp>
-        <p:nvSpPr>
-          <p:cNvPr id="10" name="TextBox 9"/>
-          <p:cNvSpPr txBox="1"/>
-          <p:nvPr/>
-        </p:nvSpPr>
-        <p:spPr>
-          <a:xfrm>
-            <a:off x="1236134" y="1339333"/>
-            <a:ext cx="5182829" cy="461665"/>
-          </a:xfrm>
-          <a:prstGeom prst="rect">
-            <a:avLst/>
-          </a:prstGeom>
-          <a:noFill/>
-        </p:spPr>
-        <p:txBody>
-          <a:bodyPr wrap="none" rtlCol="0">
-            <a:spAutoFit/>
+          <p:cNvPr id="5" name="Title 4"/>
+          <p:cNvSpPr>
+            <a:spLocks noGrp="1"/>
+          </p:cNvSpPr>
+          <p:nvPr>
+            <p:ph type="ctrTitle"/>
+          </p:nvPr>
+        </p:nvSpPr>
+        <p:spPr>
+          <a:xfrm>
+            <a:off x="843148" y="1122362"/>
+            <a:ext cx="10699668" cy="1016681"/>
+          </a:xfrm>
+        </p:spPr>
+        <p:txBody>
+          <a:bodyPr>
+            <a:normAutofit/>
           </a:bodyPr>
           <a:lstStyle/>
           <a:p>
-            <a:r>
-              <a:rPr lang="en-US" sz="2400">
-                <a:solidFill>
-                  <a:schemeClr val="bg2"/>
-                </a:solidFill>
-                <a:latin typeface="Helvetica" charset="0"/>
-                <a:ea typeface="Helvetica" charset="0"/>
-                <a:cs typeface="Helvetica" charset="0"/>
-              </a:rPr>
-              <a:t>Introductory/Core Lectures and Labs</a:t>
-            </a:r>
-          </a:p>
-        </p:txBody>
-      </p:sp>
-      <p:sp>
-        <p:nvSpPr>
-          <p:cNvPr id="11" name="TextBox 10"/>
-          <p:cNvSpPr txBox="1"/>
-          <p:nvPr/>
-        </p:nvSpPr>
-        <p:spPr>
-          <a:xfrm>
-            <a:off x="3287269" y="2949803"/>
-            <a:ext cx="2990272" cy="461665"/>
-          </a:xfrm>
-          <a:prstGeom prst="rect">
-            <a:avLst/>
-          </a:prstGeom>
-          <a:noFill/>
-        </p:spPr>
-        <p:txBody>
-          <a:bodyPr wrap="none" rtlCol="0">
-            <a:spAutoFit/>
+            <a:pPr algn="l"/>
+            <a:r>
+              <a:rPr lang="en-US" dirty="0"/>
+              <a:t>Scientific software and coding</a:t>
+            </a:r>
+          </a:p>
+        </p:txBody>
+      </p:sp>
+      <p:sp>
+        <p:nvSpPr>
+          <p:cNvPr id="2" name="Subtitle 1"/>
+          <p:cNvSpPr>
+            <a:spLocks noGrp="1"/>
+          </p:cNvSpPr>
+          <p:nvPr>
+            <p:ph type="subTitle" idx="1"/>
+          </p:nvPr>
+        </p:nvSpPr>
+        <p:spPr>
+          <a:xfrm>
+            <a:off x="1409700" y="2418257"/>
+            <a:ext cx="9144000" cy="3331711"/>
+          </a:xfrm>
+        </p:spPr>
+        <p:txBody>
+          <a:bodyPr>
+            <a:normAutofit/>
           </a:bodyPr>
           <a:lstStyle/>
           <a:p>
-            <a:r>
-              <a:rPr lang="en-US" sz="2400" dirty="0">
-                <a:solidFill>
-                  <a:schemeClr val="bg2"/>
-                </a:solidFill>
-                <a:latin typeface="Helvetica" charset="0"/>
-                <a:ea typeface="Helvetica" charset="0"/>
-                <a:cs typeface="Helvetica" charset="0"/>
-              </a:rPr>
-              <a:t>Specialized Courses</a:t>
-            </a:r>
-          </a:p>
-        </p:txBody>
-      </p:sp>
-      <p:sp>
-        <p:nvSpPr>
-          <p:cNvPr id="12" name="TextBox 11"/>
-          <p:cNvSpPr txBox="1"/>
-          <p:nvPr/>
-        </p:nvSpPr>
-        <p:spPr>
-          <a:xfrm>
-            <a:off x="6164659" y="5601431"/>
-            <a:ext cx="1503938" cy="461665"/>
-          </a:xfrm>
-          <a:prstGeom prst="rect">
-            <a:avLst/>
-          </a:prstGeom>
-          <a:noFill/>
-        </p:spPr>
-        <p:txBody>
-          <a:bodyPr wrap="none" rtlCol="0">
-            <a:spAutoFit/>
-          </a:bodyPr>
-          <a:lstStyle/>
-          <a:p>
-            <a:r>
-              <a:rPr lang="en-US" sz="2400">
-                <a:solidFill>
-                  <a:schemeClr val="bg2"/>
-                </a:solidFill>
-                <a:latin typeface="Helvetica" charset="0"/>
-                <a:ea typeface="Helvetica" charset="0"/>
-                <a:cs typeface="Helvetica" charset="0"/>
-              </a:rPr>
-              <a:t>Research</a:t>
-            </a:r>
-            <a:endParaRPr lang="en-US" sz="2400" dirty="0">
-              <a:solidFill>
-                <a:schemeClr val="bg2"/>
-              </a:solidFill>
-              <a:latin typeface="Helvetica" charset="0"/>
-              <a:ea typeface="Helvetica" charset="0"/>
-              <a:cs typeface="Helvetica" charset="0"/>
-            </a:endParaRPr>
-          </a:p>
-        </p:txBody>
-      </p:sp>
-      <p:sp>
-        <p:nvSpPr>
-          <p:cNvPr id="13" name="Bent Arrow 12"/>
-          <p:cNvSpPr/>
-          <p:nvPr/>
-        </p:nvSpPr>
-        <p:spPr>
-          <a:xfrm>
-            <a:off x="2455333" y="3918735"/>
-            <a:ext cx="6045200" cy="1937659"/>
-          </a:xfrm>
-          <a:prstGeom prst="bentArrow">
-            <a:avLst>
-              <a:gd name="adj1" fmla="val 30217"/>
-              <a:gd name="adj2" fmla="val 32826"/>
-              <a:gd name="adj3" fmla="val 31087"/>
-              <a:gd name="adj4" fmla="val 43750"/>
-            </a:avLst>
-          </a:prstGeom>
-          <a:noFill/>
-          <a:ln>
-            <a:solidFill>
-              <a:schemeClr val="tx1"/>
-            </a:solidFill>
-            <a:prstDash val="sysDash"/>
-          </a:ln>
-        </p:spPr>
-        <p:style>
-          <a:lnRef idx="2">
-            <a:schemeClr val="accent1">
-              <a:shade val="50000"/>
-            </a:schemeClr>
-          </a:lnRef>
-          <a:fillRef idx="1">
-            <a:schemeClr val="accent1"/>
-          </a:fillRef>
-          <a:effectRef idx="0">
-            <a:schemeClr val="accent1"/>
-          </a:effectRef>
-          <a:fontRef idx="minor">
-            <a:schemeClr val="lt1"/>
-          </a:fontRef>
-        </p:style>
-        <p:txBody>
-          <a:bodyPr rtlCol="0" anchor="ctr"/>
-          <a:lstStyle/>
-          <a:p>
-            <a:pPr algn="ctr"/>
-            <a:endParaRPr lang="en-US">
-              <a:solidFill>
-                <a:schemeClr val="tx1"/>
-              </a:solidFill>
-            </a:endParaRPr>
-          </a:p>
-        </p:txBody>
-      </p:sp>
-      <p:sp>
-        <p:nvSpPr>
-          <p:cNvPr id="15" name="TextBox 14"/>
-          <p:cNvSpPr txBox="1"/>
-          <p:nvPr/>
-        </p:nvSpPr>
-        <p:spPr>
-          <a:xfrm>
-            <a:off x="3084068" y="4318638"/>
-            <a:ext cx="5044971" cy="461665"/>
-          </a:xfrm>
-          <a:prstGeom prst="rect">
-            <a:avLst/>
-          </a:prstGeom>
-          <a:noFill/>
-        </p:spPr>
-        <p:txBody>
-          <a:bodyPr wrap="none" rtlCol="0">
-            <a:spAutoFit/>
-          </a:bodyPr>
-          <a:lstStyle/>
-          <a:p>
-            <a:r>
-              <a:rPr lang="en-US" sz="2400">
-                <a:latin typeface="Helvetica" charset="0"/>
-                <a:ea typeface="Helvetica" charset="0"/>
-                <a:cs typeface="Helvetica" charset="0"/>
-              </a:rPr>
-              <a:t>Additional Math/Stat </a:t>
-            </a:r>
-            <a:r>
-              <a:rPr lang="en-US" sz="2400" dirty="0">
-                <a:latin typeface="Helvetica" charset="0"/>
-                <a:ea typeface="Helvetica" charset="0"/>
-                <a:cs typeface="Helvetica" charset="0"/>
-              </a:rPr>
-              <a:t>or CS Courses</a:t>
-            </a:r>
-          </a:p>
-        </p:txBody>
-      </p:sp>
-      <p:sp>
-        <p:nvSpPr>
-          <p:cNvPr id="16" name="Triangle 15"/>
-          <p:cNvSpPr/>
-          <p:nvPr/>
-        </p:nvSpPr>
-        <p:spPr>
-          <a:xfrm>
-            <a:off x="8669869" y="1017600"/>
-            <a:ext cx="1490133" cy="5163065"/>
-          </a:xfrm>
-          <a:prstGeom prst="triangle">
-            <a:avLst/>
-          </a:prstGeom>
-          <a:noFill/>
-          <a:ln>
-            <a:solidFill>
-              <a:schemeClr val="bg2"/>
-            </a:solidFill>
-          </a:ln>
-        </p:spPr>
-        <p:style>
-          <a:lnRef idx="2">
-            <a:schemeClr val="accent1">
-              <a:shade val="50000"/>
-            </a:schemeClr>
-          </a:lnRef>
-          <a:fillRef idx="1">
-            <a:schemeClr val="accent1"/>
-          </a:fillRef>
-          <a:effectRef idx="0">
-            <a:schemeClr val="accent1"/>
-          </a:effectRef>
-          <a:fontRef idx="minor">
-            <a:schemeClr val="lt1"/>
-          </a:fontRef>
-        </p:style>
-        <p:txBody>
-          <a:bodyPr rtlCol="0" anchor="ctr"/>
-          <a:lstStyle/>
-          <a:p>
-            <a:pPr algn="ctr"/>
-            <a:endParaRPr lang="en-US"/>
-          </a:p>
-        </p:txBody>
-      </p:sp>
-      <p:sp>
-        <p:nvSpPr>
-          <p:cNvPr id="17" name="Triangle 16"/>
-          <p:cNvSpPr/>
-          <p:nvPr/>
-        </p:nvSpPr>
-        <p:spPr>
-          <a:xfrm rot="10800000">
-            <a:off x="10039263" y="1339333"/>
-            <a:ext cx="1490133" cy="5163065"/>
-          </a:xfrm>
-          <a:prstGeom prst="triangle">
-            <a:avLst/>
-          </a:prstGeom>
-          <a:noFill/>
-          <a:ln>
-            <a:solidFill>
-              <a:schemeClr val="bg2"/>
-            </a:solidFill>
-          </a:ln>
-        </p:spPr>
-        <p:style>
-          <a:lnRef idx="2">
-            <a:schemeClr val="accent1">
-              <a:shade val="50000"/>
-            </a:schemeClr>
-          </a:lnRef>
-          <a:fillRef idx="1">
-            <a:schemeClr val="accent1"/>
-          </a:fillRef>
-          <a:effectRef idx="0">
-            <a:schemeClr val="accent1"/>
-          </a:effectRef>
-          <a:fontRef idx="minor">
-            <a:schemeClr val="lt1"/>
-          </a:fontRef>
-        </p:style>
-        <p:txBody>
-          <a:bodyPr rtlCol="0" anchor="ctr"/>
-          <a:lstStyle/>
-          <a:p>
-            <a:pPr algn="ctr"/>
-            <a:endParaRPr lang="en-US"/>
-          </a:p>
-        </p:txBody>
-      </p:sp>
-      <p:sp>
-        <p:nvSpPr>
-          <p:cNvPr id="18" name="TextBox 17"/>
-          <p:cNvSpPr txBox="1"/>
-          <p:nvPr/>
-        </p:nvSpPr>
-        <p:spPr>
-          <a:xfrm>
-            <a:off x="8286773" y="6235477"/>
-            <a:ext cx="2256323" cy="369332"/>
-          </a:xfrm>
-          <a:prstGeom prst="rect">
-            <a:avLst/>
-          </a:prstGeom>
-          <a:noFill/>
-        </p:spPr>
-        <p:txBody>
-          <a:bodyPr wrap="none" rtlCol="0">
-            <a:spAutoFit/>
-          </a:bodyPr>
-          <a:lstStyle/>
-          <a:p>
-            <a:r>
-              <a:rPr lang="en-US" dirty="0">
-                <a:solidFill>
-                  <a:srgbClr val="5B9BD5"/>
-                </a:solidFill>
-              </a:rPr>
-              <a:t>Power of Competency</a:t>
-            </a:r>
-          </a:p>
-        </p:txBody>
-      </p:sp>
-      <p:sp>
-        <p:nvSpPr>
-          <p:cNvPr id="19" name="TextBox 18"/>
-          <p:cNvSpPr txBox="1"/>
-          <p:nvPr/>
-        </p:nvSpPr>
-        <p:spPr>
-          <a:xfrm>
-            <a:off x="9860261" y="942594"/>
-            <a:ext cx="1848135" cy="369332"/>
-          </a:xfrm>
-          <a:prstGeom prst="rect">
-            <a:avLst/>
-          </a:prstGeom>
-          <a:noFill/>
-        </p:spPr>
-        <p:txBody>
-          <a:bodyPr wrap="none" rtlCol="0">
-            <a:spAutoFit/>
-          </a:bodyPr>
-          <a:lstStyle/>
-          <a:p>
-            <a:r>
-              <a:rPr lang="en-US" dirty="0">
-                <a:solidFill>
-                  <a:srgbClr val="5B9BD5"/>
-                </a:solidFill>
-              </a:rPr>
-              <a:t>Students Exposed</a:t>
-            </a:r>
-          </a:p>
-        </p:txBody>
-      </p:sp>
-      <p:sp>
-        <p:nvSpPr>
-          <p:cNvPr id="20" name="Triangle 19"/>
-          <p:cNvSpPr/>
-          <p:nvPr/>
-        </p:nvSpPr>
-        <p:spPr>
-          <a:xfrm>
-            <a:off x="8924904" y="3631487"/>
-            <a:ext cx="995822" cy="2566114"/>
-          </a:xfrm>
-          <a:prstGeom prst="triangle">
-            <a:avLst/>
-          </a:prstGeom>
-          <a:solidFill>
-            <a:schemeClr val="accent1"/>
-          </a:solidFill>
-          <a:ln>
-            <a:solidFill>
-              <a:schemeClr val="accent1"/>
-            </a:solidFill>
-          </a:ln>
-        </p:spPr>
-        <p:style>
-          <a:lnRef idx="2">
-            <a:schemeClr val="accent1">
-              <a:shade val="50000"/>
-            </a:schemeClr>
-          </a:lnRef>
-          <a:fillRef idx="1">
-            <a:schemeClr val="accent1"/>
-          </a:fillRef>
-          <a:effectRef idx="0">
-            <a:schemeClr val="accent1"/>
-          </a:effectRef>
-          <a:fontRef idx="minor">
-            <a:schemeClr val="lt1"/>
-          </a:fontRef>
-        </p:style>
-        <p:txBody>
-          <a:bodyPr rtlCol="0" anchor="ctr"/>
-          <a:lstStyle/>
-          <a:p>
-            <a:pPr algn="ctr"/>
-            <a:endParaRPr lang="en-US"/>
-          </a:p>
-        </p:txBody>
-      </p:sp>
-      <p:cxnSp>
-        <p:nvCxnSpPr>
-          <p:cNvPr id="22" name="Straight Connector 21"/>
-          <p:cNvCxnSpPr>
-            <a:stCxn id="20" idx="0"/>
-            <a:endCxn id="16" idx="0"/>
-          </p:cNvCxnSpPr>
-          <p:nvPr/>
-        </p:nvCxnSpPr>
-        <p:spPr>
-          <a:xfrm flipH="1" flipV="1">
-            <a:off x="9414936" y="1017600"/>
-            <a:ext cx="7879" cy="2613887"/>
-          </a:xfrm>
-          <a:prstGeom prst="line">
-            <a:avLst/>
-          </a:prstGeom>
-          <a:ln w="12700">
-            <a:solidFill>
-              <a:schemeClr val="accent1"/>
-            </a:solidFill>
-          </a:ln>
-        </p:spPr>
-        <p:style>
-          <a:lnRef idx="1">
-            <a:schemeClr val="accent1"/>
-          </a:lnRef>
-          <a:fillRef idx="0">
-            <a:schemeClr val="accent1"/>
-          </a:fillRef>
-          <a:effectRef idx="0">
-            <a:schemeClr val="accent1"/>
-          </a:effectRef>
-          <a:fontRef idx="minor">
-            <a:schemeClr val="tx1"/>
-          </a:fontRef>
-        </p:style>
-      </p:cxnSp>
-      <p:sp>
-        <p:nvSpPr>
-          <p:cNvPr id="25" name="Triangle 24"/>
-          <p:cNvSpPr/>
-          <p:nvPr/>
-        </p:nvSpPr>
-        <p:spPr>
-          <a:xfrm rot="10800000">
-            <a:off x="10039263" y="1339333"/>
-            <a:ext cx="1490132" cy="2579402"/>
-          </a:xfrm>
-          <a:prstGeom prst="triangle">
-            <a:avLst/>
-          </a:prstGeom>
-          <a:ln>
-            <a:solidFill>
-              <a:schemeClr val="accent1"/>
-            </a:solidFill>
-          </a:ln>
-        </p:spPr>
-        <p:style>
-          <a:lnRef idx="2">
-            <a:schemeClr val="accent1">
-              <a:shade val="50000"/>
-            </a:schemeClr>
-          </a:lnRef>
-          <a:fillRef idx="1">
-            <a:schemeClr val="accent1"/>
-          </a:fillRef>
-          <a:effectRef idx="0">
-            <a:schemeClr val="accent1"/>
-          </a:effectRef>
-          <a:fontRef idx="minor">
-            <a:schemeClr val="lt1"/>
-          </a:fontRef>
-        </p:style>
-        <p:txBody>
-          <a:bodyPr rtlCol="0" anchor="ctr"/>
-          <a:lstStyle/>
-          <a:p>
-            <a:pPr algn="ctr"/>
-            <a:endParaRPr lang="en-US"/>
-          </a:p>
-        </p:txBody>
-      </p:sp>
-      <p:cxnSp>
-        <p:nvCxnSpPr>
-          <p:cNvPr id="26" name="Straight Connector 25"/>
-          <p:cNvCxnSpPr>
-            <a:stCxn id="17" idx="0"/>
-            <a:endCxn id="25" idx="0"/>
-          </p:cNvCxnSpPr>
-          <p:nvPr/>
-        </p:nvCxnSpPr>
-        <p:spPr>
-          <a:xfrm flipV="1">
-            <a:off x="10784329" y="3918735"/>
-            <a:ext cx="0" cy="2583663"/>
-          </a:xfrm>
-          <a:prstGeom prst="line">
-            <a:avLst/>
-          </a:prstGeom>
-          <a:ln w="12700">
-            <a:solidFill>
-              <a:schemeClr val="accent1"/>
-            </a:solidFill>
-          </a:ln>
-        </p:spPr>
-        <p:style>
-          <a:lnRef idx="1">
-            <a:schemeClr val="accent1"/>
-          </a:lnRef>
-          <a:fillRef idx="0">
-            <a:schemeClr val="accent1"/>
-          </a:fillRef>
-          <a:effectRef idx="0">
-            <a:schemeClr val="accent1"/>
-          </a:effectRef>
-          <a:fontRef idx="minor">
-            <a:schemeClr val="tx1"/>
-          </a:fontRef>
-        </p:style>
-      </p:cxnSp>
+            <a:pPr marL="342900" indent="-342900" algn="l">
+              <a:buFont typeface="Arial"/>
+              <a:buChar char="•"/>
+            </a:pPr>
+            <a:r>
+              <a:rPr lang="en-US" sz="4000" i="1" dirty="0"/>
+              <a:t>Introductory:</a:t>
+            </a:r>
+            <a:r>
+              <a:rPr lang="en-US" sz="4000" dirty="0"/>
+              <a:t> Spreadsheets, scripting, working within an IDE</a:t>
+            </a:r>
+          </a:p>
+          <a:p>
+            <a:pPr marL="342900" indent="-342900" algn="l">
+              <a:buFont typeface="Arial"/>
+              <a:buChar char="•"/>
+            </a:pPr>
+            <a:r>
+              <a:rPr lang="en-US" sz="4000" i="1" dirty="0"/>
+              <a:t>Intermediate:</a:t>
+            </a:r>
+            <a:r>
+              <a:rPr lang="en-US" sz="4000" dirty="0"/>
+              <a:t> Flow control (</a:t>
+            </a:r>
+            <a:r>
+              <a:rPr lang="en-US" sz="4000" i="1" dirty="0"/>
+              <a:t>for, if-else</a:t>
+            </a:r>
+            <a:r>
+              <a:rPr lang="en-US" sz="4000" dirty="0"/>
+              <a:t>), iteration, packages</a:t>
+            </a:r>
+          </a:p>
+          <a:p>
+            <a:pPr marL="342900" indent="-342900" algn="l">
+              <a:buFont typeface="Arial"/>
+              <a:buChar char="•"/>
+            </a:pPr>
+            <a:r>
+              <a:rPr lang="en-US" sz="4000" i="1" dirty="0"/>
+              <a:t>Advanced:</a:t>
+            </a:r>
+            <a:r>
+              <a:rPr lang="en-US" sz="4000" dirty="0"/>
+              <a:t> Functions, pipelines, HPC</a:t>
+            </a:r>
+          </a:p>
+        </p:txBody>
+      </p:sp>
     </p:spTree>
     <p:extLst>
       <p:ext uri="{BB962C8B-B14F-4D97-AF65-F5344CB8AC3E}">
-        <p14:creationId xmlns:p14="http://schemas.microsoft.com/office/powerpoint/2010/main" val="990066131"/>
+        <p14:creationId xmlns:p14="http://schemas.microsoft.com/office/powerpoint/2010/main" val="2605337299"/>
       </p:ext>
     </p:extLst>
   </p:cSld>
@@ -7366,803 +9637,106 @@
       </p:sp>
       <p:sp>
         <p:nvSpPr>
-          <p:cNvPr id="7" name="Right Arrow 6"/>
-          <p:cNvSpPr/>
-          <p:nvPr/>
-        </p:nvSpPr>
-        <p:spPr>
-          <a:xfrm>
-            <a:off x="843148" y="965199"/>
-            <a:ext cx="7657385" cy="1185333"/>
-          </a:xfrm>
-          <a:prstGeom prst="rightArrow">
-            <a:avLst/>
-          </a:prstGeom>
-          <a:solidFill>
-            <a:schemeClr val="bg2">
-              <a:lumMod val="50000"/>
-            </a:schemeClr>
-          </a:solidFill>
-          <a:ln>
-            <a:solidFill>
-              <a:schemeClr val="bg2">
-                <a:lumMod val="50000"/>
-              </a:schemeClr>
-            </a:solidFill>
-          </a:ln>
-        </p:spPr>
-        <p:style>
-          <a:lnRef idx="2">
-            <a:schemeClr val="accent1">
-              <a:shade val="50000"/>
-            </a:schemeClr>
-          </a:lnRef>
-          <a:fillRef idx="1">
-            <a:schemeClr val="accent1"/>
-          </a:fillRef>
-          <a:effectRef idx="0">
-            <a:schemeClr val="accent1"/>
-          </a:effectRef>
-          <a:fontRef idx="minor">
-            <a:schemeClr val="lt1"/>
-          </a:fontRef>
-        </p:style>
-        <p:txBody>
-          <a:bodyPr rtlCol="0" anchor="ctr"/>
-          <a:lstStyle/>
-          <a:p>
-            <a:pPr algn="ctr"/>
-            <a:endParaRPr lang="en-US"/>
-          </a:p>
-        </p:txBody>
-      </p:sp>
-      <p:sp>
-        <p:nvSpPr>
-          <p:cNvPr id="8" name="Bent Arrow 7"/>
-          <p:cNvSpPr/>
-          <p:nvPr/>
-        </p:nvSpPr>
-        <p:spPr>
-          <a:xfrm flipV="1">
-            <a:off x="2455333" y="1855407"/>
-            <a:ext cx="6045200" cy="1947333"/>
-          </a:xfrm>
-          <a:prstGeom prst="bentArrow">
-            <a:avLst>
-              <a:gd name="adj1" fmla="val 30217"/>
-              <a:gd name="adj2" fmla="val 32826"/>
-              <a:gd name="adj3" fmla="val 31087"/>
-              <a:gd name="adj4" fmla="val 43750"/>
-            </a:avLst>
-          </a:prstGeom>
-          <a:solidFill>
-            <a:schemeClr val="bg2">
-              <a:lumMod val="50000"/>
-            </a:schemeClr>
-          </a:solidFill>
-          <a:ln>
-            <a:solidFill>
-              <a:schemeClr val="bg2">
-                <a:lumMod val="50000"/>
-              </a:schemeClr>
-            </a:solidFill>
-          </a:ln>
-        </p:spPr>
-        <p:style>
-          <a:lnRef idx="2">
-            <a:schemeClr val="accent1">
-              <a:shade val="50000"/>
-            </a:schemeClr>
-          </a:lnRef>
-          <a:fillRef idx="1">
-            <a:schemeClr val="accent1"/>
-          </a:fillRef>
-          <a:effectRef idx="0">
-            <a:schemeClr val="accent1"/>
-          </a:effectRef>
-          <a:fontRef idx="minor">
-            <a:schemeClr val="lt1"/>
-          </a:fontRef>
-        </p:style>
-        <p:txBody>
-          <a:bodyPr rtlCol="0" anchor="ctr"/>
-          <a:lstStyle/>
-          <a:p>
-            <a:pPr algn="ctr"/>
-            <a:endParaRPr lang="en-US">
-              <a:solidFill>
-                <a:schemeClr val="tx1"/>
-              </a:solidFill>
-            </a:endParaRPr>
-          </a:p>
-        </p:txBody>
-      </p:sp>
-      <p:sp>
-        <p:nvSpPr>
-          <p:cNvPr id="9" name="Bent Arrow 8"/>
-          <p:cNvSpPr/>
-          <p:nvPr/>
-        </p:nvSpPr>
-        <p:spPr>
-          <a:xfrm flipV="1">
-            <a:off x="4792133" y="3430205"/>
-            <a:ext cx="3708400" cy="3072193"/>
-          </a:xfrm>
-          <a:prstGeom prst="bentArrow">
-            <a:avLst>
-              <a:gd name="adj1" fmla="val 19745"/>
-              <a:gd name="adj2" fmla="val 20425"/>
-              <a:gd name="adj3" fmla="val 20063"/>
-              <a:gd name="adj4" fmla="val 43750"/>
-            </a:avLst>
-          </a:prstGeom>
-          <a:solidFill>
-            <a:schemeClr val="bg2">
-              <a:lumMod val="50000"/>
-            </a:schemeClr>
-          </a:solidFill>
-          <a:ln>
-            <a:solidFill>
-              <a:schemeClr val="bg2">
-                <a:lumMod val="50000"/>
-              </a:schemeClr>
-            </a:solidFill>
-          </a:ln>
-        </p:spPr>
-        <p:style>
-          <a:lnRef idx="2">
-            <a:schemeClr val="accent1">
-              <a:shade val="50000"/>
-            </a:schemeClr>
-          </a:lnRef>
-          <a:fillRef idx="1">
-            <a:schemeClr val="accent1"/>
-          </a:fillRef>
-          <a:effectRef idx="0">
-            <a:schemeClr val="accent1"/>
-          </a:effectRef>
-          <a:fontRef idx="minor">
-            <a:schemeClr val="lt1"/>
-          </a:fontRef>
-        </p:style>
-        <p:txBody>
-          <a:bodyPr rtlCol="0" anchor="ctr"/>
-          <a:lstStyle/>
-          <a:p>
-            <a:pPr algn="ctr"/>
-            <a:endParaRPr lang="en-US">
-              <a:solidFill>
-                <a:schemeClr val="tx1"/>
-              </a:solidFill>
-            </a:endParaRPr>
-          </a:p>
-        </p:txBody>
-      </p:sp>
-      <p:sp>
-        <p:nvSpPr>
-          <p:cNvPr id="10" name="TextBox 9"/>
-          <p:cNvSpPr txBox="1"/>
-          <p:nvPr/>
-        </p:nvSpPr>
-        <p:spPr>
-          <a:xfrm>
-            <a:off x="1236134" y="1339333"/>
-            <a:ext cx="5182829" cy="461665"/>
-          </a:xfrm>
-          <a:prstGeom prst="rect">
-            <a:avLst/>
-          </a:prstGeom>
-          <a:noFill/>
-        </p:spPr>
-        <p:txBody>
-          <a:bodyPr wrap="none" rtlCol="0">
-            <a:spAutoFit/>
+          <p:cNvPr id="5" name="Title 4"/>
+          <p:cNvSpPr>
+            <a:spLocks noGrp="1"/>
+          </p:cNvSpPr>
+          <p:nvPr>
+            <p:ph type="ctrTitle"/>
+          </p:nvPr>
+        </p:nvSpPr>
+        <p:spPr>
+          <a:xfrm>
+            <a:off x="843148" y="1122362"/>
+            <a:ext cx="10699668" cy="1016681"/>
+          </a:xfrm>
+        </p:spPr>
+        <p:txBody>
+          <a:bodyPr>
+            <a:normAutofit/>
           </a:bodyPr>
           <a:lstStyle/>
           <a:p>
-            <a:r>
-              <a:rPr lang="en-US" sz="2400">
-                <a:solidFill>
-                  <a:schemeClr val="bg2"/>
-                </a:solidFill>
-                <a:latin typeface="Helvetica" charset="0"/>
-                <a:ea typeface="Helvetica" charset="0"/>
-                <a:cs typeface="Helvetica" charset="0"/>
-              </a:rPr>
-              <a:t>Introductory/Core Lectures and Labs</a:t>
-            </a:r>
-          </a:p>
-        </p:txBody>
-      </p:sp>
-      <p:sp>
-        <p:nvSpPr>
-          <p:cNvPr id="11" name="TextBox 10"/>
-          <p:cNvSpPr txBox="1"/>
-          <p:nvPr/>
-        </p:nvSpPr>
-        <p:spPr>
-          <a:xfrm>
-            <a:off x="3287269" y="2949803"/>
-            <a:ext cx="2990272" cy="461665"/>
-          </a:xfrm>
-          <a:prstGeom prst="rect">
-            <a:avLst/>
-          </a:prstGeom>
-          <a:noFill/>
-        </p:spPr>
-        <p:txBody>
-          <a:bodyPr wrap="none" rtlCol="0">
-            <a:spAutoFit/>
+            <a:pPr algn="l"/>
+            <a:r>
+              <a:rPr lang="en-US" dirty="0"/>
+              <a:t>Data visualization</a:t>
+            </a:r>
+          </a:p>
+        </p:txBody>
+      </p:sp>
+      <p:sp>
+        <p:nvSpPr>
+          <p:cNvPr id="9" name="Subtitle 1">
+            <a:extLst>
+              <a:ext uri="{FF2B5EF4-FFF2-40B4-BE49-F238E27FC236}">
+                <a16:creationId xmlns:a16="http://schemas.microsoft.com/office/drawing/2014/main" id="{A5712B37-B69B-A94E-BF1F-CFA7945F15B5}"/>
+              </a:ext>
+            </a:extLst>
+          </p:cNvPr>
+          <p:cNvSpPr>
+            <a:spLocks noGrp="1"/>
+          </p:cNvSpPr>
+          <p:nvPr>
+            <p:ph type="subTitle" idx="1"/>
+          </p:nvPr>
+        </p:nvSpPr>
+        <p:spPr>
+          <a:xfrm>
+            <a:off x="1409700" y="2418257"/>
+            <a:ext cx="9144000" cy="3331711"/>
+          </a:xfrm>
+        </p:spPr>
+        <p:txBody>
+          <a:bodyPr>
+            <a:noAutofit/>
           </a:bodyPr>
           <a:lstStyle/>
           <a:p>
-            <a:r>
-              <a:rPr lang="en-US" sz="2400" dirty="0">
-                <a:solidFill>
-                  <a:schemeClr val="bg2"/>
-                </a:solidFill>
-                <a:latin typeface="Helvetica" charset="0"/>
-                <a:ea typeface="Helvetica" charset="0"/>
-                <a:cs typeface="Helvetica" charset="0"/>
-              </a:rPr>
-              <a:t>Specialized Courses</a:t>
-            </a:r>
-          </a:p>
-        </p:txBody>
-      </p:sp>
-      <p:sp>
-        <p:nvSpPr>
-          <p:cNvPr id="12" name="TextBox 11"/>
-          <p:cNvSpPr txBox="1"/>
-          <p:nvPr/>
-        </p:nvSpPr>
-        <p:spPr>
-          <a:xfrm>
-            <a:off x="6164659" y="5601431"/>
-            <a:ext cx="1503938" cy="461665"/>
-          </a:xfrm>
-          <a:prstGeom prst="rect">
-            <a:avLst/>
-          </a:prstGeom>
-          <a:noFill/>
-        </p:spPr>
-        <p:txBody>
-          <a:bodyPr wrap="none" rtlCol="0">
-            <a:spAutoFit/>
-          </a:bodyPr>
-          <a:lstStyle/>
-          <a:p>
-            <a:r>
-              <a:rPr lang="en-US" sz="2400">
-                <a:solidFill>
-                  <a:schemeClr val="bg2"/>
-                </a:solidFill>
-                <a:latin typeface="Helvetica" charset="0"/>
-                <a:ea typeface="Helvetica" charset="0"/>
-                <a:cs typeface="Helvetica" charset="0"/>
-              </a:rPr>
-              <a:t>Research</a:t>
-            </a:r>
-            <a:endParaRPr lang="en-US" sz="2400" dirty="0">
-              <a:solidFill>
-                <a:schemeClr val="bg2"/>
-              </a:solidFill>
-              <a:latin typeface="Helvetica" charset="0"/>
-              <a:ea typeface="Helvetica" charset="0"/>
-              <a:cs typeface="Helvetica" charset="0"/>
-            </a:endParaRPr>
-          </a:p>
-        </p:txBody>
-      </p:sp>
-      <p:sp>
-        <p:nvSpPr>
-          <p:cNvPr id="13" name="Bent Arrow 12"/>
-          <p:cNvSpPr/>
-          <p:nvPr/>
-        </p:nvSpPr>
-        <p:spPr>
-          <a:xfrm>
-            <a:off x="2455333" y="3918735"/>
-            <a:ext cx="6045200" cy="1937659"/>
-          </a:xfrm>
-          <a:prstGeom prst="bentArrow">
-            <a:avLst>
-              <a:gd name="adj1" fmla="val 30217"/>
-              <a:gd name="adj2" fmla="val 32826"/>
-              <a:gd name="adj3" fmla="val 31087"/>
-              <a:gd name="adj4" fmla="val 43750"/>
-            </a:avLst>
-          </a:prstGeom>
-          <a:noFill/>
-          <a:ln>
-            <a:solidFill>
-              <a:schemeClr val="tx1"/>
-            </a:solidFill>
-            <a:prstDash val="sysDash"/>
-          </a:ln>
-        </p:spPr>
-        <p:style>
-          <a:lnRef idx="2">
-            <a:schemeClr val="accent1">
-              <a:shade val="50000"/>
-            </a:schemeClr>
-          </a:lnRef>
-          <a:fillRef idx="1">
-            <a:schemeClr val="accent1"/>
-          </a:fillRef>
-          <a:effectRef idx="0">
-            <a:schemeClr val="accent1"/>
-          </a:effectRef>
-          <a:fontRef idx="minor">
-            <a:schemeClr val="lt1"/>
-          </a:fontRef>
-        </p:style>
-        <p:txBody>
-          <a:bodyPr rtlCol="0" anchor="ctr"/>
-          <a:lstStyle/>
-          <a:p>
-            <a:pPr algn="ctr"/>
-            <a:endParaRPr lang="en-US">
-              <a:solidFill>
-                <a:schemeClr val="tx1"/>
-              </a:solidFill>
-            </a:endParaRPr>
-          </a:p>
-        </p:txBody>
-      </p:sp>
-      <p:sp>
-        <p:nvSpPr>
-          <p:cNvPr id="15" name="TextBox 14"/>
-          <p:cNvSpPr txBox="1"/>
-          <p:nvPr/>
-        </p:nvSpPr>
-        <p:spPr>
-          <a:xfrm>
-            <a:off x="3084068" y="4318638"/>
-            <a:ext cx="5044971" cy="461665"/>
-          </a:xfrm>
-          <a:prstGeom prst="rect">
-            <a:avLst/>
-          </a:prstGeom>
-          <a:noFill/>
-        </p:spPr>
-        <p:txBody>
-          <a:bodyPr wrap="none" rtlCol="0">
-            <a:spAutoFit/>
-          </a:bodyPr>
-          <a:lstStyle/>
-          <a:p>
-            <a:r>
-              <a:rPr lang="en-US" sz="2400">
-                <a:latin typeface="Helvetica" charset="0"/>
-                <a:ea typeface="Helvetica" charset="0"/>
-                <a:cs typeface="Helvetica" charset="0"/>
-              </a:rPr>
-              <a:t>Additional Math/Stat </a:t>
-            </a:r>
-            <a:r>
-              <a:rPr lang="en-US" sz="2400" dirty="0">
-                <a:latin typeface="Helvetica" charset="0"/>
-                <a:ea typeface="Helvetica" charset="0"/>
-                <a:cs typeface="Helvetica" charset="0"/>
-              </a:rPr>
-              <a:t>or CS Courses</a:t>
-            </a:r>
-          </a:p>
-        </p:txBody>
-      </p:sp>
-      <p:sp>
-        <p:nvSpPr>
-          <p:cNvPr id="16" name="Triangle 15"/>
-          <p:cNvSpPr/>
-          <p:nvPr/>
-        </p:nvSpPr>
-        <p:spPr>
-          <a:xfrm>
-            <a:off x="8669869" y="1017600"/>
-            <a:ext cx="1490133" cy="5163065"/>
-          </a:xfrm>
-          <a:prstGeom prst="triangle">
-            <a:avLst/>
-          </a:prstGeom>
-          <a:noFill/>
-          <a:ln>
-            <a:solidFill>
-              <a:schemeClr val="bg2"/>
-            </a:solidFill>
-          </a:ln>
-        </p:spPr>
-        <p:style>
-          <a:lnRef idx="2">
-            <a:schemeClr val="accent1">
-              <a:shade val="50000"/>
-            </a:schemeClr>
-          </a:lnRef>
-          <a:fillRef idx="1">
-            <a:schemeClr val="accent1"/>
-          </a:fillRef>
-          <a:effectRef idx="0">
-            <a:schemeClr val="accent1"/>
-          </a:effectRef>
-          <a:fontRef idx="minor">
-            <a:schemeClr val="lt1"/>
-          </a:fontRef>
-        </p:style>
-        <p:txBody>
-          <a:bodyPr rtlCol="0" anchor="ctr"/>
-          <a:lstStyle/>
-          <a:p>
-            <a:pPr algn="ctr"/>
-            <a:endParaRPr lang="en-US"/>
-          </a:p>
-        </p:txBody>
-      </p:sp>
-      <p:sp>
-        <p:nvSpPr>
-          <p:cNvPr id="17" name="Triangle 16"/>
-          <p:cNvSpPr/>
-          <p:nvPr/>
-        </p:nvSpPr>
-        <p:spPr>
-          <a:xfrm rot="10800000">
-            <a:off x="10039263" y="1339333"/>
-            <a:ext cx="1490133" cy="5163065"/>
-          </a:xfrm>
-          <a:prstGeom prst="triangle">
-            <a:avLst/>
-          </a:prstGeom>
-          <a:noFill/>
-          <a:ln>
-            <a:solidFill>
-              <a:schemeClr val="bg2"/>
-            </a:solidFill>
-          </a:ln>
-        </p:spPr>
-        <p:style>
-          <a:lnRef idx="2">
-            <a:schemeClr val="accent1">
-              <a:shade val="50000"/>
-            </a:schemeClr>
-          </a:lnRef>
-          <a:fillRef idx="1">
-            <a:schemeClr val="accent1"/>
-          </a:fillRef>
-          <a:effectRef idx="0">
-            <a:schemeClr val="accent1"/>
-          </a:effectRef>
-          <a:fontRef idx="minor">
-            <a:schemeClr val="lt1"/>
-          </a:fontRef>
-        </p:style>
-        <p:txBody>
-          <a:bodyPr rtlCol="0" anchor="ctr"/>
-          <a:lstStyle/>
-          <a:p>
-            <a:pPr algn="ctr"/>
-            <a:endParaRPr lang="en-US"/>
-          </a:p>
-        </p:txBody>
-      </p:sp>
-      <p:sp>
-        <p:nvSpPr>
-          <p:cNvPr id="18" name="TextBox 17"/>
-          <p:cNvSpPr txBox="1"/>
-          <p:nvPr/>
-        </p:nvSpPr>
-        <p:spPr>
-          <a:xfrm>
-            <a:off x="8286773" y="6235477"/>
-            <a:ext cx="2256323" cy="369332"/>
-          </a:xfrm>
-          <a:prstGeom prst="rect">
-            <a:avLst/>
-          </a:prstGeom>
-          <a:noFill/>
-        </p:spPr>
-        <p:txBody>
-          <a:bodyPr wrap="none" rtlCol="0">
-            <a:spAutoFit/>
-          </a:bodyPr>
-          <a:lstStyle/>
-          <a:p>
-            <a:r>
-              <a:rPr lang="en-US" dirty="0">
-                <a:solidFill>
-                  <a:srgbClr val="5B9BD5"/>
-                </a:solidFill>
-              </a:rPr>
-              <a:t>Power of Competency</a:t>
-            </a:r>
-          </a:p>
-        </p:txBody>
-      </p:sp>
-      <p:sp>
-        <p:nvSpPr>
-          <p:cNvPr id="19" name="TextBox 18"/>
-          <p:cNvSpPr txBox="1"/>
-          <p:nvPr/>
-        </p:nvSpPr>
-        <p:spPr>
-          <a:xfrm>
-            <a:off x="9860261" y="942594"/>
-            <a:ext cx="1848135" cy="369332"/>
-          </a:xfrm>
-          <a:prstGeom prst="rect">
-            <a:avLst/>
-          </a:prstGeom>
-          <a:noFill/>
-        </p:spPr>
-        <p:txBody>
-          <a:bodyPr wrap="none" rtlCol="0">
-            <a:spAutoFit/>
-          </a:bodyPr>
-          <a:lstStyle/>
-          <a:p>
-            <a:r>
-              <a:rPr lang="en-US" dirty="0">
-                <a:solidFill>
-                  <a:schemeClr val="accent1"/>
-                </a:solidFill>
-              </a:rPr>
-              <a:t>Students Exposed</a:t>
-            </a:r>
-          </a:p>
-        </p:txBody>
-      </p:sp>
-      <p:sp>
-        <p:nvSpPr>
-          <p:cNvPr id="20" name="Triangle 19"/>
-          <p:cNvSpPr/>
-          <p:nvPr/>
-        </p:nvSpPr>
-        <p:spPr>
-          <a:xfrm>
-            <a:off x="8924904" y="3631487"/>
-            <a:ext cx="995822" cy="2566114"/>
-          </a:xfrm>
-          <a:prstGeom prst="triangle">
-            <a:avLst/>
-          </a:prstGeom>
-          <a:solidFill>
-            <a:schemeClr val="accent1"/>
-          </a:solidFill>
-          <a:ln>
-            <a:solidFill>
-              <a:schemeClr val="accent1"/>
-            </a:solidFill>
-          </a:ln>
-        </p:spPr>
-        <p:style>
-          <a:lnRef idx="2">
-            <a:schemeClr val="accent1">
-              <a:shade val="50000"/>
-            </a:schemeClr>
-          </a:lnRef>
-          <a:fillRef idx="1">
-            <a:schemeClr val="accent1"/>
-          </a:fillRef>
-          <a:effectRef idx="0">
-            <a:schemeClr val="accent1"/>
-          </a:effectRef>
-          <a:fontRef idx="minor">
-            <a:schemeClr val="lt1"/>
-          </a:fontRef>
-        </p:style>
-        <p:txBody>
-          <a:bodyPr rtlCol="0" anchor="ctr"/>
-          <a:lstStyle/>
-          <a:p>
-            <a:pPr algn="ctr"/>
-            <a:endParaRPr lang="en-US"/>
-          </a:p>
-        </p:txBody>
-      </p:sp>
-      <p:cxnSp>
-        <p:nvCxnSpPr>
-          <p:cNvPr id="22" name="Straight Connector 21"/>
-          <p:cNvCxnSpPr>
-            <a:stCxn id="20" idx="0"/>
-            <a:endCxn id="16" idx="0"/>
-          </p:cNvCxnSpPr>
-          <p:nvPr/>
-        </p:nvCxnSpPr>
-        <p:spPr>
-          <a:xfrm flipH="1" flipV="1">
-            <a:off x="9414936" y="1017600"/>
-            <a:ext cx="7879" cy="2613887"/>
-          </a:xfrm>
-          <a:prstGeom prst="line">
-            <a:avLst/>
-          </a:prstGeom>
-          <a:ln w="12700">
-            <a:solidFill>
-              <a:schemeClr val="accent1"/>
-            </a:solidFill>
-          </a:ln>
-        </p:spPr>
-        <p:style>
-          <a:lnRef idx="1">
-            <a:schemeClr val="accent1"/>
-          </a:lnRef>
-          <a:fillRef idx="0">
-            <a:schemeClr val="accent1"/>
-          </a:fillRef>
-          <a:effectRef idx="0">
-            <a:schemeClr val="accent1"/>
-          </a:effectRef>
-          <a:fontRef idx="minor">
-            <a:schemeClr val="tx1"/>
-          </a:fontRef>
-        </p:style>
-      </p:cxnSp>
-      <p:sp>
-        <p:nvSpPr>
-          <p:cNvPr id="25" name="Triangle 24"/>
-          <p:cNvSpPr/>
-          <p:nvPr/>
-        </p:nvSpPr>
-        <p:spPr>
-          <a:xfrm rot="10800000">
-            <a:off x="10039263" y="1339333"/>
-            <a:ext cx="1490132" cy="2579402"/>
-          </a:xfrm>
-          <a:prstGeom prst="triangle">
-            <a:avLst/>
-          </a:prstGeom>
-          <a:ln>
-            <a:solidFill>
-              <a:schemeClr val="accent1"/>
-            </a:solidFill>
-          </a:ln>
-        </p:spPr>
-        <p:style>
-          <a:lnRef idx="2">
-            <a:schemeClr val="accent1">
-              <a:shade val="50000"/>
-            </a:schemeClr>
-          </a:lnRef>
-          <a:fillRef idx="1">
-            <a:schemeClr val="accent1"/>
-          </a:fillRef>
-          <a:effectRef idx="0">
-            <a:schemeClr val="accent1"/>
-          </a:effectRef>
-          <a:fontRef idx="minor">
-            <a:schemeClr val="lt1"/>
-          </a:fontRef>
-        </p:style>
-        <p:txBody>
-          <a:bodyPr rtlCol="0" anchor="ctr"/>
-          <a:lstStyle/>
-          <a:p>
-            <a:pPr algn="ctr"/>
-            <a:endParaRPr lang="en-US"/>
-          </a:p>
-        </p:txBody>
-      </p:sp>
-      <p:cxnSp>
-        <p:nvCxnSpPr>
-          <p:cNvPr id="26" name="Straight Connector 25"/>
-          <p:cNvCxnSpPr>
-            <a:stCxn id="17" idx="0"/>
-            <a:endCxn id="25" idx="0"/>
-          </p:cNvCxnSpPr>
-          <p:nvPr/>
-        </p:nvCxnSpPr>
-        <p:spPr>
-          <a:xfrm flipV="1">
-            <a:off x="10784329" y="3918735"/>
-            <a:ext cx="0" cy="2583663"/>
-          </a:xfrm>
-          <a:prstGeom prst="line">
-            <a:avLst/>
-          </a:prstGeom>
-          <a:ln w="12700">
-            <a:solidFill>
-              <a:schemeClr val="accent1"/>
-            </a:solidFill>
-          </a:ln>
-        </p:spPr>
-        <p:style>
-          <a:lnRef idx="1">
-            <a:schemeClr val="accent1"/>
-          </a:lnRef>
-          <a:fillRef idx="0">
-            <a:schemeClr val="accent1"/>
-          </a:fillRef>
-          <a:effectRef idx="0">
-            <a:schemeClr val="accent1"/>
-          </a:effectRef>
-          <a:fontRef idx="minor">
-            <a:schemeClr val="tx1"/>
-          </a:fontRef>
-        </p:style>
-      </p:cxnSp>
-      <p:sp>
-        <p:nvSpPr>
-          <p:cNvPr id="21" name="TextBox 20"/>
-          <p:cNvSpPr txBox="1"/>
-          <p:nvPr/>
-        </p:nvSpPr>
-        <p:spPr>
-          <a:xfrm>
-            <a:off x="8669869" y="1362652"/>
-            <a:ext cx="3057055" cy="4801314"/>
-          </a:xfrm>
-          <a:prstGeom prst="rect">
-            <a:avLst/>
-          </a:prstGeom>
-          <a:noFill/>
-        </p:spPr>
-        <p:txBody>
-          <a:bodyPr wrap="none" rtlCol="0">
-            <a:spAutoFit/>
-          </a:bodyPr>
-          <a:lstStyle/>
-          <a:p>
-            <a:r>
-              <a:rPr lang="en-US" dirty="0"/>
-              <a:t>Analysis/Visualization?</a:t>
-            </a:r>
-          </a:p>
-          <a:p>
-            <a:endParaRPr lang="en-US" dirty="0"/>
-          </a:p>
-          <a:p>
-            <a:endParaRPr lang="en-US" dirty="0"/>
-          </a:p>
-          <a:p>
-            <a:endParaRPr lang="en-US" dirty="0"/>
-          </a:p>
-          <a:p>
-            <a:endParaRPr lang="en-US" dirty="0"/>
-          </a:p>
-          <a:p>
-            <a:endParaRPr lang="en-US" dirty="0"/>
-          </a:p>
-          <a:p>
-            <a:r>
-              <a:rPr lang="en-US" dirty="0"/>
-              <a:t>Modeling?</a:t>
-            </a:r>
-          </a:p>
-          <a:p>
-            <a:endParaRPr lang="en-US" dirty="0"/>
-          </a:p>
-          <a:p>
-            <a:endParaRPr lang="en-US" dirty="0"/>
-          </a:p>
-          <a:p>
-            <a:endParaRPr lang="en-US" dirty="0"/>
-          </a:p>
-          <a:p>
-            <a:endParaRPr lang="en-US" dirty="0"/>
-          </a:p>
-          <a:p>
-            <a:r>
-              <a:rPr lang="en-US" dirty="0"/>
-              <a:t>Software/Coding?</a:t>
-            </a:r>
-          </a:p>
-          <a:p>
-            <a:endParaRPr lang="en-US" dirty="0"/>
-          </a:p>
-          <a:p>
-            <a:endParaRPr lang="en-US" dirty="0"/>
-          </a:p>
-          <a:p>
-            <a:r>
-              <a:rPr lang="en-US" dirty="0"/>
-              <a:t>Management/Processing?</a:t>
-            </a:r>
-          </a:p>
-          <a:p>
-            <a:endParaRPr lang="en-US" dirty="0"/>
-          </a:p>
-          <a:p>
-            <a:r>
-              <a:rPr lang="en-US" dirty="0"/>
-              <a:t>Collaboration/Reproducibility?</a:t>
+            <a:pPr marL="342900" indent="-342900" algn="l">
+              <a:buFont typeface="Arial"/>
+              <a:buChar char="•"/>
+            </a:pPr>
+            <a:r>
+              <a:rPr lang="en-US" sz="4000" i="1" dirty="0"/>
+              <a:t>Introductory:</a:t>
+            </a:r>
+            <a:r>
+              <a:rPr lang="en-US" sz="4000" dirty="0"/>
+              <a:t> Scatterplots, boxplots, </a:t>
+            </a:r>
+            <a:r>
+              <a:rPr lang="en-US" sz="4000" dirty="0" err="1"/>
+              <a:t>barcharts</a:t>
+            </a:r>
+            <a:endParaRPr lang="en-US" sz="4000" dirty="0"/>
+          </a:p>
+          <a:p>
+            <a:pPr marL="342900" indent="-342900" algn="l">
+              <a:buFont typeface="Arial"/>
+              <a:buChar char="•"/>
+            </a:pPr>
+            <a:r>
+              <a:rPr lang="en-US" sz="4000" i="1" dirty="0"/>
+              <a:t>Intermediate:</a:t>
+            </a:r>
+            <a:r>
+              <a:rPr lang="en-US" sz="4000" dirty="0"/>
+              <a:t> Faceting, layering, mapping geographic data</a:t>
+            </a:r>
+          </a:p>
+          <a:p>
+            <a:pPr marL="342900" indent="-342900" algn="l">
+              <a:buFont typeface="Arial"/>
+              <a:buChar char="•"/>
+            </a:pPr>
+            <a:r>
+              <a:rPr lang="en-US" sz="4000" i="1" dirty="0"/>
+              <a:t>Advanced:</a:t>
+            </a:r>
+            <a:r>
+              <a:rPr lang="en-US" sz="4000" dirty="0"/>
+              <a:t> Animation, interactive visualization</a:t>
             </a:r>
           </a:p>
         </p:txBody>
@@ -8170,7 +9744,7 @@
     </p:spTree>
     <p:extLst>
       <p:ext uri="{BB962C8B-B14F-4D97-AF65-F5344CB8AC3E}">
-        <p14:creationId xmlns:p14="http://schemas.microsoft.com/office/powerpoint/2010/main" val="2191406347"/>
+        <p14:creationId xmlns:p14="http://schemas.microsoft.com/office/powerpoint/2010/main" val="1110746754"/>
       </p:ext>
     </p:extLst>
   </p:cSld>
@@ -8251,752 +9825,112 @@
       </p:sp>
       <p:sp>
         <p:nvSpPr>
-          <p:cNvPr id="7" name="Right Arrow 6"/>
-          <p:cNvSpPr/>
-          <p:nvPr/>
-        </p:nvSpPr>
-        <p:spPr>
-          <a:xfrm>
-            <a:off x="843148" y="965199"/>
-            <a:ext cx="7657385" cy="1185333"/>
-          </a:xfrm>
-          <a:prstGeom prst="rightArrow">
-            <a:avLst/>
-          </a:prstGeom>
-          <a:solidFill>
-            <a:schemeClr val="bg2">
-              <a:lumMod val="50000"/>
-            </a:schemeClr>
-          </a:solidFill>
-          <a:ln>
-            <a:solidFill>
-              <a:schemeClr val="bg2">
-                <a:lumMod val="50000"/>
-              </a:schemeClr>
-            </a:solidFill>
-          </a:ln>
-        </p:spPr>
-        <p:style>
-          <a:lnRef idx="2">
-            <a:schemeClr val="accent1">
-              <a:shade val="50000"/>
-            </a:schemeClr>
-          </a:lnRef>
-          <a:fillRef idx="1">
-            <a:schemeClr val="accent1"/>
-          </a:fillRef>
-          <a:effectRef idx="0">
-            <a:schemeClr val="accent1"/>
-          </a:effectRef>
-          <a:fontRef idx="minor">
-            <a:schemeClr val="lt1"/>
-          </a:fontRef>
-        </p:style>
-        <p:txBody>
-          <a:bodyPr rtlCol="0" anchor="ctr"/>
-          <a:lstStyle/>
-          <a:p>
-            <a:pPr algn="ctr"/>
-            <a:endParaRPr lang="en-US"/>
-          </a:p>
-        </p:txBody>
-      </p:sp>
-      <p:sp>
-        <p:nvSpPr>
-          <p:cNvPr id="8" name="Bent Arrow 7"/>
-          <p:cNvSpPr/>
-          <p:nvPr/>
-        </p:nvSpPr>
-        <p:spPr>
-          <a:xfrm flipV="1">
-            <a:off x="2455333" y="1855407"/>
-            <a:ext cx="6045200" cy="1947333"/>
-          </a:xfrm>
-          <a:prstGeom prst="bentArrow">
-            <a:avLst>
-              <a:gd name="adj1" fmla="val 30217"/>
-              <a:gd name="adj2" fmla="val 32826"/>
-              <a:gd name="adj3" fmla="val 31087"/>
-              <a:gd name="adj4" fmla="val 43750"/>
-            </a:avLst>
-          </a:prstGeom>
-          <a:solidFill>
-            <a:schemeClr val="bg2">
-              <a:lumMod val="50000"/>
-            </a:schemeClr>
-          </a:solidFill>
-          <a:ln>
-            <a:solidFill>
-              <a:schemeClr val="bg2">
-                <a:lumMod val="50000"/>
-              </a:schemeClr>
-            </a:solidFill>
-          </a:ln>
-        </p:spPr>
-        <p:style>
-          <a:lnRef idx="2">
-            <a:schemeClr val="accent1">
-              <a:shade val="50000"/>
-            </a:schemeClr>
-          </a:lnRef>
-          <a:fillRef idx="1">
-            <a:schemeClr val="accent1"/>
-          </a:fillRef>
-          <a:effectRef idx="0">
-            <a:schemeClr val="accent1"/>
-          </a:effectRef>
-          <a:fontRef idx="minor">
-            <a:schemeClr val="lt1"/>
-          </a:fontRef>
-        </p:style>
-        <p:txBody>
-          <a:bodyPr rtlCol="0" anchor="ctr"/>
-          <a:lstStyle/>
-          <a:p>
-            <a:pPr algn="ctr"/>
-            <a:endParaRPr lang="en-US">
-              <a:solidFill>
-                <a:schemeClr val="tx1"/>
-              </a:solidFill>
-            </a:endParaRPr>
-          </a:p>
-        </p:txBody>
-      </p:sp>
-      <p:sp>
-        <p:nvSpPr>
-          <p:cNvPr id="9" name="Bent Arrow 8"/>
-          <p:cNvSpPr/>
-          <p:nvPr/>
-        </p:nvSpPr>
-        <p:spPr>
-          <a:xfrm flipV="1">
-            <a:off x="4792133" y="3430205"/>
-            <a:ext cx="3708400" cy="3072193"/>
-          </a:xfrm>
-          <a:prstGeom prst="bentArrow">
-            <a:avLst>
-              <a:gd name="adj1" fmla="val 19745"/>
-              <a:gd name="adj2" fmla="val 20425"/>
-              <a:gd name="adj3" fmla="val 20063"/>
-              <a:gd name="adj4" fmla="val 43750"/>
-            </a:avLst>
-          </a:prstGeom>
-          <a:solidFill>
-            <a:schemeClr val="bg2">
-              <a:lumMod val="50000"/>
-            </a:schemeClr>
-          </a:solidFill>
-          <a:ln>
-            <a:solidFill>
-              <a:schemeClr val="bg2">
-                <a:lumMod val="50000"/>
-              </a:schemeClr>
-            </a:solidFill>
-          </a:ln>
-        </p:spPr>
-        <p:style>
-          <a:lnRef idx="2">
-            <a:schemeClr val="accent1">
-              <a:shade val="50000"/>
-            </a:schemeClr>
-          </a:lnRef>
-          <a:fillRef idx="1">
-            <a:schemeClr val="accent1"/>
-          </a:fillRef>
-          <a:effectRef idx="0">
-            <a:schemeClr val="accent1"/>
-          </a:effectRef>
-          <a:fontRef idx="minor">
-            <a:schemeClr val="lt1"/>
-          </a:fontRef>
-        </p:style>
-        <p:txBody>
-          <a:bodyPr rtlCol="0" anchor="ctr"/>
-          <a:lstStyle/>
-          <a:p>
-            <a:pPr algn="ctr"/>
-            <a:endParaRPr lang="en-US">
-              <a:solidFill>
-                <a:schemeClr val="tx1"/>
-              </a:solidFill>
-            </a:endParaRPr>
-          </a:p>
-        </p:txBody>
-      </p:sp>
-      <p:sp>
-        <p:nvSpPr>
-          <p:cNvPr id="10" name="TextBox 9"/>
-          <p:cNvSpPr txBox="1"/>
-          <p:nvPr/>
-        </p:nvSpPr>
-        <p:spPr>
-          <a:xfrm>
-            <a:off x="1236134" y="1339333"/>
-            <a:ext cx="5182829" cy="461665"/>
-          </a:xfrm>
-          <a:prstGeom prst="rect">
-            <a:avLst/>
-          </a:prstGeom>
-          <a:noFill/>
-        </p:spPr>
-        <p:txBody>
-          <a:bodyPr wrap="none" rtlCol="0">
-            <a:spAutoFit/>
+          <p:cNvPr id="5" name="Title 4"/>
+          <p:cNvSpPr>
+            <a:spLocks noGrp="1"/>
+          </p:cNvSpPr>
+          <p:nvPr>
+            <p:ph type="ctrTitle"/>
+          </p:nvPr>
+        </p:nvSpPr>
+        <p:spPr>
+          <a:xfrm>
+            <a:off x="843148" y="1122362"/>
+            <a:ext cx="10699668" cy="1588181"/>
+          </a:xfrm>
+        </p:spPr>
+        <p:txBody>
+          <a:bodyPr>
+            <a:normAutofit fontScale="90000"/>
           </a:bodyPr>
           <a:lstStyle/>
           <a:p>
-            <a:r>
-              <a:rPr lang="en-US" sz="2400">
-                <a:solidFill>
-                  <a:schemeClr val="bg2"/>
-                </a:solidFill>
-                <a:latin typeface="Helvetica" charset="0"/>
-                <a:ea typeface="Helvetica" charset="0"/>
-                <a:cs typeface="Helvetica" charset="0"/>
-              </a:rPr>
-              <a:t>Introductory/Core Lectures and Labs</a:t>
-            </a:r>
-          </a:p>
-        </p:txBody>
-      </p:sp>
-      <p:sp>
-        <p:nvSpPr>
-          <p:cNvPr id="11" name="TextBox 10"/>
-          <p:cNvSpPr txBox="1"/>
-          <p:nvPr/>
-        </p:nvSpPr>
-        <p:spPr>
-          <a:xfrm>
-            <a:off x="3287269" y="2949803"/>
-            <a:ext cx="2990272" cy="461665"/>
-          </a:xfrm>
-          <a:prstGeom prst="rect">
-            <a:avLst/>
-          </a:prstGeom>
-          <a:noFill/>
-        </p:spPr>
-        <p:txBody>
-          <a:bodyPr wrap="none" rtlCol="0">
-            <a:spAutoFit/>
-          </a:bodyPr>
-          <a:lstStyle/>
-          <a:p>
-            <a:r>
-              <a:rPr lang="en-US" sz="2400" dirty="0">
-                <a:solidFill>
-                  <a:schemeClr val="bg2"/>
-                </a:solidFill>
-                <a:latin typeface="Helvetica" charset="0"/>
-                <a:ea typeface="Helvetica" charset="0"/>
-                <a:cs typeface="Helvetica" charset="0"/>
-              </a:rPr>
-              <a:t>Specialized Courses</a:t>
-            </a:r>
-          </a:p>
-        </p:txBody>
-      </p:sp>
-      <p:sp>
-        <p:nvSpPr>
-          <p:cNvPr id="12" name="TextBox 11"/>
-          <p:cNvSpPr txBox="1"/>
-          <p:nvPr/>
-        </p:nvSpPr>
-        <p:spPr>
-          <a:xfrm>
-            <a:off x="6164659" y="5601431"/>
-            <a:ext cx="1503938" cy="461665"/>
-          </a:xfrm>
-          <a:prstGeom prst="rect">
-            <a:avLst/>
-          </a:prstGeom>
-          <a:noFill/>
-        </p:spPr>
-        <p:txBody>
-          <a:bodyPr wrap="none" rtlCol="0">
-            <a:spAutoFit/>
-          </a:bodyPr>
-          <a:lstStyle/>
-          <a:p>
-            <a:r>
-              <a:rPr lang="en-US" sz="2400">
-                <a:solidFill>
-                  <a:schemeClr val="bg2"/>
-                </a:solidFill>
-                <a:latin typeface="Helvetica" charset="0"/>
-                <a:ea typeface="Helvetica" charset="0"/>
-                <a:cs typeface="Helvetica" charset="0"/>
-              </a:rPr>
-              <a:t>Research</a:t>
-            </a:r>
-            <a:endParaRPr lang="en-US" sz="2400" dirty="0">
-              <a:solidFill>
-                <a:schemeClr val="bg2"/>
-              </a:solidFill>
-              <a:latin typeface="Helvetica" charset="0"/>
-              <a:ea typeface="Helvetica" charset="0"/>
-              <a:cs typeface="Helvetica" charset="0"/>
-            </a:endParaRPr>
-          </a:p>
-        </p:txBody>
-      </p:sp>
-      <p:sp>
-        <p:nvSpPr>
-          <p:cNvPr id="13" name="Bent Arrow 12"/>
-          <p:cNvSpPr/>
-          <p:nvPr/>
-        </p:nvSpPr>
-        <p:spPr>
-          <a:xfrm>
-            <a:off x="2455333" y="3918735"/>
-            <a:ext cx="6045200" cy="1937659"/>
-          </a:xfrm>
-          <a:prstGeom prst="bentArrow">
-            <a:avLst>
-              <a:gd name="adj1" fmla="val 30217"/>
-              <a:gd name="adj2" fmla="val 32826"/>
-              <a:gd name="adj3" fmla="val 31087"/>
-              <a:gd name="adj4" fmla="val 43750"/>
-            </a:avLst>
-          </a:prstGeom>
-          <a:noFill/>
-          <a:ln>
-            <a:solidFill>
-              <a:schemeClr val="tx1"/>
-            </a:solidFill>
-            <a:prstDash val="sysDash"/>
-          </a:ln>
-        </p:spPr>
-        <p:style>
-          <a:lnRef idx="2">
-            <a:schemeClr val="accent1">
-              <a:shade val="50000"/>
-            </a:schemeClr>
-          </a:lnRef>
-          <a:fillRef idx="1">
-            <a:schemeClr val="accent1"/>
-          </a:fillRef>
-          <a:effectRef idx="0">
-            <a:schemeClr val="accent1"/>
-          </a:effectRef>
-          <a:fontRef idx="minor">
-            <a:schemeClr val="lt1"/>
-          </a:fontRef>
-        </p:style>
-        <p:txBody>
-          <a:bodyPr rtlCol="0" anchor="ctr"/>
-          <a:lstStyle/>
-          <a:p>
-            <a:pPr algn="ctr"/>
-            <a:endParaRPr lang="en-US">
-              <a:solidFill>
-                <a:schemeClr val="tx1"/>
-              </a:solidFill>
-            </a:endParaRPr>
-          </a:p>
-        </p:txBody>
-      </p:sp>
-      <p:sp>
-        <p:nvSpPr>
-          <p:cNvPr id="15" name="TextBox 14"/>
-          <p:cNvSpPr txBox="1"/>
-          <p:nvPr/>
-        </p:nvSpPr>
-        <p:spPr>
-          <a:xfrm>
-            <a:off x="3084068" y="4318638"/>
-            <a:ext cx="5044971" cy="461665"/>
-          </a:xfrm>
-          <a:prstGeom prst="rect">
-            <a:avLst/>
-          </a:prstGeom>
-          <a:noFill/>
-        </p:spPr>
-        <p:txBody>
-          <a:bodyPr wrap="none" rtlCol="0">
-            <a:spAutoFit/>
-          </a:bodyPr>
-          <a:lstStyle/>
-          <a:p>
-            <a:r>
-              <a:rPr lang="en-US" sz="2400">
-                <a:latin typeface="Helvetica" charset="0"/>
-                <a:ea typeface="Helvetica" charset="0"/>
-                <a:cs typeface="Helvetica" charset="0"/>
-              </a:rPr>
-              <a:t>Additional Math/Stat </a:t>
-            </a:r>
-            <a:r>
-              <a:rPr lang="en-US" sz="2400" dirty="0">
-                <a:latin typeface="Helvetica" charset="0"/>
-                <a:ea typeface="Helvetica" charset="0"/>
-                <a:cs typeface="Helvetica" charset="0"/>
-              </a:rPr>
-              <a:t>or CS Courses</a:t>
-            </a:r>
-          </a:p>
-        </p:txBody>
-      </p:sp>
-      <p:sp>
-        <p:nvSpPr>
-          <p:cNvPr id="16" name="Triangle 15"/>
-          <p:cNvSpPr/>
-          <p:nvPr/>
-        </p:nvSpPr>
-        <p:spPr>
-          <a:xfrm>
-            <a:off x="8669869" y="1017600"/>
-            <a:ext cx="1490133" cy="5163065"/>
-          </a:xfrm>
-          <a:prstGeom prst="triangle">
-            <a:avLst/>
-          </a:prstGeom>
-          <a:noFill/>
-          <a:ln>
-            <a:solidFill>
-              <a:schemeClr val="bg2"/>
-            </a:solidFill>
-          </a:ln>
-        </p:spPr>
-        <p:style>
-          <a:lnRef idx="2">
-            <a:schemeClr val="accent1">
-              <a:shade val="50000"/>
-            </a:schemeClr>
-          </a:lnRef>
-          <a:fillRef idx="1">
-            <a:schemeClr val="accent1"/>
-          </a:fillRef>
-          <a:effectRef idx="0">
-            <a:schemeClr val="accent1"/>
-          </a:effectRef>
-          <a:fontRef idx="minor">
-            <a:schemeClr val="lt1"/>
-          </a:fontRef>
-        </p:style>
-        <p:txBody>
-          <a:bodyPr rtlCol="0" anchor="ctr"/>
-          <a:lstStyle/>
-          <a:p>
-            <a:pPr algn="ctr"/>
-            <a:endParaRPr lang="en-US"/>
-          </a:p>
-        </p:txBody>
-      </p:sp>
-      <p:sp>
-        <p:nvSpPr>
-          <p:cNvPr id="17" name="Triangle 16"/>
-          <p:cNvSpPr/>
-          <p:nvPr/>
-        </p:nvSpPr>
-        <p:spPr>
-          <a:xfrm rot="10800000">
-            <a:off x="10039263" y="1339333"/>
-            <a:ext cx="1490133" cy="5163065"/>
-          </a:xfrm>
-          <a:prstGeom prst="triangle">
-            <a:avLst/>
-          </a:prstGeom>
-          <a:noFill/>
-          <a:ln>
-            <a:solidFill>
-              <a:schemeClr val="bg2"/>
-            </a:solidFill>
-          </a:ln>
-        </p:spPr>
-        <p:style>
-          <a:lnRef idx="2">
-            <a:schemeClr val="accent1">
-              <a:shade val="50000"/>
-            </a:schemeClr>
-          </a:lnRef>
-          <a:fillRef idx="1">
-            <a:schemeClr val="accent1"/>
-          </a:fillRef>
-          <a:effectRef idx="0">
-            <a:schemeClr val="accent1"/>
-          </a:effectRef>
-          <a:fontRef idx="minor">
-            <a:schemeClr val="lt1"/>
-          </a:fontRef>
-        </p:style>
-        <p:txBody>
-          <a:bodyPr rtlCol="0" anchor="ctr"/>
-          <a:lstStyle/>
-          <a:p>
-            <a:pPr algn="ctr"/>
-            <a:endParaRPr lang="en-US"/>
-          </a:p>
-        </p:txBody>
-      </p:sp>
-      <p:sp>
-        <p:nvSpPr>
-          <p:cNvPr id="18" name="TextBox 17"/>
-          <p:cNvSpPr txBox="1"/>
-          <p:nvPr/>
-        </p:nvSpPr>
-        <p:spPr>
-          <a:xfrm>
-            <a:off x="8286773" y="6235477"/>
-            <a:ext cx="2256323" cy="369332"/>
-          </a:xfrm>
-          <a:prstGeom prst="rect">
-            <a:avLst/>
-          </a:prstGeom>
-          <a:noFill/>
-        </p:spPr>
-        <p:txBody>
-          <a:bodyPr wrap="none" rtlCol="0">
-            <a:spAutoFit/>
-          </a:bodyPr>
-          <a:lstStyle/>
-          <a:p>
-            <a:r>
-              <a:rPr lang="en-US" dirty="0">
-                <a:solidFill>
-                  <a:srgbClr val="5B9BD5"/>
-                </a:solidFill>
-              </a:rPr>
-              <a:t>Power of Competency</a:t>
-            </a:r>
-          </a:p>
-        </p:txBody>
-      </p:sp>
-      <p:sp>
-        <p:nvSpPr>
-          <p:cNvPr id="19" name="TextBox 18"/>
-          <p:cNvSpPr txBox="1"/>
-          <p:nvPr/>
-        </p:nvSpPr>
-        <p:spPr>
-          <a:xfrm>
-            <a:off x="9860261" y="942594"/>
-            <a:ext cx="1848135" cy="369332"/>
-          </a:xfrm>
-          <a:prstGeom prst="rect">
-            <a:avLst/>
-          </a:prstGeom>
-          <a:noFill/>
-        </p:spPr>
-        <p:txBody>
-          <a:bodyPr wrap="none" rtlCol="0">
-            <a:spAutoFit/>
-          </a:bodyPr>
-          <a:lstStyle/>
-          <a:p>
-            <a:r>
-              <a:rPr lang="en-US" dirty="0">
-                <a:solidFill>
-                  <a:schemeClr val="accent1"/>
-                </a:solidFill>
-              </a:rPr>
-              <a:t>Students Exposed</a:t>
-            </a:r>
-          </a:p>
-        </p:txBody>
-      </p:sp>
-      <p:sp>
-        <p:nvSpPr>
-          <p:cNvPr id="20" name="Triangle 19"/>
-          <p:cNvSpPr/>
-          <p:nvPr/>
-        </p:nvSpPr>
-        <p:spPr>
-          <a:xfrm>
-            <a:off x="8924904" y="3631487"/>
-            <a:ext cx="995822" cy="2566114"/>
-          </a:xfrm>
-          <a:prstGeom prst="triangle">
-            <a:avLst/>
-          </a:prstGeom>
-          <a:solidFill>
-            <a:schemeClr val="accent1"/>
-          </a:solidFill>
-          <a:ln>
-            <a:solidFill>
-              <a:schemeClr val="accent1"/>
-            </a:solidFill>
-          </a:ln>
-        </p:spPr>
-        <p:style>
-          <a:lnRef idx="2">
-            <a:schemeClr val="accent1">
-              <a:shade val="50000"/>
-            </a:schemeClr>
-          </a:lnRef>
-          <a:fillRef idx="1">
-            <a:schemeClr val="accent1"/>
-          </a:fillRef>
-          <a:effectRef idx="0">
-            <a:schemeClr val="accent1"/>
-          </a:effectRef>
-          <a:fontRef idx="minor">
-            <a:schemeClr val="lt1"/>
-          </a:fontRef>
-        </p:style>
-        <p:txBody>
-          <a:bodyPr rtlCol="0" anchor="ctr"/>
-          <a:lstStyle/>
-          <a:p>
-            <a:pPr algn="ctr"/>
-            <a:endParaRPr lang="en-US"/>
-          </a:p>
-        </p:txBody>
-      </p:sp>
-      <p:cxnSp>
-        <p:nvCxnSpPr>
-          <p:cNvPr id="22" name="Straight Connector 21"/>
-          <p:cNvCxnSpPr>
-            <a:stCxn id="20" idx="0"/>
-            <a:endCxn id="16" idx="0"/>
-          </p:cNvCxnSpPr>
-          <p:nvPr/>
-        </p:nvCxnSpPr>
-        <p:spPr>
-          <a:xfrm flipH="1" flipV="1">
-            <a:off x="9414936" y="1017600"/>
-            <a:ext cx="7879" cy="2613887"/>
-          </a:xfrm>
-          <a:prstGeom prst="line">
-            <a:avLst/>
-          </a:prstGeom>
-          <a:ln w="12700">
-            <a:solidFill>
-              <a:schemeClr val="accent1"/>
-            </a:solidFill>
-          </a:ln>
-        </p:spPr>
-        <p:style>
-          <a:lnRef idx="1">
-            <a:schemeClr val="accent1"/>
-          </a:lnRef>
-          <a:fillRef idx="0">
-            <a:schemeClr val="accent1"/>
-          </a:fillRef>
-          <a:effectRef idx="0">
-            <a:schemeClr val="accent1"/>
-          </a:effectRef>
-          <a:fontRef idx="minor">
-            <a:schemeClr val="tx1"/>
-          </a:fontRef>
-        </p:style>
-      </p:cxnSp>
-      <p:sp>
-        <p:nvSpPr>
-          <p:cNvPr id="25" name="Triangle 24"/>
-          <p:cNvSpPr/>
-          <p:nvPr/>
-        </p:nvSpPr>
-        <p:spPr>
-          <a:xfrm rot="10800000">
-            <a:off x="10039263" y="1339333"/>
-            <a:ext cx="1490132" cy="2579402"/>
-          </a:xfrm>
-          <a:prstGeom prst="triangle">
-            <a:avLst/>
-          </a:prstGeom>
-          <a:ln>
-            <a:solidFill>
-              <a:schemeClr val="accent1"/>
-            </a:solidFill>
-          </a:ln>
-        </p:spPr>
-        <p:style>
-          <a:lnRef idx="2">
-            <a:schemeClr val="accent1">
-              <a:shade val="50000"/>
-            </a:schemeClr>
-          </a:lnRef>
-          <a:fillRef idx="1">
-            <a:schemeClr val="accent1"/>
-          </a:fillRef>
-          <a:effectRef idx="0">
-            <a:schemeClr val="accent1"/>
-          </a:effectRef>
-          <a:fontRef idx="minor">
-            <a:schemeClr val="lt1"/>
-          </a:fontRef>
-        </p:style>
-        <p:txBody>
-          <a:bodyPr rtlCol="0" anchor="ctr"/>
-          <a:lstStyle/>
-          <a:p>
-            <a:pPr algn="ctr"/>
-            <a:endParaRPr lang="en-US"/>
-          </a:p>
-        </p:txBody>
-      </p:sp>
-      <p:cxnSp>
-        <p:nvCxnSpPr>
-          <p:cNvPr id="26" name="Straight Connector 25"/>
-          <p:cNvCxnSpPr>
-            <a:stCxn id="17" idx="0"/>
-            <a:endCxn id="25" idx="0"/>
-          </p:cNvCxnSpPr>
-          <p:nvPr/>
-        </p:nvCxnSpPr>
-        <p:spPr>
-          <a:xfrm flipV="1">
-            <a:off x="10784329" y="3918735"/>
-            <a:ext cx="0" cy="2583663"/>
-          </a:xfrm>
-          <a:prstGeom prst="line">
-            <a:avLst/>
-          </a:prstGeom>
-          <a:ln w="12700">
-            <a:solidFill>
-              <a:schemeClr val="accent1"/>
-            </a:solidFill>
-          </a:ln>
-        </p:spPr>
-        <p:style>
-          <a:lnRef idx="1">
-            <a:schemeClr val="accent1"/>
-          </a:lnRef>
-          <a:fillRef idx="0">
-            <a:schemeClr val="accent1"/>
-          </a:fillRef>
-          <a:effectRef idx="0">
-            <a:schemeClr val="accent1"/>
-          </a:effectRef>
-          <a:fontRef idx="minor">
-            <a:schemeClr val="tx1"/>
-          </a:fontRef>
-        </p:style>
-      </p:cxnSp>
-      <p:sp>
-        <p:nvSpPr>
-          <p:cNvPr id="28" name="TextBox 27">
+            <a:pPr marL="342900" indent="-342900" algn="l">
+              <a:buFont typeface="Arial"/>
+              <a:buChar char="•"/>
+            </a:pPr>
+            <a:r>
+              <a:rPr lang="en-US" dirty="0"/>
+              <a:t>Digital collaboration, dissemination, and reproducibility</a:t>
+            </a:r>
+          </a:p>
+        </p:txBody>
+      </p:sp>
+      <p:sp>
+        <p:nvSpPr>
+          <p:cNvPr id="7" name="Subtitle 1">
             <a:extLst>
               <a:ext uri="{FF2B5EF4-FFF2-40B4-BE49-F238E27FC236}">
-                <a16:creationId xmlns:a16="http://schemas.microsoft.com/office/drawing/2014/main" id="{FF81EDB3-8B14-164E-9F6E-57C41C85A847}"/>
+                <a16:creationId xmlns:a16="http://schemas.microsoft.com/office/drawing/2014/main" id="{AA8CC785-F9F8-CF4F-BA79-546835532E49}"/>
               </a:ext>
             </a:extLst>
           </p:cNvPr>
-          <p:cNvSpPr txBox="1"/>
-          <p:nvPr/>
-        </p:nvSpPr>
-        <p:spPr>
-          <a:xfrm>
-            <a:off x="409689" y="6035304"/>
-            <a:ext cx="4700726" cy="584776"/>
-          </a:xfrm>
-          <a:prstGeom prst="rect">
-            <a:avLst/>
-          </a:prstGeom>
-          <a:noFill/>
-        </p:spPr>
-        <p:txBody>
-          <a:bodyPr wrap="none" rtlCol="0">
-            <a:spAutoFit/>
+          <p:cNvSpPr>
+            <a:spLocks noGrp="1"/>
+          </p:cNvSpPr>
+          <p:nvPr>
+            <p:ph type="subTitle" idx="1"/>
+          </p:nvPr>
+        </p:nvSpPr>
+        <p:spPr>
+          <a:xfrm>
+            <a:off x="1409700" y="2875459"/>
+            <a:ext cx="9144000" cy="3331711"/>
+          </a:xfrm>
+        </p:spPr>
+        <p:txBody>
+          <a:bodyPr>
+            <a:noAutofit/>
           </a:bodyPr>
           <a:lstStyle/>
           <a:p>
-            <a:r>
-              <a:rPr lang="en-US" sz="3200" dirty="0">
-                <a:latin typeface="Helvetica"/>
-                <a:cs typeface="Helvetica"/>
-              </a:rPr>
-              <a:t>How do we go from this?</a:t>
+            <a:pPr marL="342900" indent="-342900" algn="l">
+              <a:buFont typeface="Arial"/>
+              <a:buChar char="•"/>
+            </a:pPr>
+            <a:r>
+              <a:rPr lang="en-US" sz="4000" i="1" dirty="0"/>
+              <a:t>Introductory:</a:t>
+            </a:r>
+            <a:r>
+              <a:rPr lang="en-US" sz="4000" dirty="0"/>
+              <a:t> R Projects, </a:t>
+            </a:r>
+            <a:r>
+              <a:rPr lang="en-US" sz="4000" dirty="0" err="1"/>
+              <a:t>Googlesheets</a:t>
+            </a:r>
+            <a:r>
+              <a:rPr lang="en-US" sz="4000" dirty="0"/>
+              <a:t>, Markdown, Slack</a:t>
+            </a:r>
+          </a:p>
+          <a:p>
+            <a:pPr marL="342900" indent="-342900" algn="l">
+              <a:buFont typeface="Arial"/>
+              <a:buChar char="•"/>
+            </a:pPr>
+            <a:r>
+              <a:rPr lang="en-US" sz="4000" i="1" dirty="0"/>
+              <a:t>Intermediate: </a:t>
+            </a:r>
+            <a:r>
+              <a:rPr lang="en-US" sz="4000" dirty="0"/>
+              <a:t>Personal repositories, web publication</a:t>
+            </a:r>
+          </a:p>
+          <a:p>
+            <a:pPr marL="342900" indent="-342900" algn="l">
+              <a:buFont typeface="Arial"/>
+              <a:buChar char="•"/>
+            </a:pPr>
+            <a:r>
+              <a:rPr lang="en-US" sz="4000" i="1" dirty="0"/>
+              <a:t>Advanced:</a:t>
+            </a:r>
+            <a:r>
+              <a:rPr lang="en-US" sz="4000" dirty="0"/>
+              <a:t> Shared repositories, version control</a:t>
             </a:r>
           </a:p>
         </p:txBody>
@@ -9004,7 +9938,7 @@
     </p:spTree>
     <p:extLst>
       <p:ext uri="{BB962C8B-B14F-4D97-AF65-F5344CB8AC3E}">
-        <p14:creationId xmlns:p14="http://schemas.microsoft.com/office/powerpoint/2010/main" val="1809129417"/>
+        <p14:creationId xmlns:p14="http://schemas.microsoft.com/office/powerpoint/2010/main" val="2995725259"/>
       </p:ext>
     </p:extLst>
   </p:cSld>
